--- a/Documentation/Мини-конзола с Arduino Uno.pptx
+++ b/Documentation/Мини-конзола с Arduino Uno.pptx
@@ -1,44 +1,50 @@
 
 <file path=ppt/presentation.xml><?xml version="1.0" encoding="utf-8"?>
-<p:presentation xmlns:a="http://schemas.openxmlformats.org/drawingml/2006/main" xmlns:r="http://schemas.openxmlformats.org/officeDocument/2006/relationships" xmlns:mc="http://schemas.openxmlformats.org/markup-compatibility/2006" xmlns:mv="urn:schemas-microsoft-com:mac:vml" xmlns:p="http://schemas.openxmlformats.org/presentationml/2006/main" xmlns:c="http://schemas.openxmlformats.org/drawingml/2006/chart" xmlns:dgm="http://schemas.openxmlformats.org/drawingml/2006/diagram" xmlns:o="urn:schemas-microsoft-com:office:office" xmlns:v="urn:schemas-microsoft-com:vml" xmlns:pvml="urn:schemas-microsoft-com:office:powerpoint" xmlns:com="http://schemas.openxmlformats.org/drawingml/2006/compatibility" xmlns:p14="http://schemas.microsoft.com/office/powerpoint/2010/main" xmlns:p15="http://schemas.microsoft.com/office/powerpoint/2012/main" autoCompressPictures="0" embedTrueTypeFonts="1" strictFirstAndLastChars="0" saveSubsetFonts="1">
+<p:presentation xmlns:a="http://schemas.openxmlformats.org/drawingml/2006/main" xmlns:r="http://schemas.openxmlformats.org/officeDocument/2006/relationships" xmlns:p="http://schemas.openxmlformats.org/presentationml/2006/main" strictFirstAndLastChars="0" embedTrueTypeFonts="1" saveSubsetFonts="1" autoCompressPictures="0">
   <p:sldMasterIdLst>
-    <p:sldMasterId id="2147483659" r:id="rId4"/>
+    <p:sldMasterId id="2147483659" r:id="rId1"/>
   </p:sldMasterIdLst>
   <p:notesMasterIdLst>
-    <p:notesMasterId r:id="rId5"/>
+    <p:notesMasterId r:id="rId18"/>
   </p:notesMasterIdLst>
   <p:sldIdLst>
-    <p:sldId id="256" r:id="rId6"/>
-    <p:sldId id="257" r:id="rId7"/>
-    <p:sldId id="258" r:id="rId8"/>
-    <p:sldId id="259" r:id="rId9"/>
-    <p:sldId id="260" r:id="rId10"/>
-    <p:sldId id="261" r:id="rId11"/>
-    <p:sldId id="262" r:id="rId12"/>
-    <p:sldId id="263" r:id="rId13"/>
-    <p:sldId id="264" r:id="rId14"/>
-    <p:sldId id="265" r:id="rId15"/>
+    <p:sldId id="256" r:id="rId2"/>
+    <p:sldId id="257" r:id="rId3"/>
+    <p:sldId id="258" r:id="rId4"/>
+    <p:sldId id="259" r:id="rId5"/>
+    <p:sldId id="260" r:id="rId6"/>
+    <p:sldId id="261" r:id="rId7"/>
+    <p:sldId id="262" r:id="rId8"/>
+    <p:sldId id="263" r:id="rId9"/>
+    <p:sldId id="266" r:id="rId10"/>
+    <p:sldId id="268" r:id="rId11"/>
+    <p:sldId id="267" r:id="rId12"/>
+    <p:sldId id="269" r:id="rId13"/>
+    <p:sldId id="270" r:id="rId14"/>
+    <p:sldId id="271" r:id="rId15"/>
+    <p:sldId id="264" r:id="rId16"/>
+    <p:sldId id="265" r:id="rId17"/>
   </p:sldIdLst>
-  <p:sldSz cy="5143500" cx="9144000"/>
+  <p:sldSz cx="9144000" cy="5143500" type="screen16x9"/>
   <p:notesSz cx="6858000" cy="9144000"/>
   <p:embeddedFontLst>
     <p:embeddedFont>
-      <p:font typeface="Montserrat"/>
-      <p:regular r:id="rId16"/>
-      <p:bold r:id="rId17"/>
-      <p:italic r:id="rId18"/>
-      <p:boldItalic r:id="rId19"/>
+      <p:font typeface="Montserrat" panose="020B0604020202020204" charset="0"/>
+      <p:regular r:id="rId19"/>
+      <p:bold r:id="rId20"/>
+      <p:italic r:id="rId21"/>
+      <p:boldItalic r:id="rId22"/>
     </p:embeddedFont>
     <p:embeddedFont>
-      <p:font typeface="Lato"/>
-      <p:regular r:id="rId20"/>
-      <p:bold r:id="rId21"/>
-      <p:italic r:id="rId22"/>
-      <p:boldItalic r:id="rId23"/>
+      <p:font typeface="Lato" panose="020B0604020202020204" charset="0"/>
+      <p:regular r:id="rId23"/>
+      <p:bold r:id="rId24"/>
+      <p:italic r:id="rId25"/>
+      <p:boldItalic r:id="rId26"/>
     </p:embeddedFont>
   </p:embeddedFontLst>
   <p:defaultTextStyle>
-    <a:defPPr lvl="0" marR="0" rtl="0" algn="l">
+    <a:defPPr marR="0" lvl="0" algn="l" rtl="0">
       <a:lnSpc>
         <a:spcPct val="100000"/>
       </a:lnSpc>
@@ -49,7 +55,7 @@
         <a:spcPts val="0"/>
       </a:spcAft>
     </a:defPPr>
-    <a:lvl1pPr lvl="0" marR="0" rtl="0" algn="l">
+    <a:lvl1pPr marR="0" lvl="0" algn="l" rtl="0">
       <a:lnSpc>
         <a:spcPct val="100000"/>
       </a:lnSpc>
@@ -63,7 +69,7 @@
         <a:srgbClr val="000000"/>
       </a:buClr>
       <a:buFont typeface="Arial"/>
-      <a:defRPr b="0" i="0" sz="1400" u="none" cap="none" strike="noStrike">
+      <a:defRPr sz="1400" b="0" i="0" u="none" strike="noStrike" cap="none">
         <a:solidFill>
           <a:srgbClr val="000000"/>
         </a:solidFill>
@@ -73,7 +79,7 @@
         <a:sym typeface="Arial"/>
       </a:defRPr>
     </a:lvl1pPr>
-    <a:lvl2pPr lvl="1" marR="0" rtl="0" algn="l">
+    <a:lvl2pPr marR="0" lvl="1" algn="l" rtl="0">
       <a:lnSpc>
         <a:spcPct val="100000"/>
       </a:lnSpc>
@@ -87,7 +93,7 @@
         <a:srgbClr val="000000"/>
       </a:buClr>
       <a:buFont typeface="Arial"/>
-      <a:defRPr b="0" i="0" sz="1400" u="none" cap="none" strike="noStrike">
+      <a:defRPr sz="1400" b="0" i="0" u="none" strike="noStrike" cap="none">
         <a:solidFill>
           <a:srgbClr val="000000"/>
         </a:solidFill>
@@ -97,7 +103,7 @@
         <a:sym typeface="Arial"/>
       </a:defRPr>
     </a:lvl2pPr>
-    <a:lvl3pPr lvl="2" marR="0" rtl="0" algn="l">
+    <a:lvl3pPr marR="0" lvl="2" algn="l" rtl="0">
       <a:lnSpc>
         <a:spcPct val="100000"/>
       </a:lnSpc>
@@ -111,7 +117,7 @@
         <a:srgbClr val="000000"/>
       </a:buClr>
       <a:buFont typeface="Arial"/>
-      <a:defRPr b="0" i="0" sz="1400" u="none" cap="none" strike="noStrike">
+      <a:defRPr sz="1400" b="0" i="0" u="none" strike="noStrike" cap="none">
         <a:solidFill>
           <a:srgbClr val="000000"/>
         </a:solidFill>
@@ -121,7 +127,7 @@
         <a:sym typeface="Arial"/>
       </a:defRPr>
     </a:lvl3pPr>
-    <a:lvl4pPr lvl="3" marR="0" rtl="0" algn="l">
+    <a:lvl4pPr marR="0" lvl="3" algn="l" rtl="0">
       <a:lnSpc>
         <a:spcPct val="100000"/>
       </a:lnSpc>
@@ -135,7 +141,7 @@
         <a:srgbClr val="000000"/>
       </a:buClr>
       <a:buFont typeface="Arial"/>
-      <a:defRPr b="0" i="0" sz="1400" u="none" cap="none" strike="noStrike">
+      <a:defRPr sz="1400" b="0" i="0" u="none" strike="noStrike" cap="none">
         <a:solidFill>
           <a:srgbClr val="000000"/>
         </a:solidFill>
@@ -145,7 +151,7 @@
         <a:sym typeface="Arial"/>
       </a:defRPr>
     </a:lvl4pPr>
-    <a:lvl5pPr lvl="4" marR="0" rtl="0" algn="l">
+    <a:lvl5pPr marR="0" lvl="4" algn="l" rtl="0">
       <a:lnSpc>
         <a:spcPct val="100000"/>
       </a:lnSpc>
@@ -159,7 +165,7 @@
         <a:srgbClr val="000000"/>
       </a:buClr>
       <a:buFont typeface="Arial"/>
-      <a:defRPr b="0" i="0" sz="1400" u="none" cap="none" strike="noStrike">
+      <a:defRPr sz="1400" b="0" i="0" u="none" strike="noStrike" cap="none">
         <a:solidFill>
           <a:srgbClr val="000000"/>
         </a:solidFill>
@@ -169,7 +175,7 @@
         <a:sym typeface="Arial"/>
       </a:defRPr>
     </a:lvl5pPr>
-    <a:lvl6pPr lvl="5" marR="0" rtl="0" algn="l">
+    <a:lvl6pPr marR="0" lvl="5" algn="l" rtl="0">
       <a:lnSpc>
         <a:spcPct val="100000"/>
       </a:lnSpc>
@@ -183,7 +189,7 @@
         <a:srgbClr val="000000"/>
       </a:buClr>
       <a:buFont typeface="Arial"/>
-      <a:defRPr b="0" i="0" sz="1400" u="none" cap="none" strike="noStrike">
+      <a:defRPr sz="1400" b="0" i="0" u="none" strike="noStrike" cap="none">
         <a:solidFill>
           <a:srgbClr val="000000"/>
         </a:solidFill>
@@ -193,7 +199,7 @@
         <a:sym typeface="Arial"/>
       </a:defRPr>
     </a:lvl6pPr>
-    <a:lvl7pPr lvl="6" marR="0" rtl="0" algn="l">
+    <a:lvl7pPr marR="0" lvl="6" algn="l" rtl="0">
       <a:lnSpc>
         <a:spcPct val="100000"/>
       </a:lnSpc>
@@ -207,7 +213,7 @@
         <a:srgbClr val="000000"/>
       </a:buClr>
       <a:buFont typeface="Arial"/>
-      <a:defRPr b="0" i="0" sz="1400" u="none" cap="none" strike="noStrike">
+      <a:defRPr sz="1400" b="0" i="0" u="none" strike="noStrike" cap="none">
         <a:solidFill>
           <a:srgbClr val="000000"/>
         </a:solidFill>
@@ -217,7 +223,7 @@
         <a:sym typeface="Arial"/>
       </a:defRPr>
     </a:lvl7pPr>
-    <a:lvl8pPr lvl="7" marR="0" rtl="0" algn="l">
+    <a:lvl8pPr marR="0" lvl="7" algn="l" rtl="0">
       <a:lnSpc>
         <a:spcPct val="100000"/>
       </a:lnSpc>
@@ -231,7 +237,7 @@
         <a:srgbClr val="000000"/>
       </a:buClr>
       <a:buFont typeface="Arial"/>
-      <a:defRPr b="0" i="0" sz="1400" u="none" cap="none" strike="noStrike">
+      <a:defRPr sz="1400" b="0" i="0" u="none" strike="noStrike" cap="none">
         <a:solidFill>
           <a:srgbClr val="000000"/>
         </a:solidFill>
@@ -241,7 +247,7 @@
         <a:sym typeface="Arial"/>
       </a:defRPr>
     </a:lvl8pPr>
-    <a:lvl9pPr lvl="8" marR="0" rtl="0" algn="l">
+    <a:lvl9pPr marR="0" lvl="8" algn="l" rtl="0">
       <a:lnSpc>
         <a:spcPct val="100000"/>
       </a:lnSpc>
@@ -255,7 +261,7 @@
         <a:srgbClr val="000000"/>
       </a:buClr>
       <a:buFont typeface="Arial"/>
-      <a:defRPr b="0" i="0" sz="1400" u="none" cap="none" strike="noStrike">
+      <a:defRPr sz="1400" b="0" i="0" u="none" strike="noStrike" cap="none">
         <a:solidFill>
           <a:srgbClr val="000000"/>
         </a:solidFill>
@@ -268,7 +274,7 @@
   </p:defaultTextStyle>
   <p:extLst>
     <p:ext uri="{EFAFB233-063F-42B5-8137-9DF3F51BA10A}">
-      <p15:sldGuideLst>
+      <p15:sldGuideLst xmlns:p15="http://schemas.microsoft.com/office/powerpoint/2012/main">
         <p15:guide id="1" orient="horz" pos="1620">
           <p15:clr>
             <a:srgbClr val="A4A3A4"/>
@@ -286,11 +292,16 @@
 </file>
 
 <file path=ppt/notesMasters/notesMaster1.xml><?xml version="1.0" encoding="utf-8"?>
-<p:notesMaster xmlns:a="http://schemas.openxmlformats.org/drawingml/2006/main" xmlns:r="http://schemas.openxmlformats.org/officeDocument/2006/relationships" xmlns:mc="http://schemas.openxmlformats.org/markup-compatibility/2006" xmlns:mv="urn:schemas-microsoft-com:mac:vml" xmlns:p="http://schemas.openxmlformats.org/presentationml/2006/main" xmlns:c="http://schemas.openxmlformats.org/drawingml/2006/chart" xmlns:dgm="http://schemas.openxmlformats.org/drawingml/2006/diagram" xmlns:o="urn:schemas-microsoft-com:office:office" xmlns:v="urn:schemas-microsoft-com:vml" xmlns:pvml="urn:schemas-microsoft-com:office:powerpoint" xmlns:com="http://schemas.openxmlformats.org/drawingml/2006/compatibility" xmlns:p14="http://schemas.microsoft.com/office/powerpoint/2010/main" xmlns:p15="http://schemas.microsoft.com/office/powerpoint/2012/main">
+<p:notesMaster xmlns:a="http://schemas.openxmlformats.org/drawingml/2006/main" xmlns:r="http://schemas.openxmlformats.org/officeDocument/2006/relationships" xmlns:p="http://schemas.openxmlformats.org/presentationml/2006/main">
   <p:cSld>
+    <p:bg>
+      <p:bgRef idx="1001">
+        <a:schemeClr val="bg1"/>
+      </p:bgRef>
+    </p:bg>
     <p:spTree>
       <p:nvGrpSpPr>
-        <p:cNvPr id="2" name="Shape 2"/>
+        <p:cNvPr id="1" name="Shape 2"/>
         <p:cNvGrpSpPr/>
         <p:nvPr/>
       </p:nvGrpSpPr>
@@ -305,9 +316,11 @@
       <p:sp>
         <p:nvSpPr>
           <p:cNvPr id="3" name="Google Shape;3;n"/>
-          <p:cNvSpPr/>
+          <p:cNvSpPr>
+            <a:spLocks noGrp="1" noRot="1" noChangeAspect="1"/>
+          </p:cNvSpPr>
           <p:nvPr>
-            <p:ph idx="2" type="sldImg"/>
+            <p:ph type="sldImg" idx="2"/>
           </p:nvPr>
         </p:nvSpPr>
         <p:spPr>
@@ -316,9 +329,13 @@
             <a:ext cx="6096075" cy="3429000"/>
           </a:xfrm>
           <a:custGeom>
-            <a:rect b="b" l="l" r="r" t="t"/>
+            <a:avLst/>
+            <a:gdLst/>
+            <a:ahLst/>
+            <a:cxnLst/>
+            <a:rect l="l" t="t" r="r" b="b"/>
             <a:pathLst>
-              <a:path extrusionOk="0" h="120000" w="120000">
+              <a:path w="120000" h="120000" extrusionOk="0">
                 <a:moveTo>
                   <a:pt x="0" y="0"/>
                 </a:moveTo>
@@ -336,23 +353,25 @@
             </a:pathLst>
           </a:custGeom>
           <a:noFill/>
-          <a:ln cap="flat" cmpd="sng" w="9525">
+          <a:ln w="9525" cap="flat" cmpd="sng">
             <a:solidFill>
               <a:srgbClr val="000000"/>
             </a:solidFill>
             <a:prstDash val="solid"/>
             <a:round/>
-            <a:headEnd len="sm" w="sm" type="none"/>
-            <a:tailEnd len="sm" w="sm" type="none"/>
+            <a:headEnd type="none" w="sm" len="sm"/>
+            <a:tailEnd type="none" w="sm" len="sm"/>
           </a:ln>
         </p:spPr>
       </p:sp>
       <p:sp>
         <p:nvSpPr>
           <p:cNvPr id="4" name="Google Shape;4;n"/>
-          <p:cNvSpPr txBox="1"/>
+          <p:cNvSpPr txBox="1">
+            <a:spLocks noGrp="1"/>
+          </p:cNvSpPr>
           <p:nvPr>
-            <p:ph idx="1" type="body"/>
+            <p:ph type="body" idx="1"/>
           </p:nvPr>
         </p:nvSpPr>
         <p:spPr>
@@ -369,9 +388,9 @@
           </a:ln>
         </p:spPr>
         <p:txBody>
-          <a:bodyPr anchorCtr="0" anchor="t" bIns="91425" lIns="91425" spcFirstLastPara="1" rIns="91425" wrap="square" tIns="91425"/>
+          <a:bodyPr spcFirstLastPara="1" wrap="square" lIns="91425" tIns="91425" rIns="91425" bIns="91425" anchor="t" anchorCtr="0"/>
           <a:lstStyle>
-            <a:lvl1pPr indent="-298450" lvl="0" marL="457200">
+            <a:lvl1pPr marL="457200" lvl="0" indent="-298450">
               <a:spcBef>
                 <a:spcPts val="0"/>
               </a:spcBef>
@@ -382,7 +401,7 @@
               <a:buChar char="●"/>
               <a:defRPr sz="1100"/>
             </a:lvl1pPr>
-            <a:lvl2pPr indent="-298450" lvl="1" marL="914400">
+            <a:lvl2pPr marL="914400" lvl="1" indent="-298450">
               <a:spcBef>
                 <a:spcPts val="0"/>
               </a:spcBef>
@@ -393,7 +412,7 @@
               <a:buChar char="○"/>
               <a:defRPr sz="1100"/>
             </a:lvl2pPr>
-            <a:lvl3pPr indent="-298450" lvl="2" marL="1371600">
+            <a:lvl3pPr marL="1371600" lvl="2" indent="-298450">
               <a:spcBef>
                 <a:spcPts val="0"/>
               </a:spcBef>
@@ -404,7 +423,7 @@
               <a:buChar char="■"/>
               <a:defRPr sz="1100"/>
             </a:lvl3pPr>
-            <a:lvl4pPr indent="-298450" lvl="3" marL="1828800">
+            <a:lvl4pPr marL="1828800" lvl="3" indent="-298450">
               <a:spcBef>
                 <a:spcPts val="0"/>
               </a:spcBef>
@@ -415,7 +434,7 @@
               <a:buChar char="●"/>
               <a:defRPr sz="1100"/>
             </a:lvl4pPr>
-            <a:lvl5pPr indent="-298450" lvl="4" marL="2286000">
+            <a:lvl5pPr marL="2286000" lvl="4" indent="-298450">
               <a:spcBef>
                 <a:spcPts val="0"/>
               </a:spcBef>
@@ -426,7 +445,7 @@
               <a:buChar char="○"/>
               <a:defRPr sz="1100"/>
             </a:lvl5pPr>
-            <a:lvl6pPr indent="-298450" lvl="5" marL="2743200">
+            <a:lvl6pPr marL="2743200" lvl="5" indent="-298450">
               <a:spcBef>
                 <a:spcPts val="0"/>
               </a:spcBef>
@@ -437,7 +456,7 @@
               <a:buChar char="■"/>
               <a:defRPr sz="1100"/>
             </a:lvl6pPr>
-            <a:lvl7pPr indent="-298450" lvl="6" marL="3200400">
+            <a:lvl7pPr marL="3200400" lvl="6" indent="-298450">
               <a:spcBef>
                 <a:spcPts val="0"/>
               </a:spcBef>
@@ -448,7 +467,7 @@
               <a:buChar char="●"/>
               <a:defRPr sz="1100"/>
             </a:lvl7pPr>
-            <a:lvl8pPr indent="-298450" lvl="7" marL="3657600">
+            <a:lvl8pPr marL="3657600" lvl="7" indent="-298450">
               <a:spcBef>
                 <a:spcPts val="0"/>
               </a:spcBef>
@@ -459,7 +478,7 @@
               <a:buChar char="○"/>
               <a:defRPr sz="1100"/>
             </a:lvl8pPr>
-            <a:lvl9pPr indent="-298450" lvl="8" marL="4114800">
+            <a:lvl9pPr marL="4114800" lvl="8" indent="-298450">
               <a:spcBef>
                 <a:spcPts val="0"/>
               </a:spcBef>
@@ -471,14 +490,21 @@
               <a:defRPr sz="1100"/>
             </a:lvl9pPr>
           </a:lstStyle>
-          <a:p/>
+          <a:p>
+            <a:endParaRPr/>
+          </a:p>
         </p:txBody>
       </p:sp>
     </p:spTree>
+    <p:extLst>
+      <p:ext uri="{BB962C8B-B14F-4D97-AF65-F5344CB8AC3E}">
+        <p14:creationId xmlns:p14="http://schemas.microsoft.com/office/powerpoint/2010/main" val="1304521985"/>
+      </p:ext>
+    </p:extLst>
   </p:cSld>
-  <p:clrMap accent1="accent1" accent2="accent2" accent3="accent3" accent4="accent4" accent5="accent5" accent6="accent6" bg1="lt1" bg2="dk2" tx1="dk1" tx2="lt2" folHlink="folHlink" hlink="hlink"/>
+  <p:clrMap bg1="lt1" tx1="dk1" bg2="dk2" tx2="lt2" accent1="accent1" accent2="accent2" accent3="accent3" accent4="accent4" accent5="accent5" accent6="accent6" hlink="hlink" folHlink="folHlink"/>
   <p:notesStyle>
-    <a:defPPr lvl="0" marR="0" rtl="0" algn="l">
+    <a:defPPr marR="0" lvl="0" algn="l" rtl="0">
       <a:lnSpc>
         <a:spcPct val="100000"/>
       </a:lnSpc>
@@ -489,7 +515,7 @@
         <a:spcPts val="0"/>
       </a:spcAft>
     </a:defPPr>
-    <a:lvl1pPr lvl="0" marR="0" rtl="0" algn="l">
+    <a:lvl1pPr marR="0" lvl="0" algn="l" rtl="0">
       <a:lnSpc>
         <a:spcPct val="100000"/>
       </a:lnSpc>
@@ -503,7 +529,7 @@
         <a:srgbClr val="000000"/>
       </a:buClr>
       <a:buFont typeface="Arial"/>
-      <a:defRPr b="0" i="0" sz="1400" u="none" cap="none" strike="noStrike">
+      <a:defRPr sz="1400" b="0" i="0" u="none" strike="noStrike" cap="none">
         <a:solidFill>
           <a:srgbClr val="000000"/>
         </a:solidFill>
@@ -513,7 +539,7 @@
         <a:sym typeface="Arial"/>
       </a:defRPr>
     </a:lvl1pPr>
-    <a:lvl2pPr lvl="1" marR="0" rtl="0" algn="l">
+    <a:lvl2pPr marR="0" lvl="1" algn="l" rtl="0">
       <a:lnSpc>
         <a:spcPct val="100000"/>
       </a:lnSpc>
@@ -527,7 +553,7 @@
         <a:srgbClr val="000000"/>
       </a:buClr>
       <a:buFont typeface="Arial"/>
-      <a:defRPr b="0" i="0" sz="1400" u="none" cap="none" strike="noStrike">
+      <a:defRPr sz="1400" b="0" i="0" u="none" strike="noStrike" cap="none">
         <a:solidFill>
           <a:srgbClr val="000000"/>
         </a:solidFill>
@@ -537,7 +563,7 @@
         <a:sym typeface="Arial"/>
       </a:defRPr>
     </a:lvl2pPr>
-    <a:lvl3pPr lvl="2" marR="0" rtl="0" algn="l">
+    <a:lvl3pPr marR="0" lvl="2" algn="l" rtl="0">
       <a:lnSpc>
         <a:spcPct val="100000"/>
       </a:lnSpc>
@@ -551,7 +577,7 @@
         <a:srgbClr val="000000"/>
       </a:buClr>
       <a:buFont typeface="Arial"/>
-      <a:defRPr b="0" i="0" sz="1400" u="none" cap="none" strike="noStrike">
+      <a:defRPr sz="1400" b="0" i="0" u="none" strike="noStrike" cap="none">
         <a:solidFill>
           <a:srgbClr val="000000"/>
         </a:solidFill>
@@ -561,7 +587,7 @@
         <a:sym typeface="Arial"/>
       </a:defRPr>
     </a:lvl3pPr>
-    <a:lvl4pPr lvl="3" marR="0" rtl="0" algn="l">
+    <a:lvl4pPr marR="0" lvl="3" algn="l" rtl="0">
       <a:lnSpc>
         <a:spcPct val="100000"/>
       </a:lnSpc>
@@ -575,7 +601,7 @@
         <a:srgbClr val="000000"/>
       </a:buClr>
       <a:buFont typeface="Arial"/>
-      <a:defRPr b="0" i="0" sz="1400" u="none" cap="none" strike="noStrike">
+      <a:defRPr sz="1400" b="0" i="0" u="none" strike="noStrike" cap="none">
         <a:solidFill>
           <a:srgbClr val="000000"/>
         </a:solidFill>
@@ -585,7 +611,7 @@
         <a:sym typeface="Arial"/>
       </a:defRPr>
     </a:lvl4pPr>
-    <a:lvl5pPr lvl="4" marR="0" rtl="0" algn="l">
+    <a:lvl5pPr marR="0" lvl="4" algn="l" rtl="0">
       <a:lnSpc>
         <a:spcPct val="100000"/>
       </a:lnSpc>
@@ -599,7 +625,7 @@
         <a:srgbClr val="000000"/>
       </a:buClr>
       <a:buFont typeface="Arial"/>
-      <a:defRPr b="0" i="0" sz="1400" u="none" cap="none" strike="noStrike">
+      <a:defRPr sz="1400" b="0" i="0" u="none" strike="noStrike" cap="none">
         <a:solidFill>
           <a:srgbClr val="000000"/>
         </a:solidFill>
@@ -609,7 +635,7 @@
         <a:sym typeface="Arial"/>
       </a:defRPr>
     </a:lvl5pPr>
-    <a:lvl6pPr lvl="5" marR="0" rtl="0" algn="l">
+    <a:lvl6pPr marR="0" lvl="5" algn="l" rtl="0">
       <a:lnSpc>
         <a:spcPct val="100000"/>
       </a:lnSpc>
@@ -623,7 +649,7 @@
         <a:srgbClr val="000000"/>
       </a:buClr>
       <a:buFont typeface="Arial"/>
-      <a:defRPr b="0" i="0" sz="1400" u="none" cap="none" strike="noStrike">
+      <a:defRPr sz="1400" b="0" i="0" u="none" strike="noStrike" cap="none">
         <a:solidFill>
           <a:srgbClr val="000000"/>
         </a:solidFill>
@@ -633,7 +659,7 @@
         <a:sym typeface="Arial"/>
       </a:defRPr>
     </a:lvl6pPr>
-    <a:lvl7pPr lvl="6" marR="0" rtl="0" algn="l">
+    <a:lvl7pPr marR="0" lvl="6" algn="l" rtl="0">
       <a:lnSpc>
         <a:spcPct val="100000"/>
       </a:lnSpc>
@@ -647,7 +673,7 @@
         <a:srgbClr val="000000"/>
       </a:buClr>
       <a:buFont typeface="Arial"/>
-      <a:defRPr b="0" i="0" sz="1400" u="none" cap="none" strike="noStrike">
+      <a:defRPr sz="1400" b="0" i="0" u="none" strike="noStrike" cap="none">
         <a:solidFill>
           <a:srgbClr val="000000"/>
         </a:solidFill>
@@ -657,7 +683,7 @@
         <a:sym typeface="Arial"/>
       </a:defRPr>
     </a:lvl7pPr>
-    <a:lvl8pPr lvl="7" marR="0" rtl="0" algn="l">
+    <a:lvl8pPr marR="0" lvl="7" algn="l" rtl="0">
       <a:lnSpc>
         <a:spcPct val="100000"/>
       </a:lnSpc>
@@ -671,7 +697,7 @@
         <a:srgbClr val="000000"/>
       </a:buClr>
       <a:buFont typeface="Arial"/>
-      <a:defRPr b="0" i="0" sz="1400" u="none" cap="none" strike="noStrike">
+      <a:defRPr sz="1400" b="0" i="0" u="none" strike="noStrike" cap="none">
         <a:solidFill>
           <a:srgbClr val="000000"/>
         </a:solidFill>
@@ -681,7 +707,7 @@
         <a:sym typeface="Arial"/>
       </a:defRPr>
     </a:lvl8pPr>
-    <a:lvl9pPr lvl="8" marR="0" rtl="0" algn="l">
+    <a:lvl9pPr marR="0" lvl="8" algn="l" rtl="0">
       <a:lnSpc>
         <a:spcPct val="100000"/>
       </a:lnSpc>
@@ -695,7 +721,7 @@
         <a:srgbClr val="000000"/>
       </a:buClr>
       <a:buFont typeface="Arial"/>
-      <a:defRPr b="0" i="0" sz="1400" u="none" cap="none" strike="noStrike">
+      <a:defRPr sz="1400" b="0" i="0" u="none" strike="noStrike" cap="none">
         <a:solidFill>
           <a:srgbClr val="000000"/>
         </a:solidFill>
@@ -710,11 +736,11 @@
 </file>
 
 <file path=ppt/notesSlides/notesSlide1.xml><?xml version="1.0" encoding="utf-8"?>
-<p:notes xmlns:a="http://schemas.openxmlformats.org/drawingml/2006/main" xmlns:r="http://schemas.openxmlformats.org/officeDocument/2006/relationships" xmlns:mc="http://schemas.openxmlformats.org/markup-compatibility/2006" xmlns:mv="urn:schemas-microsoft-com:mac:vml" xmlns:p="http://schemas.openxmlformats.org/presentationml/2006/main" xmlns:c="http://schemas.openxmlformats.org/drawingml/2006/chart" xmlns:dgm="http://schemas.openxmlformats.org/drawingml/2006/diagram" xmlns:o="urn:schemas-microsoft-com:office:office" xmlns:v="urn:schemas-microsoft-com:vml" xmlns:pvml="urn:schemas-microsoft-com:office:powerpoint" xmlns:com="http://schemas.openxmlformats.org/drawingml/2006/compatibility" xmlns:p14="http://schemas.microsoft.com/office/powerpoint/2010/main" xmlns:p15="http://schemas.microsoft.com/office/powerpoint/2012/main" showMasterPhAnim="0" showMasterSp="0">
+<p:notes xmlns:a="http://schemas.openxmlformats.org/drawingml/2006/main" xmlns:r="http://schemas.openxmlformats.org/officeDocument/2006/relationships" xmlns:p="http://schemas.openxmlformats.org/presentationml/2006/main" showMasterSp="0" showMasterPhAnim="0">
   <p:cSld>
     <p:spTree>
       <p:nvGrpSpPr>
-        <p:cNvPr id="130" name="Shape 130"/>
+        <p:cNvPr id="1" name="Shape 130"/>
         <p:cNvGrpSpPr/>
         <p:nvPr/>
       </p:nvGrpSpPr>
@@ -729,20 +755,26 @@
       <p:sp>
         <p:nvSpPr>
           <p:cNvPr id="131" name="Google Shape;131;p:notes"/>
-          <p:cNvSpPr/>
+          <p:cNvSpPr>
+            <a:spLocks noGrp="1" noRot="1" noChangeAspect="1"/>
+          </p:cNvSpPr>
           <p:nvPr>
-            <p:ph idx="2" type="sldImg"/>
+            <p:ph type="sldImg" idx="2"/>
           </p:nvPr>
         </p:nvSpPr>
         <p:spPr>
           <a:xfrm>
-            <a:off x="381300" y="685800"/>
-            <a:ext cx="6096075" cy="3429000"/>
+            <a:off x="381000" y="685800"/>
+            <a:ext cx="6096000" cy="3429000"/>
           </a:xfrm>
           <a:custGeom>
-            <a:rect b="b" l="l" r="r" t="t"/>
+            <a:avLst/>
+            <a:gdLst/>
+            <a:ahLst/>
+            <a:cxnLst/>
+            <a:rect l="l" t="t" r="r" b="b"/>
             <a:pathLst>
-              <a:path extrusionOk="0" h="120000" w="120000">
+              <a:path w="120000" h="120000" extrusionOk="0">
                 <a:moveTo>
                   <a:pt x="0" y="0"/>
                 </a:moveTo>
@@ -764,9 +796,11 @@
       <p:sp>
         <p:nvSpPr>
           <p:cNvPr id="132" name="Google Shape;132;p:notes"/>
-          <p:cNvSpPr txBox="1"/>
+          <p:cNvSpPr txBox="1">
+            <a:spLocks noGrp="1"/>
+          </p:cNvSpPr>
           <p:nvPr>
-            <p:ph idx="1" type="body"/>
+            <p:ph type="body" idx="1"/>
           </p:nvPr>
         </p:nvSpPr>
         <p:spPr>
@@ -779,12 +813,12 @@
           </a:prstGeom>
         </p:spPr>
         <p:txBody>
-          <a:bodyPr anchorCtr="0" anchor="t" bIns="91425" lIns="91425" spcFirstLastPara="1" rIns="91425" wrap="square" tIns="91425">
+          <a:bodyPr spcFirstLastPara="1" wrap="square" lIns="91425" tIns="91425" rIns="91425" bIns="91425" anchor="t" anchorCtr="0">
             <a:noAutofit/>
           </a:bodyPr>
           <a:lstStyle/>
           <a:p>
-            <a:pPr indent="0" lvl="0" marL="0" rtl="0" algn="l">
+            <a:pPr marL="0" lvl="0" indent="0" algn="l" rtl="0">
               <a:spcBef>
                 <a:spcPts val="0"/>
               </a:spcBef>
@@ -793,14 +827,16 @@
               </a:spcAft>
               <a:buNone/>
             </a:pPr>
-            <a:r>
-              <a:t/>
-            </a:r>
             <a:endParaRPr/>
           </a:p>
         </p:txBody>
       </p:sp>
     </p:spTree>
+    <p:extLst>
+      <p:ext uri="{BB962C8B-B14F-4D97-AF65-F5344CB8AC3E}">
+        <p14:creationId xmlns:p14="http://schemas.microsoft.com/office/powerpoint/2010/main" val="3490942743"/>
+      </p:ext>
+    </p:extLst>
   </p:cSld>
   <p:clrMapOvr>
     <a:masterClrMapping/>
@@ -809,11 +845,11 @@
 </file>
 
 <file path=ppt/notesSlides/notesSlide10.xml><?xml version="1.0" encoding="utf-8"?>
-<p:notes xmlns:a="http://schemas.openxmlformats.org/drawingml/2006/main" xmlns:r="http://schemas.openxmlformats.org/officeDocument/2006/relationships" xmlns:mc="http://schemas.openxmlformats.org/markup-compatibility/2006" xmlns:mv="urn:schemas-microsoft-com:mac:vml" xmlns:p="http://schemas.openxmlformats.org/presentationml/2006/main" xmlns:c="http://schemas.openxmlformats.org/drawingml/2006/chart" xmlns:dgm="http://schemas.openxmlformats.org/drawingml/2006/diagram" xmlns:o="urn:schemas-microsoft-com:office:office" xmlns:v="urn:schemas-microsoft-com:vml" xmlns:pvml="urn:schemas-microsoft-com:office:powerpoint" xmlns:com="http://schemas.openxmlformats.org/drawingml/2006/compatibility" xmlns:p14="http://schemas.microsoft.com/office/powerpoint/2010/main" xmlns:p15="http://schemas.microsoft.com/office/powerpoint/2012/main" showMasterPhAnim="0" showMasterSp="0">
+<p:notes xmlns:a="http://schemas.openxmlformats.org/drawingml/2006/main" xmlns:r="http://schemas.openxmlformats.org/officeDocument/2006/relationships" xmlns:p="http://schemas.openxmlformats.org/presentationml/2006/main" showMasterSp="0" showMasterPhAnim="0">
   <p:cSld>
     <p:spTree>
       <p:nvGrpSpPr>
-        <p:cNvPr id="192" name="Shape 192"/>
+        <p:cNvPr id="1" name="Shape 192"/>
         <p:cNvGrpSpPr/>
         <p:nvPr/>
       </p:nvGrpSpPr>
@@ -828,20 +864,26 @@
       <p:sp>
         <p:nvSpPr>
           <p:cNvPr id="193" name="Google Shape;193;g56d10a8c59_0_151:notes"/>
-          <p:cNvSpPr/>
+          <p:cNvSpPr>
+            <a:spLocks noGrp="1" noRot="1" noChangeAspect="1"/>
+          </p:cNvSpPr>
           <p:nvPr>
-            <p:ph idx="2" type="sldImg"/>
+            <p:ph type="sldImg" idx="2"/>
           </p:nvPr>
         </p:nvSpPr>
         <p:spPr>
           <a:xfrm>
-            <a:off x="381300" y="685800"/>
+            <a:off x="381000" y="685800"/>
             <a:ext cx="6096000" cy="3429000"/>
           </a:xfrm>
           <a:custGeom>
-            <a:rect b="b" l="l" r="r" t="t"/>
+            <a:avLst/>
+            <a:gdLst/>
+            <a:ahLst/>
+            <a:cxnLst/>
+            <a:rect l="l" t="t" r="r" b="b"/>
             <a:pathLst>
-              <a:path extrusionOk="0" h="120000" w="120000">
+              <a:path w="120000" h="120000" extrusionOk="0">
                 <a:moveTo>
                   <a:pt x="0" y="0"/>
                 </a:moveTo>
@@ -863,9 +905,11 @@
       <p:sp>
         <p:nvSpPr>
           <p:cNvPr id="194" name="Google Shape;194;g56d10a8c59_0_151:notes"/>
-          <p:cNvSpPr txBox="1"/>
+          <p:cNvSpPr txBox="1">
+            <a:spLocks noGrp="1"/>
+          </p:cNvSpPr>
           <p:nvPr>
-            <p:ph idx="1" type="body"/>
+            <p:ph type="body" idx="1"/>
           </p:nvPr>
         </p:nvSpPr>
         <p:spPr>
@@ -878,12 +922,12 @@
           </a:prstGeom>
         </p:spPr>
         <p:txBody>
-          <a:bodyPr anchorCtr="0" anchor="t" bIns="91425" lIns="91425" spcFirstLastPara="1" rIns="91425" wrap="square" tIns="91425">
+          <a:bodyPr spcFirstLastPara="1" wrap="square" lIns="91425" tIns="91425" rIns="91425" bIns="91425" anchor="t" anchorCtr="0">
             <a:noAutofit/>
           </a:bodyPr>
           <a:lstStyle/>
           <a:p>
-            <a:pPr indent="0" lvl="0" marL="0" rtl="0" algn="l">
+            <a:pPr marL="0" lvl="0" indent="0" algn="l" rtl="0">
               <a:spcBef>
                 <a:spcPts val="0"/>
               </a:spcBef>
@@ -892,14 +936,16 @@
               </a:spcAft>
               <a:buNone/>
             </a:pPr>
-            <a:r>
-              <a:t/>
-            </a:r>
             <a:endParaRPr/>
           </a:p>
         </p:txBody>
       </p:sp>
     </p:spTree>
+    <p:extLst>
+      <p:ext uri="{BB962C8B-B14F-4D97-AF65-F5344CB8AC3E}">
+        <p14:creationId xmlns:p14="http://schemas.microsoft.com/office/powerpoint/2010/main" val="3677079162"/>
+      </p:ext>
+    </p:extLst>
   </p:cSld>
   <p:clrMapOvr>
     <a:masterClrMapping/>
@@ -908,11 +954,11 @@
 </file>
 
 <file path=ppt/notesSlides/notesSlide2.xml><?xml version="1.0" encoding="utf-8"?>
-<p:notes xmlns:a="http://schemas.openxmlformats.org/drawingml/2006/main" xmlns:r="http://schemas.openxmlformats.org/officeDocument/2006/relationships" xmlns:mc="http://schemas.openxmlformats.org/markup-compatibility/2006" xmlns:mv="urn:schemas-microsoft-com:mac:vml" xmlns:p="http://schemas.openxmlformats.org/presentationml/2006/main" xmlns:c="http://schemas.openxmlformats.org/drawingml/2006/chart" xmlns:dgm="http://schemas.openxmlformats.org/drawingml/2006/diagram" xmlns:o="urn:schemas-microsoft-com:office:office" xmlns:v="urn:schemas-microsoft-com:vml" xmlns:pvml="urn:schemas-microsoft-com:office:powerpoint" xmlns:com="http://schemas.openxmlformats.org/drawingml/2006/compatibility" xmlns:p14="http://schemas.microsoft.com/office/powerpoint/2010/main" xmlns:p15="http://schemas.microsoft.com/office/powerpoint/2012/main" showMasterPhAnim="0" showMasterSp="0">
+<p:notes xmlns:a="http://schemas.openxmlformats.org/drawingml/2006/main" xmlns:r="http://schemas.openxmlformats.org/officeDocument/2006/relationships" xmlns:p="http://schemas.openxmlformats.org/presentationml/2006/main" showMasterSp="0" showMasterPhAnim="0">
   <p:cSld>
     <p:spTree>
       <p:nvGrpSpPr>
-        <p:cNvPr id="137" name="Shape 137"/>
+        <p:cNvPr id="1" name="Shape 137"/>
         <p:cNvGrpSpPr/>
         <p:nvPr/>
       </p:nvGrpSpPr>
@@ -927,20 +973,26 @@
       <p:sp>
         <p:nvSpPr>
           <p:cNvPr id="138" name="Google Shape;138;g56d10a8c59_0_138:notes"/>
-          <p:cNvSpPr/>
+          <p:cNvSpPr>
+            <a:spLocks noGrp="1" noRot="1" noChangeAspect="1"/>
+          </p:cNvSpPr>
           <p:nvPr>
-            <p:ph idx="2" type="sldImg"/>
+            <p:ph type="sldImg" idx="2"/>
           </p:nvPr>
         </p:nvSpPr>
         <p:spPr>
           <a:xfrm>
-            <a:off x="381300" y="685800"/>
+            <a:off x="381000" y="685800"/>
             <a:ext cx="6096000" cy="3429000"/>
           </a:xfrm>
           <a:custGeom>
-            <a:rect b="b" l="l" r="r" t="t"/>
+            <a:avLst/>
+            <a:gdLst/>
+            <a:ahLst/>
+            <a:cxnLst/>
+            <a:rect l="l" t="t" r="r" b="b"/>
             <a:pathLst>
-              <a:path extrusionOk="0" h="120000" w="120000">
+              <a:path w="120000" h="120000" extrusionOk="0">
                 <a:moveTo>
                   <a:pt x="0" y="0"/>
                 </a:moveTo>
@@ -962,9 +1014,11 @@
       <p:sp>
         <p:nvSpPr>
           <p:cNvPr id="139" name="Google Shape;139;g56d10a8c59_0_138:notes"/>
-          <p:cNvSpPr txBox="1"/>
+          <p:cNvSpPr txBox="1">
+            <a:spLocks noGrp="1"/>
+          </p:cNvSpPr>
           <p:nvPr>
-            <p:ph idx="1" type="body"/>
+            <p:ph type="body" idx="1"/>
           </p:nvPr>
         </p:nvSpPr>
         <p:spPr>
@@ -977,12 +1031,12 @@
           </a:prstGeom>
         </p:spPr>
         <p:txBody>
-          <a:bodyPr anchorCtr="0" anchor="t" bIns="91425" lIns="91425" spcFirstLastPara="1" rIns="91425" wrap="square" tIns="91425">
+          <a:bodyPr spcFirstLastPara="1" wrap="square" lIns="91425" tIns="91425" rIns="91425" bIns="91425" anchor="t" anchorCtr="0">
             <a:noAutofit/>
           </a:bodyPr>
           <a:lstStyle/>
           <a:p>
-            <a:pPr indent="0" lvl="0" marL="0" rtl="0" algn="l">
+            <a:pPr marL="0" lvl="0" indent="0" algn="l" rtl="0">
               <a:spcBef>
                 <a:spcPts val="0"/>
               </a:spcBef>
@@ -991,14 +1045,16 @@
               </a:spcAft>
               <a:buNone/>
             </a:pPr>
-            <a:r>
-              <a:t/>
-            </a:r>
             <a:endParaRPr/>
           </a:p>
         </p:txBody>
       </p:sp>
     </p:spTree>
+    <p:extLst>
+      <p:ext uri="{BB962C8B-B14F-4D97-AF65-F5344CB8AC3E}">
+        <p14:creationId xmlns:p14="http://schemas.microsoft.com/office/powerpoint/2010/main" val="3127322285"/>
+      </p:ext>
+    </p:extLst>
   </p:cSld>
   <p:clrMapOvr>
     <a:masterClrMapping/>
@@ -1007,11 +1063,11 @@
 </file>
 
 <file path=ppt/notesSlides/notesSlide3.xml><?xml version="1.0" encoding="utf-8"?>
-<p:notes xmlns:a="http://schemas.openxmlformats.org/drawingml/2006/main" xmlns:r="http://schemas.openxmlformats.org/officeDocument/2006/relationships" xmlns:mc="http://schemas.openxmlformats.org/markup-compatibility/2006" xmlns:mv="urn:schemas-microsoft-com:mac:vml" xmlns:p="http://schemas.openxmlformats.org/presentationml/2006/main" xmlns:c="http://schemas.openxmlformats.org/drawingml/2006/chart" xmlns:dgm="http://schemas.openxmlformats.org/drawingml/2006/diagram" xmlns:o="urn:schemas-microsoft-com:office:office" xmlns:v="urn:schemas-microsoft-com:vml" xmlns:pvml="urn:schemas-microsoft-com:office:powerpoint" xmlns:com="http://schemas.openxmlformats.org/drawingml/2006/compatibility" xmlns:p14="http://schemas.microsoft.com/office/powerpoint/2010/main" xmlns:p15="http://schemas.microsoft.com/office/powerpoint/2012/main" showMasterPhAnim="0" showMasterSp="0">
+<p:notes xmlns:a="http://schemas.openxmlformats.org/drawingml/2006/main" xmlns:r="http://schemas.openxmlformats.org/officeDocument/2006/relationships" xmlns:p="http://schemas.openxmlformats.org/presentationml/2006/main" showMasterSp="0" showMasterPhAnim="0">
   <p:cSld>
     <p:spTree>
       <p:nvGrpSpPr>
-        <p:cNvPr id="144" name="Shape 144"/>
+        <p:cNvPr id="1" name="Shape 144"/>
         <p:cNvGrpSpPr/>
         <p:nvPr/>
       </p:nvGrpSpPr>
@@ -1026,20 +1082,26 @@
       <p:sp>
         <p:nvSpPr>
           <p:cNvPr id="145" name="Google Shape;145;g56d10a8c59_0_126:notes"/>
-          <p:cNvSpPr/>
+          <p:cNvSpPr>
+            <a:spLocks noGrp="1" noRot="1" noChangeAspect="1"/>
+          </p:cNvSpPr>
           <p:nvPr>
-            <p:ph idx="2" type="sldImg"/>
+            <p:ph type="sldImg" idx="2"/>
           </p:nvPr>
         </p:nvSpPr>
         <p:spPr>
           <a:xfrm>
-            <a:off x="381300" y="685800"/>
+            <a:off x="381000" y="685800"/>
             <a:ext cx="6096000" cy="3429000"/>
           </a:xfrm>
           <a:custGeom>
-            <a:rect b="b" l="l" r="r" t="t"/>
+            <a:avLst/>
+            <a:gdLst/>
+            <a:ahLst/>
+            <a:cxnLst/>
+            <a:rect l="l" t="t" r="r" b="b"/>
             <a:pathLst>
-              <a:path extrusionOk="0" h="120000" w="120000">
+              <a:path w="120000" h="120000" extrusionOk="0">
                 <a:moveTo>
                   <a:pt x="0" y="0"/>
                 </a:moveTo>
@@ -1061,9 +1123,11 @@
       <p:sp>
         <p:nvSpPr>
           <p:cNvPr id="146" name="Google Shape;146;g56d10a8c59_0_126:notes"/>
-          <p:cNvSpPr txBox="1"/>
+          <p:cNvSpPr txBox="1">
+            <a:spLocks noGrp="1"/>
+          </p:cNvSpPr>
           <p:nvPr>
-            <p:ph idx="1" type="body"/>
+            <p:ph type="body" idx="1"/>
           </p:nvPr>
         </p:nvSpPr>
         <p:spPr>
@@ -1076,12 +1140,12 @@
           </a:prstGeom>
         </p:spPr>
         <p:txBody>
-          <a:bodyPr anchorCtr="0" anchor="t" bIns="91425" lIns="91425" spcFirstLastPara="1" rIns="91425" wrap="square" tIns="91425">
+          <a:bodyPr spcFirstLastPara="1" wrap="square" lIns="91425" tIns="91425" rIns="91425" bIns="91425" anchor="t" anchorCtr="0">
             <a:noAutofit/>
           </a:bodyPr>
           <a:lstStyle/>
           <a:p>
-            <a:pPr indent="0" lvl="0" marL="0" rtl="0" algn="l">
+            <a:pPr marL="0" lvl="0" indent="0" algn="l" rtl="0">
               <a:spcBef>
                 <a:spcPts val="0"/>
               </a:spcBef>
@@ -1090,14 +1154,16 @@
               </a:spcAft>
               <a:buNone/>
             </a:pPr>
-            <a:r>
-              <a:t/>
-            </a:r>
             <a:endParaRPr/>
           </a:p>
         </p:txBody>
       </p:sp>
     </p:spTree>
+    <p:extLst>
+      <p:ext uri="{BB962C8B-B14F-4D97-AF65-F5344CB8AC3E}">
+        <p14:creationId xmlns:p14="http://schemas.microsoft.com/office/powerpoint/2010/main" val="1022533957"/>
+      </p:ext>
+    </p:extLst>
   </p:cSld>
   <p:clrMapOvr>
     <a:masterClrMapping/>
@@ -1106,11 +1172,11 @@
 </file>
 
 <file path=ppt/notesSlides/notesSlide4.xml><?xml version="1.0" encoding="utf-8"?>
-<p:notes xmlns:a="http://schemas.openxmlformats.org/drawingml/2006/main" xmlns:r="http://schemas.openxmlformats.org/officeDocument/2006/relationships" xmlns:mc="http://schemas.openxmlformats.org/markup-compatibility/2006" xmlns:mv="urn:schemas-microsoft-com:mac:vml" xmlns:p="http://schemas.openxmlformats.org/presentationml/2006/main" xmlns:c="http://schemas.openxmlformats.org/drawingml/2006/chart" xmlns:dgm="http://schemas.openxmlformats.org/drawingml/2006/diagram" xmlns:o="urn:schemas-microsoft-com:office:office" xmlns:v="urn:schemas-microsoft-com:vml" xmlns:pvml="urn:schemas-microsoft-com:office:powerpoint" xmlns:com="http://schemas.openxmlformats.org/drawingml/2006/compatibility" xmlns:p14="http://schemas.microsoft.com/office/powerpoint/2010/main" xmlns:p15="http://schemas.microsoft.com/office/powerpoint/2012/main" showMasterPhAnim="0" showMasterSp="0">
+<p:notes xmlns:a="http://schemas.openxmlformats.org/drawingml/2006/main" xmlns:r="http://schemas.openxmlformats.org/officeDocument/2006/relationships" xmlns:p="http://schemas.openxmlformats.org/presentationml/2006/main" showMasterSp="0" showMasterPhAnim="0">
   <p:cSld>
     <p:spTree>
       <p:nvGrpSpPr>
-        <p:cNvPr id="150" name="Shape 150"/>
+        <p:cNvPr id="1" name="Shape 150"/>
         <p:cNvGrpSpPr/>
         <p:nvPr/>
       </p:nvGrpSpPr>
@@ -1125,20 +1191,26 @@
       <p:sp>
         <p:nvSpPr>
           <p:cNvPr id="151" name="Google Shape;151;g56d10a8c59_0_132:notes"/>
-          <p:cNvSpPr/>
+          <p:cNvSpPr>
+            <a:spLocks noGrp="1" noRot="1" noChangeAspect="1"/>
+          </p:cNvSpPr>
           <p:nvPr>
-            <p:ph idx="2" type="sldImg"/>
+            <p:ph type="sldImg" idx="2"/>
           </p:nvPr>
         </p:nvSpPr>
         <p:spPr>
           <a:xfrm>
-            <a:off x="381300" y="685800"/>
+            <a:off x="381000" y="685800"/>
             <a:ext cx="6096000" cy="3429000"/>
           </a:xfrm>
           <a:custGeom>
-            <a:rect b="b" l="l" r="r" t="t"/>
+            <a:avLst/>
+            <a:gdLst/>
+            <a:ahLst/>
+            <a:cxnLst/>
+            <a:rect l="l" t="t" r="r" b="b"/>
             <a:pathLst>
-              <a:path extrusionOk="0" h="120000" w="120000">
+              <a:path w="120000" h="120000" extrusionOk="0">
                 <a:moveTo>
                   <a:pt x="0" y="0"/>
                 </a:moveTo>
@@ -1160,9 +1232,11 @@
       <p:sp>
         <p:nvSpPr>
           <p:cNvPr id="152" name="Google Shape;152;g56d10a8c59_0_132:notes"/>
-          <p:cNvSpPr txBox="1"/>
+          <p:cNvSpPr txBox="1">
+            <a:spLocks noGrp="1"/>
+          </p:cNvSpPr>
           <p:nvPr>
-            <p:ph idx="1" type="body"/>
+            <p:ph type="body" idx="1"/>
           </p:nvPr>
         </p:nvSpPr>
         <p:spPr>
@@ -1175,12 +1249,12 @@
           </a:prstGeom>
         </p:spPr>
         <p:txBody>
-          <a:bodyPr anchorCtr="0" anchor="t" bIns="91425" lIns="91425" spcFirstLastPara="1" rIns="91425" wrap="square" tIns="91425">
+          <a:bodyPr spcFirstLastPara="1" wrap="square" lIns="91425" tIns="91425" rIns="91425" bIns="91425" anchor="t" anchorCtr="0">
             <a:noAutofit/>
           </a:bodyPr>
           <a:lstStyle/>
           <a:p>
-            <a:pPr indent="0" lvl="0" marL="0" rtl="0" algn="l">
+            <a:pPr marL="0" lvl="0" indent="0" algn="l" rtl="0">
               <a:spcBef>
                 <a:spcPts val="0"/>
               </a:spcBef>
@@ -1189,14 +1263,16 @@
               </a:spcAft>
               <a:buNone/>
             </a:pPr>
-            <a:r>
-              <a:t/>
-            </a:r>
             <a:endParaRPr/>
           </a:p>
         </p:txBody>
       </p:sp>
     </p:spTree>
+    <p:extLst>
+      <p:ext uri="{BB962C8B-B14F-4D97-AF65-F5344CB8AC3E}">
+        <p14:creationId xmlns:p14="http://schemas.microsoft.com/office/powerpoint/2010/main" val="3926378469"/>
+      </p:ext>
+    </p:extLst>
   </p:cSld>
   <p:clrMapOvr>
     <a:masterClrMapping/>
@@ -1205,11 +1281,11 @@
 </file>
 
 <file path=ppt/notesSlides/notesSlide5.xml><?xml version="1.0" encoding="utf-8"?>
-<p:notes xmlns:a="http://schemas.openxmlformats.org/drawingml/2006/main" xmlns:r="http://schemas.openxmlformats.org/officeDocument/2006/relationships" xmlns:mc="http://schemas.openxmlformats.org/markup-compatibility/2006" xmlns:mv="urn:schemas-microsoft-com:mac:vml" xmlns:p="http://schemas.openxmlformats.org/presentationml/2006/main" xmlns:c="http://schemas.openxmlformats.org/drawingml/2006/chart" xmlns:dgm="http://schemas.openxmlformats.org/drawingml/2006/diagram" xmlns:o="urn:schemas-microsoft-com:office:office" xmlns:v="urn:schemas-microsoft-com:vml" xmlns:pvml="urn:schemas-microsoft-com:office:powerpoint" xmlns:com="http://schemas.openxmlformats.org/drawingml/2006/compatibility" xmlns:p14="http://schemas.microsoft.com/office/powerpoint/2010/main" xmlns:p15="http://schemas.microsoft.com/office/powerpoint/2012/main" showMasterPhAnim="0" showMasterSp="0">
+<p:notes xmlns:a="http://schemas.openxmlformats.org/drawingml/2006/main" xmlns:r="http://schemas.openxmlformats.org/officeDocument/2006/relationships" xmlns:p="http://schemas.openxmlformats.org/presentationml/2006/main" showMasterSp="0" showMasterPhAnim="0">
   <p:cSld>
     <p:spTree>
       <p:nvGrpSpPr>
-        <p:cNvPr id="156" name="Shape 156"/>
+        <p:cNvPr id="1" name="Shape 156"/>
         <p:cNvGrpSpPr/>
         <p:nvPr/>
       </p:nvGrpSpPr>
@@ -1224,20 +1300,26 @@
       <p:sp>
         <p:nvSpPr>
           <p:cNvPr id="157" name="Google Shape;157;g56d10a8c59_0_145:notes"/>
-          <p:cNvSpPr/>
+          <p:cNvSpPr>
+            <a:spLocks noGrp="1" noRot="1" noChangeAspect="1"/>
+          </p:cNvSpPr>
           <p:nvPr>
-            <p:ph idx="2" type="sldImg"/>
+            <p:ph type="sldImg" idx="2"/>
           </p:nvPr>
         </p:nvSpPr>
         <p:spPr>
           <a:xfrm>
-            <a:off x="381300" y="685800"/>
+            <a:off x="381000" y="685800"/>
             <a:ext cx="6096000" cy="3429000"/>
           </a:xfrm>
           <a:custGeom>
-            <a:rect b="b" l="l" r="r" t="t"/>
+            <a:avLst/>
+            <a:gdLst/>
+            <a:ahLst/>
+            <a:cxnLst/>
+            <a:rect l="l" t="t" r="r" b="b"/>
             <a:pathLst>
-              <a:path extrusionOk="0" h="120000" w="120000">
+              <a:path w="120000" h="120000" extrusionOk="0">
                 <a:moveTo>
                   <a:pt x="0" y="0"/>
                 </a:moveTo>
@@ -1259,9 +1341,11 @@
       <p:sp>
         <p:nvSpPr>
           <p:cNvPr id="158" name="Google Shape;158;g56d10a8c59_0_145:notes"/>
-          <p:cNvSpPr txBox="1"/>
+          <p:cNvSpPr txBox="1">
+            <a:spLocks noGrp="1"/>
+          </p:cNvSpPr>
           <p:nvPr>
-            <p:ph idx="1" type="body"/>
+            <p:ph type="body" idx="1"/>
           </p:nvPr>
         </p:nvSpPr>
         <p:spPr>
@@ -1274,12 +1358,12 @@
           </a:prstGeom>
         </p:spPr>
         <p:txBody>
-          <a:bodyPr anchorCtr="0" anchor="t" bIns="91425" lIns="91425" spcFirstLastPara="1" rIns="91425" wrap="square" tIns="91425">
+          <a:bodyPr spcFirstLastPara="1" wrap="square" lIns="91425" tIns="91425" rIns="91425" bIns="91425" anchor="t" anchorCtr="0">
             <a:noAutofit/>
           </a:bodyPr>
           <a:lstStyle/>
           <a:p>
-            <a:pPr indent="0" lvl="0" marL="0" rtl="0" algn="l">
+            <a:pPr marL="0" lvl="0" indent="0" algn="l" rtl="0">
               <a:spcBef>
                 <a:spcPts val="0"/>
               </a:spcBef>
@@ -1288,14 +1372,16 @@
               </a:spcAft>
               <a:buNone/>
             </a:pPr>
-            <a:r>
-              <a:t/>
-            </a:r>
             <a:endParaRPr/>
           </a:p>
         </p:txBody>
       </p:sp>
     </p:spTree>
+    <p:extLst>
+      <p:ext uri="{BB962C8B-B14F-4D97-AF65-F5344CB8AC3E}">
+        <p14:creationId xmlns:p14="http://schemas.microsoft.com/office/powerpoint/2010/main" val="2807295298"/>
+      </p:ext>
+    </p:extLst>
   </p:cSld>
   <p:clrMapOvr>
     <a:masterClrMapping/>
@@ -1304,11 +1390,11 @@
 </file>
 
 <file path=ppt/notesSlides/notesSlide6.xml><?xml version="1.0" encoding="utf-8"?>
-<p:notes xmlns:a="http://schemas.openxmlformats.org/drawingml/2006/main" xmlns:r="http://schemas.openxmlformats.org/officeDocument/2006/relationships" xmlns:mc="http://schemas.openxmlformats.org/markup-compatibility/2006" xmlns:mv="urn:schemas-microsoft-com:mac:vml" xmlns:p="http://schemas.openxmlformats.org/presentationml/2006/main" xmlns:c="http://schemas.openxmlformats.org/drawingml/2006/chart" xmlns:dgm="http://schemas.openxmlformats.org/drawingml/2006/diagram" xmlns:o="urn:schemas-microsoft-com:office:office" xmlns:v="urn:schemas-microsoft-com:vml" xmlns:pvml="urn:schemas-microsoft-com:office:powerpoint" xmlns:com="http://schemas.openxmlformats.org/drawingml/2006/compatibility" xmlns:p14="http://schemas.microsoft.com/office/powerpoint/2010/main" xmlns:p15="http://schemas.microsoft.com/office/powerpoint/2012/main" showMasterPhAnim="0" showMasterSp="0">
+<p:notes xmlns:a="http://schemas.openxmlformats.org/drawingml/2006/main" xmlns:r="http://schemas.openxmlformats.org/officeDocument/2006/relationships" xmlns:p="http://schemas.openxmlformats.org/presentationml/2006/main" showMasterSp="0" showMasterPhAnim="0">
   <p:cSld>
     <p:spTree>
       <p:nvGrpSpPr>
-        <p:cNvPr id="163" name="Shape 163"/>
+        <p:cNvPr id="1" name="Shape 163"/>
         <p:cNvGrpSpPr/>
         <p:nvPr/>
       </p:nvGrpSpPr>
@@ -1323,20 +1409,26 @@
       <p:sp>
         <p:nvSpPr>
           <p:cNvPr id="164" name="Google Shape;164;g56d10a8c59_0_157:notes"/>
-          <p:cNvSpPr/>
+          <p:cNvSpPr>
+            <a:spLocks noGrp="1" noRot="1" noChangeAspect="1"/>
+          </p:cNvSpPr>
           <p:nvPr>
-            <p:ph idx="2" type="sldImg"/>
+            <p:ph type="sldImg" idx="2"/>
           </p:nvPr>
         </p:nvSpPr>
         <p:spPr>
           <a:xfrm>
-            <a:off x="381300" y="685800"/>
+            <a:off x="381000" y="685800"/>
             <a:ext cx="6096000" cy="3429000"/>
           </a:xfrm>
           <a:custGeom>
-            <a:rect b="b" l="l" r="r" t="t"/>
+            <a:avLst/>
+            <a:gdLst/>
+            <a:ahLst/>
+            <a:cxnLst/>
+            <a:rect l="l" t="t" r="r" b="b"/>
             <a:pathLst>
-              <a:path extrusionOk="0" h="120000" w="120000">
+              <a:path w="120000" h="120000" extrusionOk="0">
                 <a:moveTo>
                   <a:pt x="0" y="0"/>
                 </a:moveTo>
@@ -1358,9 +1450,11 @@
       <p:sp>
         <p:nvSpPr>
           <p:cNvPr id="165" name="Google Shape;165;g56d10a8c59_0_157:notes"/>
-          <p:cNvSpPr txBox="1"/>
+          <p:cNvSpPr txBox="1">
+            <a:spLocks noGrp="1"/>
+          </p:cNvSpPr>
           <p:nvPr>
-            <p:ph idx="1" type="body"/>
+            <p:ph type="body" idx="1"/>
           </p:nvPr>
         </p:nvSpPr>
         <p:spPr>
@@ -1373,12 +1467,12 @@
           </a:prstGeom>
         </p:spPr>
         <p:txBody>
-          <a:bodyPr anchorCtr="0" anchor="t" bIns="91425" lIns="91425" spcFirstLastPara="1" rIns="91425" wrap="square" tIns="91425">
+          <a:bodyPr spcFirstLastPara="1" wrap="square" lIns="91425" tIns="91425" rIns="91425" bIns="91425" anchor="t" anchorCtr="0">
             <a:noAutofit/>
           </a:bodyPr>
           <a:lstStyle/>
           <a:p>
-            <a:pPr indent="0" lvl="0" marL="0" rtl="0" algn="l">
+            <a:pPr marL="0" lvl="0" indent="0" algn="l" rtl="0">
               <a:spcBef>
                 <a:spcPts val="0"/>
               </a:spcBef>
@@ -1387,14 +1481,16 @@
               </a:spcAft>
               <a:buNone/>
             </a:pPr>
-            <a:r>
-              <a:t/>
-            </a:r>
             <a:endParaRPr/>
           </a:p>
         </p:txBody>
       </p:sp>
     </p:spTree>
+    <p:extLst>
+      <p:ext uri="{BB962C8B-B14F-4D97-AF65-F5344CB8AC3E}">
+        <p14:creationId xmlns:p14="http://schemas.microsoft.com/office/powerpoint/2010/main" val="1540971755"/>
+      </p:ext>
+    </p:extLst>
   </p:cSld>
   <p:clrMapOvr>
     <a:masterClrMapping/>
@@ -1403,11 +1499,11 @@
 </file>
 
 <file path=ppt/notesSlides/notesSlide7.xml><?xml version="1.0" encoding="utf-8"?>
-<p:notes xmlns:a="http://schemas.openxmlformats.org/drawingml/2006/main" xmlns:r="http://schemas.openxmlformats.org/officeDocument/2006/relationships" xmlns:mc="http://schemas.openxmlformats.org/markup-compatibility/2006" xmlns:mv="urn:schemas-microsoft-com:mac:vml" xmlns:p="http://schemas.openxmlformats.org/presentationml/2006/main" xmlns:c="http://schemas.openxmlformats.org/drawingml/2006/chart" xmlns:dgm="http://schemas.openxmlformats.org/drawingml/2006/diagram" xmlns:o="urn:schemas-microsoft-com:office:office" xmlns:v="urn:schemas-microsoft-com:vml" xmlns:pvml="urn:schemas-microsoft-com:office:powerpoint" xmlns:com="http://schemas.openxmlformats.org/drawingml/2006/compatibility" xmlns:p14="http://schemas.microsoft.com/office/powerpoint/2010/main" xmlns:p15="http://schemas.microsoft.com/office/powerpoint/2012/main" showMasterPhAnim="0" showMasterSp="0">
+<p:notes xmlns:a="http://schemas.openxmlformats.org/drawingml/2006/main" xmlns:r="http://schemas.openxmlformats.org/officeDocument/2006/relationships" xmlns:p="http://schemas.openxmlformats.org/presentationml/2006/main" showMasterSp="0" showMasterPhAnim="0">
   <p:cSld>
     <p:spTree>
       <p:nvGrpSpPr>
-        <p:cNvPr id="170" name="Shape 170"/>
+        <p:cNvPr id="1" name="Shape 170"/>
         <p:cNvGrpSpPr/>
         <p:nvPr/>
       </p:nvGrpSpPr>
@@ -1422,20 +1518,26 @@
       <p:sp>
         <p:nvSpPr>
           <p:cNvPr id="171" name="Google Shape;171;g56d10a8c59_0_163:notes"/>
-          <p:cNvSpPr/>
+          <p:cNvSpPr>
+            <a:spLocks noGrp="1" noRot="1" noChangeAspect="1"/>
+          </p:cNvSpPr>
           <p:nvPr>
-            <p:ph idx="2" type="sldImg"/>
+            <p:ph type="sldImg" idx="2"/>
           </p:nvPr>
         </p:nvSpPr>
         <p:spPr>
           <a:xfrm>
-            <a:off x="381300" y="685800"/>
+            <a:off x="381000" y="685800"/>
             <a:ext cx="6096000" cy="3429000"/>
           </a:xfrm>
           <a:custGeom>
-            <a:rect b="b" l="l" r="r" t="t"/>
+            <a:avLst/>
+            <a:gdLst/>
+            <a:ahLst/>
+            <a:cxnLst/>
+            <a:rect l="l" t="t" r="r" b="b"/>
             <a:pathLst>
-              <a:path extrusionOk="0" h="120000" w="120000">
+              <a:path w="120000" h="120000" extrusionOk="0">
                 <a:moveTo>
                   <a:pt x="0" y="0"/>
                 </a:moveTo>
@@ -1457,9 +1559,11 @@
       <p:sp>
         <p:nvSpPr>
           <p:cNvPr id="172" name="Google Shape;172;g56d10a8c59_0_163:notes"/>
-          <p:cNvSpPr txBox="1"/>
+          <p:cNvSpPr txBox="1">
+            <a:spLocks noGrp="1"/>
+          </p:cNvSpPr>
           <p:nvPr>
-            <p:ph idx="1" type="body"/>
+            <p:ph type="body" idx="1"/>
           </p:nvPr>
         </p:nvSpPr>
         <p:spPr>
@@ -1472,12 +1576,12 @@
           </a:prstGeom>
         </p:spPr>
         <p:txBody>
-          <a:bodyPr anchorCtr="0" anchor="t" bIns="91425" lIns="91425" spcFirstLastPara="1" rIns="91425" wrap="square" tIns="91425">
+          <a:bodyPr spcFirstLastPara="1" wrap="square" lIns="91425" tIns="91425" rIns="91425" bIns="91425" anchor="t" anchorCtr="0">
             <a:noAutofit/>
           </a:bodyPr>
           <a:lstStyle/>
           <a:p>
-            <a:pPr indent="0" lvl="0" marL="0" rtl="0" algn="l">
+            <a:pPr marL="0" lvl="0" indent="0" algn="l" rtl="0">
               <a:spcBef>
                 <a:spcPts val="0"/>
               </a:spcBef>
@@ -1486,14 +1590,16 @@
               </a:spcAft>
               <a:buNone/>
             </a:pPr>
-            <a:r>
-              <a:t/>
-            </a:r>
             <a:endParaRPr/>
           </a:p>
         </p:txBody>
       </p:sp>
     </p:spTree>
+    <p:extLst>
+      <p:ext uri="{BB962C8B-B14F-4D97-AF65-F5344CB8AC3E}">
+        <p14:creationId xmlns:p14="http://schemas.microsoft.com/office/powerpoint/2010/main" val="1098013577"/>
+      </p:ext>
+    </p:extLst>
   </p:cSld>
   <p:clrMapOvr>
     <a:masterClrMapping/>
@@ -1502,11 +1608,11 @@
 </file>
 
 <file path=ppt/notesSlides/notesSlide8.xml><?xml version="1.0" encoding="utf-8"?>
-<p:notes xmlns:a="http://schemas.openxmlformats.org/drawingml/2006/main" xmlns:r="http://schemas.openxmlformats.org/officeDocument/2006/relationships" xmlns:mc="http://schemas.openxmlformats.org/markup-compatibility/2006" xmlns:mv="urn:schemas-microsoft-com:mac:vml" xmlns:p="http://schemas.openxmlformats.org/presentationml/2006/main" xmlns:c="http://schemas.openxmlformats.org/drawingml/2006/chart" xmlns:dgm="http://schemas.openxmlformats.org/drawingml/2006/diagram" xmlns:o="urn:schemas-microsoft-com:office:office" xmlns:v="urn:schemas-microsoft-com:vml" xmlns:pvml="urn:schemas-microsoft-com:office:powerpoint" xmlns:com="http://schemas.openxmlformats.org/drawingml/2006/compatibility" xmlns:p14="http://schemas.microsoft.com/office/powerpoint/2010/main" xmlns:p15="http://schemas.microsoft.com/office/powerpoint/2012/main" showMasterPhAnim="0" showMasterSp="0">
+<p:notes xmlns:a="http://schemas.openxmlformats.org/drawingml/2006/main" xmlns:r="http://schemas.openxmlformats.org/officeDocument/2006/relationships" xmlns:p="http://schemas.openxmlformats.org/presentationml/2006/main" showMasterSp="0" showMasterPhAnim="0">
   <p:cSld>
     <p:spTree>
       <p:nvGrpSpPr>
-        <p:cNvPr id="177" name="Shape 177"/>
+        <p:cNvPr id="1" name="Shape 177"/>
         <p:cNvGrpSpPr/>
         <p:nvPr/>
       </p:nvGrpSpPr>
@@ -1521,20 +1627,26 @@
       <p:sp>
         <p:nvSpPr>
           <p:cNvPr id="178" name="Google Shape;178;g56d10a8c59_0_169:notes"/>
-          <p:cNvSpPr/>
+          <p:cNvSpPr>
+            <a:spLocks noGrp="1" noRot="1" noChangeAspect="1"/>
+          </p:cNvSpPr>
           <p:nvPr>
-            <p:ph idx="2" type="sldImg"/>
+            <p:ph type="sldImg" idx="2"/>
           </p:nvPr>
         </p:nvSpPr>
         <p:spPr>
           <a:xfrm>
-            <a:off x="381300" y="685800"/>
+            <a:off x="381000" y="685800"/>
             <a:ext cx="6096000" cy="3429000"/>
           </a:xfrm>
           <a:custGeom>
-            <a:rect b="b" l="l" r="r" t="t"/>
+            <a:avLst/>
+            <a:gdLst/>
+            <a:ahLst/>
+            <a:cxnLst/>
+            <a:rect l="l" t="t" r="r" b="b"/>
             <a:pathLst>
-              <a:path extrusionOk="0" h="120000" w="120000">
+              <a:path w="120000" h="120000" extrusionOk="0">
                 <a:moveTo>
                   <a:pt x="0" y="0"/>
                 </a:moveTo>
@@ -1556,9 +1668,11 @@
       <p:sp>
         <p:nvSpPr>
           <p:cNvPr id="179" name="Google Shape;179;g56d10a8c59_0_169:notes"/>
-          <p:cNvSpPr txBox="1"/>
+          <p:cNvSpPr txBox="1">
+            <a:spLocks noGrp="1"/>
+          </p:cNvSpPr>
           <p:nvPr>
-            <p:ph idx="1" type="body"/>
+            <p:ph type="body" idx="1"/>
           </p:nvPr>
         </p:nvSpPr>
         <p:spPr>
@@ -1571,12 +1685,12 @@
           </a:prstGeom>
         </p:spPr>
         <p:txBody>
-          <a:bodyPr anchorCtr="0" anchor="t" bIns="91425" lIns="91425" spcFirstLastPara="1" rIns="91425" wrap="square" tIns="91425">
+          <a:bodyPr spcFirstLastPara="1" wrap="square" lIns="91425" tIns="91425" rIns="91425" bIns="91425" anchor="t" anchorCtr="0">
             <a:noAutofit/>
           </a:bodyPr>
           <a:lstStyle/>
           <a:p>
-            <a:pPr indent="0" lvl="0" marL="0" rtl="0" algn="l">
+            <a:pPr marL="0" lvl="0" indent="0" algn="l" rtl="0">
               <a:spcBef>
                 <a:spcPts val="0"/>
               </a:spcBef>
@@ -1585,14 +1699,16 @@
               </a:spcAft>
               <a:buNone/>
             </a:pPr>
-            <a:r>
-              <a:t/>
-            </a:r>
             <a:endParaRPr/>
           </a:p>
         </p:txBody>
       </p:sp>
     </p:spTree>
+    <p:extLst>
+      <p:ext uri="{BB962C8B-B14F-4D97-AF65-F5344CB8AC3E}">
+        <p14:creationId xmlns:p14="http://schemas.microsoft.com/office/powerpoint/2010/main" val="687698935"/>
+      </p:ext>
+    </p:extLst>
   </p:cSld>
   <p:clrMapOvr>
     <a:masterClrMapping/>
@@ -1601,11 +1717,11 @@
 </file>
 
 <file path=ppt/notesSlides/notesSlide9.xml><?xml version="1.0" encoding="utf-8"?>
-<p:notes xmlns:a="http://schemas.openxmlformats.org/drawingml/2006/main" xmlns:r="http://schemas.openxmlformats.org/officeDocument/2006/relationships" xmlns:mc="http://schemas.openxmlformats.org/markup-compatibility/2006" xmlns:mv="urn:schemas-microsoft-com:mac:vml" xmlns:p="http://schemas.openxmlformats.org/presentationml/2006/main" xmlns:c="http://schemas.openxmlformats.org/drawingml/2006/chart" xmlns:dgm="http://schemas.openxmlformats.org/drawingml/2006/diagram" xmlns:o="urn:schemas-microsoft-com:office:office" xmlns:v="urn:schemas-microsoft-com:vml" xmlns:pvml="urn:schemas-microsoft-com:office:powerpoint" xmlns:com="http://schemas.openxmlformats.org/drawingml/2006/compatibility" xmlns:p14="http://schemas.microsoft.com/office/powerpoint/2010/main" xmlns:p15="http://schemas.microsoft.com/office/powerpoint/2012/main" showMasterPhAnim="0" showMasterSp="0">
+<p:notes xmlns:a="http://schemas.openxmlformats.org/drawingml/2006/main" xmlns:r="http://schemas.openxmlformats.org/officeDocument/2006/relationships" xmlns:p="http://schemas.openxmlformats.org/presentationml/2006/main" showMasterSp="0" showMasterPhAnim="0">
   <p:cSld>
     <p:spTree>
       <p:nvGrpSpPr>
-        <p:cNvPr id="186" name="Shape 186"/>
+        <p:cNvPr id="1" name="Shape 186"/>
         <p:cNvGrpSpPr/>
         <p:nvPr/>
       </p:nvGrpSpPr>
@@ -1620,20 +1736,26 @@
       <p:sp>
         <p:nvSpPr>
           <p:cNvPr id="187" name="Google Shape;187;g56d10a8c59_0_174:notes"/>
-          <p:cNvSpPr/>
+          <p:cNvSpPr>
+            <a:spLocks noGrp="1" noRot="1" noChangeAspect="1"/>
+          </p:cNvSpPr>
           <p:nvPr>
-            <p:ph idx="2" type="sldImg"/>
+            <p:ph type="sldImg" idx="2"/>
           </p:nvPr>
         </p:nvSpPr>
         <p:spPr>
           <a:xfrm>
-            <a:off x="381300" y="685800"/>
+            <a:off x="381000" y="685800"/>
             <a:ext cx="6096000" cy="3429000"/>
           </a:xfrm>
           <a:custGeom>
-            <a:rect b="b" l="l" r="r" t="t"/>
+            <a:avLst/>
+            <a:gdLst/>
+            <a:ahLst/>
+            <a:cxnLst/>
+            <a:rect l="l" t="t" r="r" b="b"/>
             <a:pathLst>
-              <a:path extrusionOk="0" h="120000" w="120000">
+              <a:path w="120000" h="120000" extrusionOk="0">
                 <a:moveTo>
                   <a:pt x="0" y="0"/>
                 </a:moveTo>
@@ -1655,9 +1777,11 @@
       <p:sp>
         <p:nvSpPr>
           <p:cNvPr id="188" name="Google Shape;188;g56d10a8c59_0_174:notes"/>
-          <p:cNvSpPr txBox="1"/>
+          <p:cNvSpPr txBox="1">
+            <a:spLocks noGrp="1"/>
+          </p:cNvSpPr>
           <p:nvPr>
-            <p:ph idx="1" type="body"/>
+            <p:ph type="body" idx="1"/>
           </p:nvPr>
         </p:nvSpPr>
         <p:spPr>
@@ -1670,12 +1794,12 @@
           </a:prstGeom>
         </p:spPr>
         <p:txBody>
-          <a:bodyPr anchorCtr="0" anchor="t" bIns="91425" lIns="91425" spcFirstLastPara="1" rIns="91425" wrap="square" tIns="91425">
+          <a:bodyPr spcFirstLastPara="1" wrap="square" lIns="91425" tIns="91425" rIns="91425" bIns="91425" anchor="t" anchorCtr="0">
             <a:noAutofit/>
           </a:bodyPr>
           <a:lstStyle/>
           <a:p>
-            <a:pPr indent="0" lvl="0" marL="0" rtl="0" algn="l">
+            <a:pPr marL="0" lvl="0" indent="0" algn="l" rtl="0">
               <a:spcBef>
                 <a:spcPts val="0"/>
               </a:spcBef>
@@ -1684,14 +1808,16 @@
               </a:spcAft>
               <a:buNone/>
             </a:pPr>
-            <a:r>
-              <a:t/>
-            </a:r>
             <a:endParaRPr/>
           </a:p>
         </p:txBody>
       </p:sp>
     </p:spTree>
+    <p:extLst>
+      <p:ext uri="{BB962C8B-B14F-4D97-AF65-F5344CB8AC3E}">
+        <p14:creationId xmlns:p14="http://schemas.microsoft.com/office/powerpoint/2010/main" val="1270892218"/>
+      </p:ext>
+    </p:extLst>
   </p:cSld>
   <p:clrMapOvr>
     <a:masterClrMapping/>
@@ -1700,11 +1826,11 @@
 </file>
 
 <file path=ppt/slideLayouts/slideLayout1.xml><?xml version="1.0" encoding="utf-8"?>
-<p:sldLayout xmlns:a="http://schemas.openxmlformats.org/drawingml/2006/main" xmlns:r="http://schemas.openxmlformats.org/officeDocument/2006/relationships" xmlns:mc="http://schemas.openxmlformats.org/markup-compatibility/2006" xmlns:mv="urn:schemas-microsoft-com:mac:vml" xmlns:p="http://schemas.openxmlformats.org/presentationml/2006/main" xmlns:c="http://schemas.openxmlformats.org/drawingml/2006/chart" xmlns:dgm="http://schemas.openxmlformats.org/drawingml/2006/diagram" xmlns:o="urn:schemas-microsoft-com:office:office" xmlns:v="urn:schemas-microsoft-com:vml" xmlns:pvml="urn:schemas-microsoft-com:office:powerpoint" xmlns:com="http://schemas.openxmlformats.org/drawingml/2006/compatibility" xmlns:p14="http://schemas.microsoft.com/office/powerpoint/2010/main" xmlns:p15="http://schemas.microsoft.com/office/powerpoint/2012/main" matchingName="Title slide" type="title">
+<p:sldLayout xmlns:a="http://schemas.openxmlformats.org/drawingml/2006/main" xmlns:r="http://schemas.openxmlformats.org/officeDocument/2006/relationships" xmlns:p="http://schemas.openxmlformats.org/presentationml/2006/main" matchingName="Title slide" type="title">
   <p:cSld name="TITLE">
     <p:spTree>
       <p:nvGrpSpPr>
-        <p:cNvPr id="9" name="Shape 9"/>
+        <p:cNvPr id="1" name="Shape 9"/>
         <p:cNvGrpSpPr/>
         <p:nvPr/>
       </p:nvGrpSpPr>
@@ -1729,7 +1855,7 @@
           </a:xfrm>
           <a:prstGeom prst="diagStripe">
             <a:avLst>
-              <a:gd fmla="val 0" name="adj"/>
+              <a:gd name="adj" fmla="val 0"/>
             </a:avLst>
           </a:prstGeom>
           <a:solidFill>
@@ -1742,12 +1868,12 @@
           </a:ln>
         </p:spPr>
         <p:txBody>
-          <a:bodyPr anchorCtr="0" anchor="ctr" bIns="91425" lIns="91425" spcFirstLastPara="1" rIns="91425" wrap="square" tIns="91425">
+          <a:bodyPr spcFirstLastPara="1" wrap="square" lIns="91425" tIns="91425" rIns="91425" bIns="91425" anchor="ctr" anchorCtr="0">
             <a:noAutofit/>
           </a:bodyPr>
           <a:lstStyle/>
           <a:p>
-            <a:pPr indent="0" lvl="0" marL="0" rtl="0" algn="l">
+            <a:pPr marL="0" lvl="0" indent="0" algn="l" rtl="0">
               <a:spcBef>
                 <a:spcPts val="0"/>
               </a:spcBef>
@@ -1756,9 +1882,6 @@
               </a:spcAft>
               <a:buNone/>
             </a:pPr>
-            <a:r>
-              <a:t/>
-            </a:r>
             <a:endParaRPr/>
           </a:p>
         </p:txBody>
@@ -1790,7 +1913,7 @@
             </a:xfrm>
             <a:prstGeom prst="diagStripe">
               <a:avLst>
-                <a:gd fmla="val 50000" name="adj"/>
+                <a:gd name="adj" fmla="val 50000"/>
               </a:avLst>
             </a:prstGeom>
             <a:solidFill>
@@ -1803,12 +1926,12 @@
             </a:ln>
           </p:spPr>
           <p:txBody>
-            <a:bodyPr anchorCtr="0" anchor="ctr" bIns="91425" lIns="91425" spcFirstLastPara="1" rIns="91425" wrap="square" tIns="91425">
+            <a:bodyPr spcFirstLastPara="1" wrap="square" lIns="91425" tIns="91425" rIns="91425" bIns="91425" anchor="ctr" anchorCtr="0">
               <a:noAutofit/>
             </a:bodyPr>
             <a:lstStyle/>
             <a:p>
-              <a:pPr indent="0" lvl="0" marL="0" rtl="0" algn="l">
+              <a:pPr marL="0" lvl="0" indent="0" algn="l" rtl="0">
                 <a:spcBef>
                   <a:spcPts val="0"/>
                 </a:spcBef>
@@ -1817,9 +1940,6 @@
                 </a:spcAft>
                 <a:buNone/>
               </a:pPr>
-              <a:r>
-                <a:t/>
-              </a:r>
               <a:endParaRPr/>
             </a:p>
           </p:txBody>
@@ -1837,7 +1957,7 @@
             </a:xfrm>
             <a:prstGeom prst="diagStripe">
               <a:avLst>
-                <a:gd fmla="val 58774" name="adj"/>
+                <a:gd name="adj" fmla="val 58774"/>
               </a:avLst>
             </a:prstGeom>
             <a:solidFill>
@@ -1850,12 +1970,12 @@
             </a:ln>
           </p:spPr>
           <p:txBody>
-            <a:bodyPr anchorCtr="0" anchor="ctr" bIns="91425" lIns="91425" spcFirstLastPara="1" rIns="91425" wrap="square" tIns="91425">
+            <a:bodyPr spcFirstLastPara="1" wrap="square" lIns="91425" tIns="91425" rIns="91425" bIns="91425" anchor="ctr" anchorCtr="0">
               <a:noAutofit/>
             </a:bodyPr>
             <a:lstStyle/>
             <a:p>
-              <a:pPr indent="0" lvl="0" marL="0" rtl="0" algn="l">
+              <a:pPr marL="0" lvl="0" indent="0" algn="l" rtl="0">
                 <a:spcBef>
                   <a:spcPts val="0"/>
                 </a:spcBef>
@@ -1864,9 +1984,6 @@
                 </a:spcAft>
                 <a:buNone/>
               </a:pPr>
-              <a:r>
-                <a:t/>
-              </a:r>
               <a:endParaRPr/>
             </a:p>
           </p:txBody>
@@ -1884,7 +2001,7 @@
             </a:xfrm>
             <a:prstGeom prst="diagStripe">
               <a:avLst>
-                <a:gd fmla="val 50000" name="adj"/>
+                <a:gd name="adj" fmla="val 50000"/>
               </a:avLst>
             </a:prstGeom>
             <a:solidFill>
@@ -1895,12 +2012,12 @@
             </a:ln>
           </p:spPr>
           <p:txBody>
-            <a:bodyPr anchorCtr="0" anchor="ctr" bIns="91425" lIns="91425" spcFirstLastPara="1" rIns="91425" wrap="square" tIns="91425">
+            <a:bodyPr spcFirstLastPara="1" wrap="square" lIns="91425" tIns="91425" rIns="91425" bIns="91425" anchor="ctr" anchorCtr="0">
               <a:noAutofit/>
             </a:bodyPr>
             <a:lstStyle/>
             <a:p>
-              <a:pPr indent="0" lvl="0" marL="0" rtl="0" algn="l">
+              <a:pPr marL="0" lvl="0" indent="0" algn="l" rtl="0">
                 <a:spcBef>
                   <a:spcPts val="0"/>
                 </a:spcBef>
@@ -1909,9 +2026,6 @@
                 </a:spcAft>
                 <a:buNone/>
               </a:pPr>
-              <a:r>
-                <a:t/>
-              </a:r>
               <a:endParaRPr/>
             </a:p>
           </p:txBody>
@@ -1929,7 +2043,7 @@
             </a:xfrm>
             <a:prstGeom prst="diagStripe">
               <a:avLst>
-                <a:gd fmla="val 50000" name="adj"/>
+                <a:gd name="adj" fmla="val 50000"/>
               </a:avLst>
             </a:prstGeom>
             <a:solidFill>
@@ -1940,12 +2054,12 @@
             </a:ln>
           </p:spPr>
           <p:txBody>
-            <a:bodyPr anchorCtr="0" anchor="ctr" bIns="91425" lIns="91425" spcFirstLastPara="1" rIns="91425" wrap="square" tIns="91425">
+            <a:bodyPr spcFirstLastPara="1" wrap="square" lIns="91425" tIns="91425" rIns="91425" bIns="91425" anchor="ctr" anchorCtr="0">
               <a:noAutofit/>
             </a:bodyPr>
             <a:lstStyle/>
             <a:p>
-              <a:pPr indent="0" lvl="0" marL="0" rtl="0" algn="l">
+              <a:pPr marL="0" lvl="0" indent="0" algn="l" rtl="0">
                 <a:spcBef>
                   <a:spcPts val="0"/>
                 </a:spcBef>
@@ -1954,9 +2068,6 @@
                 </a:spcAft>
                 <a:buNone/>
               </a:pPr>
-              <a:r>
-                <a:t/>
-              </a:r>
               <a:endParaRPr/>
             </a:p>
           </p:txBody>
@@ -1965,7 +2076,9 @@
       <p:sp>
         <p:nvSpPr>
           <p:cNvPr id="16" name="Google Shape;16;p2"/>
-          <p:cNvSpPr txBox="1"/>
+          <p:cNvSpPr txBox="1">
+            <a:spLocks noGrp="1"/>
+          </p:cNvSpPr>
           <p:nvPr>
             <p:ph type="ctrTitle"/>
           </p:nvPr>
@@ -1980,7 +2093,7 @@
           </a:prstGeom>
         </p:spPr>
         <p:txBody>
-          <a:bodyPr anchorCtr="0" anchor="t" bIns="91425" lIns="91425" spcFirstLastPara="1" rIns="91425" wrap="square" tIns="91425"/>
+          <a:bodyPr spcFirstLastPara="1" wrap="square" lIns="91425" tIns="91425" rIns="91425" bIns="91425" anchor="t" anchorCtr="0"/>
           <a:lstStyle>
             <a:lvl1pPr lvl="0">
               <a:spcBef>
@@ -2082,15 +2195,19 @@
               <a:defRPr sz="4000"/>
             </a:lvl9pPr>
           </a:lstStyle>
-          <a:p/>
+          <a:p>
+            <a:endParaRPr/>
+          </a:p>
         </p:txBody>
       </p:sp>
       <p:sp>
         <p:nvSpPr>
           <p:cNvPr id="17" name="Google Shape;17;p2"/>
-          <p:cNvSpPr txBox="1"/>
+          <p:cNvSpPr txBox="1">
+            <a:spLocks noGrp="1"/>
+          </p:cNvSpPr>
           <p:nvPr>
-            <p:ph idx="1" type="subTitle"/>
+            <p:ph type="subTitle" idx="1"/>
           </p:nvPr>
         </p:nvSpPr>
         <p:spPr>
@@ -2103,7 +2220,7 @@
           </a:prstGeom>
         </p:spPr>
         <p:txBody>
-          <a:bodyPr anchorCtr="0" anchor="t" bIns="91425" lIns="91425" spcFirstLastPara="1" rIns="91425" wrap="square" tIns="91425"/>
+          <a:bodyPr spcFirstLastPara="1" wrap="square" lIns="91425" tIns="91425" rIns="91425" bIns="91425" anchor="t" anchorCtr="0"/>
           <a:lstStyle>
             <a:lvl1pPr lvl="0">
               <a:lnSpc>
@@ -2232,15 +2349,19 @@
               <a:defRPr sz="1300"/>
             </a:lvl9pPr>
           </a:lstStyle>
-          <a:p/>
+          <a:p>
+            <a:endParaRPr/>
+          </a:p>
         </p:txBody>
       </p:sp>
       <p:sp>
         <p:nvSpPr>
           <p:cNvPr id="18" name="Google Shape;18;p2"/>
-          <p:cNvSpPr txBox="1"/>
+          <p:cNvSpPr txBox="1">
+            <a:spLocks noGrp="1"/>
+          </p:cNvSpPr>
           <p:nvPr>
-            <p:ph idx="12" type="sldNum"/>
+            <p:ph type="sldNum" idx="12"/>
           </p:nvPr>
         </p:nvSpPr>
         <p:spPr>
@@ -2253,7 +2374,7 @@
           </a:prstGeom>
         </p:spPr>
         <p:txBody>
-          <a:bodyPr anchorCtr="0" anchor="ctr" bIns="91425" lIns="91425" spcFirstLastPara="1" rIns="91425" wrap="square" tIns="91425">
+          <a:bodyPr spcFirstLastPara="1" wrap="square" lIns="91425" tIns="91425" rIns="91425" bIns="91425" anchor="ctr" anchorCtr="0">
             <a:noAutofit/>
           </a:bodyPr>
           <a:lstStyle>
@@ -2295,7 +2416,7 @@
             </a:lvl9pPr>
           </a:lstStyle>
           <a:p>
-            <a:pPr indent="0" lvl="0" marL="0" rtl="0" algn="r">
+            <a:pPr marL="0" lvl="0" indent="0" algn="r" rtl="0">
               <a:spcBef>
                 <a:spcPts val="0"/>
               </a:spcBef>
@@ -2321,11 +2442,11 @@
 </file>
 
 <file path=ppt/slideLayouts/slideLayout10.xml><?xml version="1.0" encoding="utf-8"?>
-<p:sldLayout xmlns:a="http://schemas.openxmlformats.org/drawingml/2006/main" xmlns:r="http://schemas.openxmlformats.org/officeDocument/2006/relationships" xmlns:mc="http://schemas.openxmlformats.org/markup-compatibility/2006" xmlns:mv="urn:schemas-microsoft-com:mac:vml" xmlns:p="http://schemas.openxmlformats.org/presentationml/2006/main" xmlns:c="http://schemas.openxmlformats.org/drawingml/2006/chart" xmlns:dgm="http://schemas.openxmlformats.org/drawingml/2006/diagram" xmlns:o="urn:schemas-microsoft-com:office:office" xmlns:v="urn:schemas-microsoft-com:vml" xmlns:pvml="urn:schemas-microsoft-com:office:powerpoint" xmlns:com="http://schemas.openxmlformats.org/drawingml/2006/compatibility" xmlns:p14="http://schemas.microsoft.com/office/powerpoint/2010/main" xmlns:p15="http://schemas.microsoft.com/office/powerpoint/2012/main" matchingName="Big number">
+<p:sldLayout xmlns:a="http://schemas.openxmlformats.org/drawingml/2006/main" xmlns:r="http://schemas.openxmlformats.org/officeDocument/2006/relationships" xmlns:p="http://schemas.openxmlformats.org/presentationml/2006/main" matchingName="Big number">
   <p:cSld name="BIG_NUMBER">
     <p:spTree>
       <p:nvGrpSpPr>
-        <p:cNvPr id="105" name="Shape 105"/>
+        <p:cNvPr id="1" name="Shape 105"/>
         <p:cNvGrpSpPr/>
         <p:nvPr/>
       </p:nvGrpSpPr>
@@ -2364,7 +2485,7 @@
             </a:xfrm>
             <a:prstGeom prst="diagStripe">
               <a:avLst>
-                <a:gd fmla="val 49469" name="adj"/>
+                <a:gd name="adj" fmla="val 49469"/>
               </a:avLst>
             </a:prstGeom>
             <a:solidFill>
@@ -2377,12 +2498,12 @@
             </a:ln>
           </p:spPr>
           <p:txBody>
-            <a:bodyPr anchorCtr="0" anchor="ctr" bIns="91425" lIns="91425" spcFirstLastPara="1" rIns="91425" wrap="square" tIns="91425">
+            <a:bodyPr spcFirstLastPara="1" wrap="square" lIns="91425" tIns="91425" rIns="91425" bIns="91425" anchor="ctr" anchorCtr="0">
               <a:noAutofit/>
             </a:bodyPr>
             <a:lstStyle/>
             <a:p>
-              <a:pPr indent="0" lvl="0" marL="0" rtl="0" algn="l">
+              <a:pPr marL="0" lvl="0" indent="0" algn="l" rtl="0">
                 <a:spcBef>
                   <a:spcPts val="0"/>
                 </a:spcBef>
@@ -2391,9 +2512,6 @@
                 </a:spcAft>
                 <a:buNone/>
               </a:pPr>
-              <a:r>
-                <a:t/>
-              </a:r>
               <a:endParaRPr/>
             </a:p>
           </p:txBody>
@@ -2411,7 +2529,7 @@
             </a:xfrm>
             <a:prstGeom prst="diagStripe">
               <a:avLst>
-                <a:gd fmla="val 0" name="adj"/>
+                <a:gd name="adj" fmla="val 0"/>
               </a:avLst>
             </a:prstGeom>
             <a:solidFill>
@@ -2424,12 +2542,12 @@
             </a:ln>
           </p:spPr>
           <p:txBody>
-            <a:bodyPr anchorCtr="0" anchor="ctr" bIns="91425" lIns="91425" spcFirstLastPara="1" rIns="91425" wrap="square" tIns="91425">
+            <a:bodyPr spcFirstLastPara="1" wrap="square" lIns="91425" tIns="91425" rIns="91425" bIns="91425" anchor="ctr" anchorCtr="0">
               <a:noAutofit/>
             </a:bodyPr>
             <a:lstStyle/>
             <a:p>
-              <a:pPr indent="0" lvl="0" marL="0" rtl="0" algn="l">
+              <a:pPr marL="0" lvl="0" indent="0" algn="l" rtl="0">
                 <a:spcBef>
                   <a:spcPts val="0"/>
                 </a:spcBef>
@@ -2438,9 +2556,6 @@
                 </a:spcAft>
                 <a:buNone/>
               </a:pPr>
-              <a:r>
-                <a:t/>
-              </a:r>
               <a:endParaRPr/>
             </a:p>
           </p:txBody>
@@ -2458,7 +2573,7 @@
             </a:xfrm>
             <a:prstGeom prst="diagStripe">
               <a:avLst>
-                <a:gd fmla="val 50000" name="adj"/>
+                <a:gd name="adj" fmla="val 50000"/>
               </a:avLst>
             </a:prstGeom>
             <a:solidFill>
@@ -2471,12 +2586,12 @@
             </a:ln>
           </p:spPr>
           <p:txBody>
-            <a:bodyPr anchorCtr="0" anchor="ctr" bIns="91425" lIns="91425" spcFirstLastPara="1" rIns="91425" wrap="square" tIns="91425">
+            <a:bodyPr spcFirstLastPara="1" wrap="square" lIns="91425" tIns="91425" rIns="91425" bIns="91425" anchor="ctr" anchorCtr="0">
               <a:noAutofit/>
             </a:bodyPr>
             <a:lstStyle/>
             <a:p>
-              <a:pPr indent="0" lvl="0" marL="0" rtl="0" algn="l">
+              <a:pPr marL="0" lvl="0" indent="0" algn="l" rtl="0">
                 <a:spcBef>
                   <a:spcPts val="0"/>
                 </a:spcBef>
@@ -2485,9 +2600,6 @@
                 </a:spcAft>
                 <a:buNone/>
               </a:pPr>
-              <a:r>
-                <a:t/>
-              </a:r>
               <a:endParaRPr/>
             </a:p>
           </p:txBody>
@@ -2505,7 +2617,7 @@
             </a:xfrm>
             <a:prstGeom prst="diagStripe">
               <a:avLst>
-                <a:gd fmla="val 50000" name="adj"/>
+                <a:gd name="adj" fmla="val 50000"/>
               </a:avLst>
             </a:prstGeom>
             <a:solidFill>
@@ -2518,12 +2630,12 @@
             </a:ln>
           </p:spPr>
           <p:txBody>
-            <a:bodyPr anchorCtr="0" anchor="ctr" bIns="91425" lIns="91425" spcFirstLastPara="1" rIns="91425" wrap="square" tIns="91425">
+            <a:bodyPr spcFirstLastPara="1" wrap="square" lIns="91425" tIns="91425" rIns="91425" bIns="91425" anchor="ctr" anchorCtr="0">
               <a:noAutofit/>
             </a:bodyPr>
             <a:lstStyle/>
             <a:p>
-              <a:pPr indent="0" lvl="0" marL="0" rtl="0" algn="l">
+              <a:pPr marL="0" lvl="0" indent="0" algn="l" rtl="0">
                 <a:spcBef>
                   <a:spcPts val="0"/>
                 </a:spcBef>
@@ -2532,9 +2644,6 @@
                 </a:spcAft>
                 <a:buNone/>
               </a:pPr>
-              <a:r>
-                <a:t/>
-              </a:r>
               <a:endParaRPr/>
             </a:p>
           </p:txBody>
@@ -2552,7 +2661,7 @@
             </a:xfrm>
             <a:prstGeom prst="diagStripe">
               <a:avLst>
-                <a:gd fmla="val 50000" name="adj"/>
+                <a:gd name="adj" fmla="val 50000"/>
               </a:avLst>
             </a:prstGeom>
             <a:solidFill>
@@ -2565,12 +2674,12 @@
             </a:ln>
           </p:spPr>
           <p:txBody>
-            <a:bodyPr anchorCtr="0" anchor="ctr" bIns="91425" lIns="91425" spcFirstLastPara="1" rIns="91425" wrap="square" tIns="91425">
+            <a:bodyPr spcFirstLastPara="1" wrap="square" lIns="91425" tIns="91425" rIns="91425" bIns="91425" anchor="ctr" anchorCtr="0">
               <a:noAutofit/>
             </a:bodyPr>
             <a:lstStyle/>
             <a:p>
-              <a:pPr indent="0" lvl="0" marL="0" rtl="0" algn="l">
+              <a:pPr marL="0" lvl="0" indent="0" algn="l" rtl="0">
                 <a:spcBef>
                   <a:spcPts val="0"/>
                 </a:spcBef>
@@ -2579,9 +2688,6 @@
                 </a:spcAft>
                 <a:buNone/>
               </a:pPr>
-              <a:r>
-                <a:t/>
-              </a:r>
               <a:endParaRPr/>
             </a:p>
           </p:txBody>
@@ -2599,7 +2705,7 @@
             </a:xfrm>
             <a:prstGeom prst="diagStripe">
               <a:avLst>
-                <a:gd fmla="val 50000" name="adj"/>
+                <a:gd name="adj" fmla="val 50000"/>
               </a:avLst>
             </a:prstGeom>
             <a:solidFill>
@@ -2612,12 +2718,12 @@
             </a:ln>
           </p:spPr>
           <p:txBody>
-            <a:bodyPr anchorCtr="0" anchor="ctr" bIns="91425" lIns="91425" spcFirstLastPara="1" rIns="91425" wrap="square" tIns="91425">
+            <a:bodyPr spcFirstLastPara="1" wrap="square" lIns="91425" tIns="91425" rIns="91425" bIns="91425" anchor="ctr" anchorCtr="0">
               <a:noAutofit/>
             </a:bodyPr>
             <a:lstStyle/>
             <a:p>
-              <a:pPr indent="0" lvl="0" marL="0" rtl="0" algn="l">
+              <a:pPr marL="0" lvl="0" indent="0" algn="l" rtl="0">
                 <a:spcBef>
                   <a:spcPts val="0"/>
                 </a:spcBef>
@@ -2626,9 +2732,6 @@
                 </a:spcAft>
                 <a:buNone/>
               </a:pPr>
-              <a:r>
-                <a:t/>
-              </a:r>
               <a:endParaRPr/>
             </a:p>
           </p:txBody>
@@ -2646,7 +2749,7 @@
             </a:xfrm>
             <a:prstGeom prst="diagStripe">
               <a:avLst>
-                <a:gd fmla="val 50000" name="adj"/>
+                <a:gd name="adj" fmla="val 50000"/>
               </a:avLst>
             </a:prstGeom>
             <a:solidFill>
@@ -2659,12 +2762,12 @@
             </a:ln>
           </p:spPr>
           <p:txBody>
-            <a:bodyPr anchorCtr="0" anchor="ctr" bIns="91425" lIns="91425" spcFirstLastPara="1" rIns="91425" wrap="square" tIns="91425">
+            <a:bodyPr spcFirstLastPara="1" wrap="square" lIns="91425" tIns="91425" rIns="91425" bIns="91425" anchor="ctr" anchorCtr="0">
               <a:noAutofit/>
             </a:bodyPr>
             <a:lstStyle/>
             <a:p>
-              <a:pPr indent="0" lvl="0" marL="0" rtl="0" algn="l">
+              <a:pPr marL="0" lvl="0" indent="0" algn="l" rtl="0">
                 <a:spcBef>
                   <a:spcPts val="0"/>
                 </a:spcBef>
@@ -2673,9 +2776,6 @@
                 </a:spcAft>
                 <a:buNone/>
               </a:pPr>
-              <a:r>
-                <a:t/>
-              </a:r>
               <a:endParaRPr/>
             </a:p>
           </p:txBody>
@@ -2693,7 +2793,7 @@
             </a:xfrm>
             <a:prstGeom prst="diagStripe">
               <a:avLst>
-                <a:gd fmla="val 50000" name="adj"/>
+                <a:gd name="adj" fmla="val 50000"/>
               </a:avLst>
             </a:prstGeom>
             <a:solidFill>
@@ -2704,12 +2804,12 @@
             </a:ln>
           </p:spPr>
           <p:txBody>
-            <a:bodyPr anchorCtr="0" anchor="ctr" bIns="91425" lIns="91425" spcFirstLastPara="1" rIns="91425" wrap="square" tIns="91425">
+            <a:bodyPr spcFirstLastPara="1" wrap="square" lIns="91425" tIns="91425" rIns="91425" bIns="91425" anchor="ctr" anchorCtr="0">
               <a:noAutofit/>
             </a:bodyPr>
             <a:lstStyle/>
             <a:p>
-              <a:pPr indent="0" lvl="0" marL="0" rtl="0" algn="l">
+              <a:pPr marL="0" lvl="0" indent="0" algn="l" rtl="0">
                 <a:spcBef>
                   <a:spcPts val="0"/>
                 </a:spcBef>
@@ -2718,9 +2818,6 @@
                 </a:spcAft>
                 <a:buNone/>
               </a:pPr>
-              <a:r>
-                <a:t/>
-              </a:r>
               <a:endParaRPr/>
             </a:p>
           </p:txBody>
@@ -2738,7 +2835,7 @@
             </a:xfrm>
             <a:prstGeom prst="diagStripe">
               <a:avLst>
-                <a:gd fmla="val 50000" name="adj"/>
+                <a:gd name="adj" fmla="val 50000"/>
               </a:avLst>
             </a:prstGeom>
             <a:solidFill>
@@ -2751,12 +2848,12 @@
             </a:ln>
           </p:spPr>
           <p:txBody>
-            <a:bodyPr anchorCtr="0" anchor="ctr" bIns="91425" lIns="91425" spcFirstLastPara="1" rIns="91425" wrap="square" tIns="91425">
+            <a:bodyPr spcFirstLastPara="1" wrap="square" lIns="91425" tIns="91425" rIns="91425" bIns="91425" anchor="ctr" anchorCtr="0">
               <a:noAutofit/>
             </a:bodyPr>
             <a:lstStyle/>
             <a:p>
-              <a:pPr indent="0" lvl="0" marL="0" rtl="0" algn="l">
+              <a:pPr marL="0" lvl="0" indent="0" algn="l" rtl="0">
                 <a:spcBef>
                   <a:spcPts val="0"/>
                 </a:spcBef>
@@ -2765,9 +2862,6 @@
                 </a:spcAft>
                 <a:buNone/>
               </a:pPr>
-              <a:r>
-                <a:t/>
-              </a:r>
               <a:endParaRPr/>
             </a:p>
           </p:txBody>
@@ -2785,7 +2879,7 @@
             </a:xfrm>
             <a:prstGeom prst="diagStripe">
               <a:avLst>
-                <a:gd fmla="val 50000" name="adj"/>
+                <a:gd name="adj" fmla="val 50000"/>
               </a:avLst>
             </a:prstGeom>
             <a:solidFill>
@@ -2798,12 +2892,12 @@
             </a:ln>
           </p:spPr>
           <p:txBody>
-            <a:bodyPr anchorCtr="0" anchor="ctr" bIns="91425" lIns="91425" spcFirstLastPara="1" rIns="91425" wrap="square" tIns="91425">
+            <a:bodyPr spcFirstLastPara="1" wrap="square" lIns="91425" tIns="91425" rIns="91425" bIns="91425" anchor="ctr" anchorCtr="0">
               <a:noAutofit/>
             </a:bodyPr>
             <a:lstStyle/>
             <a:p>
-              <a:pPr indent="0" lvl="0" marL="0" rtl="0" algn="l">
+              <a:pPr marL="0" lvl="0" indent="0" algn="l" rtl="0">
                 <a:spcBef>
                   <a:spcPts val="0"/>
                 </a:spcBef>
@@ -2812,9 +2906,6 @@
                 </a:spcAft>
                 <a:buNone/>
               </a:pPr>
-              <a:r>
-                <a:t/>
-              </a:r>
               <a:endParaRPr/>
             </a:p>
           </p:txBody>
@@ -2832,7 +2923,7 @@
             </a:xfrm>
             <a:prstGeom prst="diagStripe">
               <a:avLst>
-                <a:gd fmla="val 50000" name="adj"/>
+                <a:gd name="adj" fmla="val 50000"/>
               </a:avLst>
             </a:prstGeom>
             <a:solidFill>
@@ -2845,12 +2936,12 @@
             </a:ln>
           </p:spPr>
           <p:txBody>
-            <a:bodyPr anchorCtr="0" anchor="ctr" bIns="91425" lIns="91425" spcFirstLastPara="1" rIns="91425" wrap="square" tIns="91425">
+            <a:bodyPr spcFirstLastPara="1" wrap="square" lIns="91425" tIns="91425" rIns="91425" bIns="91425" anchor="ctr" anchorCtr="0">
               <a:noAutofit/>
             </a:bodyPr>
             <a:lstStyle/>
             <a:p>
-              <a:pPr indent="0" lvl="0" marL="0" rtl="0" algn="l">
+              <a:pPr marL="0" lvl="0" indent="0" algn="l" rtl="0">
                 <a:spcBef>
                   <a:spcPts val="0"/>
                 </a:spcBef>
@@ -2859,9 +2950,6 @@
                 </a:spcAft>
                 <a:buNone/>
               </a:pPr>
-              <a:r>
-                <a:t/>
-              </a:r>
               <a:endParaRPr/>
             </a:p>
           </p:txBody>
@@ -2879,7 +2967,7 @@
             </a:xfrm>
             <a:prstGeom prst="diagStripe">
               <a:avLst>
-                <a:gd fmla="val 50000" name="adj"/>
+                <a:gd name="adj" fmla="val 50000"/>
               </a:avLst>
             </a:prstGeom>
             <a:solidFill>
@@ -2892,12 +2980,12 @@
             </a:ln>
           </p:spPr>
           <p:txBody>
-            <a:bodyPr anchorCtr="0" anchor="ctr" bIns="91425" lIns="91425" spcFirstLastPara="1" rIns="91425" wrap="square" tIns="91425">
+            <a:bodyPr spcFirstLastPara="1" wrap="square" lIns="91425" tIns="91425" rIns="91425" bIns="91425" anchor="ctr" anchorCtr="0">
               <a:noAutofit/>
             </a:bodyPr>
             <a:lstStyle/>
             <a:p>
-              <a:pPr indent="0" lvl="0" marL="0" rtl="0" algn="l">
+              <a:pPr marL="0" lvl="0" indent="0" algn="l" rtl="0">
                 <a:spcBef>
                   <a:spcPts val="0"/>
                 </a:spcBef>
@@ -2906,9 +2994,6 @@
                 </a:spcAft>
                 <a:buNone/>
               </a:pPr>
-              <a:r>
-                <a:t/>
-              </a:r>
               <a:endParaRPr/>
             </a:p>
           </p:txBody>
@@ -2926,7 +3011,7 @@
             </a:xfrm>
             <a:prstGeom prst="diagStripe">
               <a:avLst>
-                <a:gd fmla="val 50000" name="adj"/>
+                <a:gd name="adj" fmla="val 50000"/>
               </a:avLst>
             </a:prstGeom>
             <a:solidFill>
@@ -2939,12 +3024,12 @@
             </a:ln>
           </p:spPr>
           <p:txBody>
-            <a:bodyPr anchorCtr="0" anchor="ctr" bIns="91425" lIns="91425" spcFirstLastPara="1" rIns="91425" wrap="square" tIns="91425">
+            <a:bodyPr spcFirstLastPara="1" wrap="square" lIns="91425" tIns="91425" rIns="91425" bIns="91425" anchor="ctr" anchorCtr="0">
               <a:noAutofit/>
             </a:bodyPr>
             <a:lstStyle/>
             <a:p>
-              <a:pPr indent="0" lvl="0" marL="0" rtl="0" algn="l">
+              <a:pPr marL="0" lvl="0" indent="0" algn="l" rtl="0">
                 <a:spcBef>
                   <a:spcPts val="0"/>
                 </a:spcBef>
@@ -2953,9 +3038,6 @@
                 </a:spcAft>
                 <a:buNone/>
               </a:pPr>
-              <a:r>
-                <a:t/>
-              </a:r>
               <a:endParaRPr/>
             </a:p>
           </p:txBody>
@@ -2973,7 +3055,7 @@
             </a:xfrm>
             <a:prstGeom prst="diagStripe">
               <a:avLst>
-                <a:gd fmla="val 50000" name="adj"/>
+                <a:gd name="adj" fmla="val 50000"/>
               </a:avLst>
             </a:prstGeom>
             <a:solidFill>
@@ -2984,12 +3066,12 @@
             </a:ln>
           </p:spPr>
           <p:txBody>
-            <a:bodyPr anchorCtr="0" anchor="ctr" bIns="91425" lIns="91425" spcFirstLastPara="1" rIns="91425" wrap="square" tIns="91425">
+            <a:bodyPr spcFirstLastPara="1" wrap="square" lIns="91425" tIns="91425" rIns="91425" bIns="91425" anchor="ctr" anchorCtr="0">
               <a:noAutofit/>
             </a:bodyPr>
             <a:lstStyle/>
             <a:p>
-              <a:pPr indent="0" lvl="0" marL="0" rtl="0" algn="l">
+              <a:pPr marL="0" lvl="0" indent="0" algn="l" rtl="0">
                 <a:spcBef>
                   <a:spcPts val="0"/>
                 </a:spcBef>
@@ -2998,9 +3080,6 @@
                 </a:spcAft>
                 <a:buNone/>
               </a:pPr>
-              <a:r>
-                <a:t/>
-              </a:r>
               <a:endParaRPr/>
             </a:p>
           </p:txBody>
@@ -3018,7 +3097,7 @@
             </a:xfrm>
             <a:prstGeom prst="diagStripe">
               <a:avLst>
-                <a:gd fmla="val 50000" name="adj"/>
+                <a:gd name="adj" fmla="val 50000"/>
               </a:avLst>
             </a:prstGeom>
             <a:solidFill>
@@ -3031,12 +3110,12 @@
             </a:ln>
           </p:spPr>
           <p:txBody>
-            <a:bodyPr anchorCtr="0" anchor="ctr" bIns="91425" lIns="91425" spcFirstLastPara="1" rIns="91425" wrap="square" tIns="91425">
+            <a:bodyPr spcFirstLastPara="1" wrap="square" lIns="91425" tIns="91425" rIns="91425" bIns="91425" anchor="ctr" anchorCtr="0">
               <a:noAutofit/>
             </a:bodyPr>
             <a:lstStyle/>
             <a:p>
-              <a:pPr indent="0" lvl="0" marL="0" rtl="0" algn="l">
+              <a:pPr marL="0" lvl="0" indent="0" algn="l" rtl="0">
                 <a:spcBef>
                   <a:spcPts val="0"/>
                 </a:spcBef>
@@ -3045,9 +3124,6 @@
                 </a:spcAft>
                 <a:buNone/>
               </a:pPr>
-              <a:r>
-                <a:t/>
-              </a:r>
               <a:endParaRPr/>
             </a:p>
           </p:txBody>
@@ -3065,7 +3141,7 @@
             </a:xfrm>
             <a:prstGeom prst="diagStripe">
               <a:avLst>
-                <a:gd fmla="val 50000" name="adj"/>
+                <a:gd name="adj" fmla="val 50000"/>
               </a:avLst>
             </a:prstGeom>
             <a:solidFill>
@@ -3078,12 +3154,12 @@
             </a:ln>
           </p:spPr>
           <p:txBody>
-            <a:bodyPr anchorCtr="0" anchor="ctr" bIns="91425" lIns="91425" spcFirstLastPara="1" rIns="91425" wrap="square" tIns="91425">
+            <a:bodyPr spcFirstLastPara="1" wrap="square" lIns="91425" tIns="91425" rIns="91425" bIns="91425" anchor="ctr" anchorCtr="0">
               <a:noAutofit/>
             </a:bodyPr>
             <a:lstStyle/>
             <a:p>
-              <a:pPr indent="0" lvl="0" marL="0" rtl="0" algn="l">
+              <a:pPr marL="0" lvl="0" indent="0" algn="l" rtl="0">
                 <a:spcBef>
                   <a:spcPts val="0"/>
                 </a:spcBef>
@@ -3092,9 +3168,6 @@
                 </a:spcAft>
                 <a:buNone/>
               </a:pPr>
-              <a:r>
-                <a:t/>
-              </a:r>
               <a:endParaRPr/>
             </a:p>
           </p:txBody>
@@ -3112,7 +3185,7 @@
             </a:xfrm>
             <a:prstGeom prst="diagStripe">
               <a:avLst>
-                <a:gd fmla="val 50000" name="adj"/>
+                <a:gd name="adj" fmla="val 50000"/>
               </a:avLst>
             </a:prstGeom>
             <a:solidFill>
@@ -3125,12 +3198,12 @@
             </a:ln>
           </p:spPr>
           <p:txBody>
-            <a:bodyPr anchorCtr="0" anchor="ctr" bIns="91425" lIns="91425" spcFirstLastPara="1" rIns="91425" wrap="square" tIns="91425">
+            <a:bodyPr spcFirstLastPara="1" wrap="square" lIns="91425" tIns="91425" rIns="91425" bIns="91425" anchor="ctr" anchorCtr="0">
               <a:noAutofit/>
             </a:bodyPr>
             <a:lstStyle/>
             <a:p>
-              <a:pPr indent="0" lvl="0" marL="0" rtl="0" algn="l">
+              <a:pPr marL="0" lvl="0" indent="0" algn="l" rtl="0">
                 <a:spcBef>
                   <a:spcPts val="0"/>
                 </a:spcBef>
@@ -3139,9 +3212,6 @@
                 </a:spcAft>
                 <a:buNone/>
               </a:pPr>
-              <a:r>
-                <a:t/>
-              </a:r>
               <a:endParaRPr/>
             </a:p>
           </p:txBody>
@@ -3159,7 +3229,7 @@
             </a:xfrm>
             <a:prstGeom prst="diagStripe">
               <a:avLst>
-                <a:gd fmla="val 50000" name="adj"/>
+                <a:gd name="adj" fmla="val 50000"/>
               </a:avLst>
             </a:prstGeom>
             <a:solidFill>
@@ -3172,12 +3242,12 @@
             </a:ln>
           </p:spPr>
           <p:txBody>
-            <a:bodyPr anchorCtr="0" anchor="ctr" bIns="91425" lIns="91425" spcFirstLastPara="1" rIns="91425" wrap="square" tIns="91425">
+            <a:bodyPr spcFirstLastPara="1" wrap="square" lIns="91425" tIns="91425" rIns="91425" bIns="91425" anchor="ctr" anchorCtr="0">
               <a:noAutofit/>
             </a:bodyPr>
             <a:lstStyle/>
             <a:p>
-              <a:pPr indent="0" lvl="0" marL="0" rtl="0" algn="l">
+              <a:pPr marL="0" lvl="0" indent="0" algn="l" rtl="0">
                 <a:spcBef>
                   <a:spcPts val="0"/>
                 </a:spcBef>
@@ -3186,9 +3256,6 @@
                 </a:spcAft>
                 <a:buNone/>
               </a:pPr>
-              <a:r>
-                <a:t/>
-              </a:r>
               <a:endParaRPr/>
             </a:p>
           </p:txBody>
@@ -3197,9 +3264,11 @@
       <p:sp>
         <p:nvSpPr>
           <p:cNvPr id="125" name="Google Shape;125;p11"/>
-          <p:cNvSpPr txBox="1"/>
+          <p:cNvSpPr txBox="1">
+            <a:spLocks noGrp="1"/>
+          </p:cNvSpPr>
           <p:nvPr>
-            <p:ph hasCustomPrompt="1" type="title"/>
+            <p:ph type="title" hasCustomPrompt="1"/>
           </p:nvPr>
         </p:nvSpPr>
         <p:spPr>
@@ -3212,7 +3281,7 @@
           </a:prstGeom>
         </p:spPr>
         <p:txBody>
-          <a:bodyPr anchorCtr="0" anchor="t" bIns="91425" lIns="91425" spcFirstLastPara="1" rIns="91425" wrap="square" tIns="91425"/>
+          <a:bodyPr spcFirstLastPara="1" wrap="square" lIns="91425" tIns="91425" rIns="91425" bIns="91425" anchor="t" anchorCtr="0"/>
           <a:lstStyle>
             <a:lvl1pPr lvl="0">
               <a:spcBef>
@@ -3324,9 +3393,11 @@
       <p:sp>
         <p:nvSpPr>
           <p:cNvPr id="126" name="Google Shape;126;p11"/>
-          <p:cNvSpPr txBox="1"/>
+          <p:cNvSpPr txBox="1">
+            <a:spLocks noGrp="1"/>
+          </p:cNvSpPr>
           <p:nvPr>
-            <p:ph idx="1" type="body"/>
+            <p:ph type="body" idx="1"/>
           </p:nvPr>
         </p:nvSpPr>
         <p:spPr>
@@ -3339,9 +3410,9 @@
           </a:prstGeom>
         </p:spPr>
         <p:txBody>
-          <a:bodyPr anchorCtr="0" anchor="t" bIns="91425" lIns="91425" spcFirstLastPara="1" rIns="91425" wrap="square" tIns="91425"/>
+          <a:bodyPr spcFirstLastPara="1" wrap="square" lIns="91425" tIns="91425" rIns="91425" bIns="91425" anchor="t" anchorCtr="0"/>
           <a:lstStyle>
-            <a:lvl1pPr indent="-311150" lvl="0" marL="457200">
+            <a:lvl1pPr marL="457200" lvl="0" indent="-311150">
               <a:spcBef>
                 <a:spcPts val="0"/>
               </a:spcBef>
@@ -3352,7 +3423,7 @@
               <a:buChar char="●"/>
               <a:defRPr/>
             </a:lvl1pPr>
-            <a:lvl2pPr indent="-298450" lvl="1" marL="914400">
+            <a:lvl2pPr marL="914400" lvl="1" indent="-298450">
               <a:spcBef>
                 <a:spcPts val="1600"/>
               </a:spcBef>
@@ -3363,7 +3434,7 @@
               <a:buChar char="○"/>
               <a:defRPr/>
             </a:lvl2pPr>
-            <a:lvl3pPr indent="-298450" lvl="2" marL="1371600">
+            <a:lvl3pPr marL="1371600" lvl="2" indent="-298450">
               <a:spcBef>
                 <a:spcPts val="1600"/>
               </a:spcBef>
@@ -3374,7 +3445,7 @@
               <a:buChar char="■"/>
               <a:defRPr/>
             </a:lvl3pPr>
-            <a:lvl4pPr indent="-298450" lvl="3" marL="1828800">
+            <a:lvl4pPr marL="1828800" lvl="3" indent="-298450">
               <a:spcBef>
                 <a:spcPts val="1600"/>
               </a:spcBef>
@@ -3385,7 +3456,7 @@
               <a:buChar char="●"/>
               <a:defRPr/>
             </a:lvl4pPr>
-            <a:lvl5pPr indent="-298450" lvl="4" marL="2286000">
+            <a:lvl5pPr marL="2286000" lvl="4" indent="-298450">
               <a:spcBef>
                 <a:spcPts val="1600"/>
               </a:spcBef>
@@ -3396,7 +3467,7 @@
               <a:buChar char="○"/>
               <a:defRPr/>
             </a:lvl5pPr>
-            <a:lvl6pPr indent="-298450" lvl="5" marL="2743200">
+            <a:lvl6pPr marL="2743200" lvl="5" indent="-298450">
               <a:spcBef>
                 <a:spcPts val="1600"/>
               </a:spcBef>
@@ -3407,7 +3478,7 @@
               <a:buChar char="■"/>
               <a:defRPr/>
             </a:lvl6pPr>
-            <a:lvl7pPr indent="-298450" lvl="6" marL="3200400">
+            <a:lvl7pPr marL="3200400" lvl="6" indent="-298450">
               <a:spcBef>
                 <a:spcPts val="1600"/>
               </a:spcBef>
@@ -3418,7 +3489,7 @@
               <a:buChar char="●"/>
               <a:defRPr/>
             </a:lvl7pPr>
-            <a:lvl8pPr indent="-298450" lvl="7" marL="3657600">
+            <a:lvl8pPr marL="3657600" lvl="7" indent="-298450">
               <a:spcBef>
                 <a:spcPts val="1600"/>
               </a:spcBef>
@@ -3429,7 +3500,7 @@
               <a:buChar char="○"/>
               <a:defRPr/>
             </a:lvl8pPr>
-            <a:lvl9pPr indent="-298450" lvl="8" marL="4114800">
+            <a:lvl9pPr marL="4114800" lvl="8" indent="-298450">
               <a:spcBef>
                 <a:spcPts val="1600"/>
               </a:spcBef>
@@ -3441,15 +3512,19 @@
               <a:defRPr/>
             </a:lvl9pPr>
           </a:lstStyle>
-          <a:p/>
+          <a:p>
+            <a:endParaRPr/>
+          </a:p>
         </p:txBody>
       </p:sp>
       <p:sp>
         <p:nvSpPr>
           <p:cNvPr id="127" name="Google Shape;127;p11"/>
-          <p:cNvSpPr txBox="1"/>
+          <p:cNvSpPr txBox="1">
+            <a:spLocks noGrp="1"/>
+          </p:cNvSpPr>
           <p:nvPr>
-            <p:ph idx="12" type="sldNum"/>
+            <p:ph type="sldNum" idx="12"/>
           </p:nvPr>
         </p:nvSpPr>
         <p:spPr>
@@ -3462,7 +3537,7 @@
           </a:prstGeom>
         </p:spPr>
         <p:txBody>
-          <a:bodyPr anchorCtr="0" anchor="ctr" bIns="91425" lIns="91425" spcFirstLastPara="1" rIns="91425" wrap="square" tIns="91425">
+          <a:bodyPr spcFirstLastPara="1" wrap="square" lIns="91425" tIns="91425" rIns="91425" bIns="91425" anchor="ctr" anchorCtr="0">
             <a:noAutofit/>
           </a:bodyPr>
           <a:lstStyle>
@@ -3504,7 +3579,7 @@
             </a:lvl9pPr>
           </a:lstStyle>
           <a:p>
-            <a:pPr indent="0" lvl="0" marL="0" rtl="0" algn="r">
+            <a:pPr marL="0" lvl="0" indent="0" algn="r" rtl="0">
               <a:spcBef>
                 <a:spcPts val="0"/>
               </a:spcBef>
@@ -3530,11 +3605,11 @@
 </file>
 
 <file path=ppt/slideLayouts/slideLayout11.xml><?xml version="1.0" encoding="utf-8"?>
-<p:sldLayout xmlns:a="http://schemas.openxmlformats.org/drawingml/2006/main" xmlns:r="http://schemas.openxmlformats.org/officeDocument/2006/relationships" xmlns:mc="http://schemas.openxmlformats.org/markup-compatibility/2006" xmlns:mv="urn:schemas-microsoft-com:mac:vml" xmlns:p="http://schemas.openxmlformats.org/presentationml/2006/main" xmlns:c="http://schemas.openxmlformats.org/drawingml/2006/chart" xmlns:dgm="http://schemas.openxmlformats.org/drawingml/2006/diagram" xmlns:o="urn:schemas-microsoft-com:office:office" xmlns:v="urn:schemas-microsoft-com:vml" xmlns:pvml="urn:schemas-microsoft-com:office:powerpoint" xmlns:com="http://schemas.openxmlformats.org/drawingml/2006/compatibility" xmlns:p14="http://schemas.microsoft.com/office/powerpoint/2010/main" xmlns:p15="http://schemas.microsoft.com/office/powerpoint/2012/main" matchingName="Blank" type="blank">
+<p:sldLayout xmlns:a="http://schemas.openxmlformats.org/drawingml/2006/main" xmlns:r="http://schemas.openxmlformats.org/officeDocument/2006/relationships" xmlns:p="http://schemas.openxmlformats.org/presentationml/2006/main" matchingName="Blank" type="blank">
   <p:cSld name="BLANK">
     <p:spTree>
       <p:nvGrpSpPr>
-        <p:cNvPr id="128" name="Shape 128"/>
+        <p:cNvPr id="1" name="Shape 128"/>
         <p:cNvGrpSpPr/>
         <p:nvPr/>
       </p:nvGrpSpPr>
@@ -3549,9 +3624,11 @@
       <p:sp>
         <p:nvSpPr>
           <p:cNvPr id="129" name="Google Shape;129;p12"/>
-          <p:cNvSpPr txBox="1"/>
+          <p:cNvSpPr txBox="1">
+            <a:spLocks noGrp="1"/>
+          </p:cNvSpPr>
           <p:nvPr>
-            <p:ph idx="12" type="sldNum"/>
+            <p:ph type="sldNum" idx="12"/>
           </p:nvPr>
         </p:nvSpPr>
         <p:spPr>
@@ -3564,7 +3641,7 @@
           </a:prstGeom>
         </p:spPr>
         <p:txBody>
-          <a:bodyPr anchorCtr="0" anchor="ctr" bIns="91425" lIns="91425" spcFirstLastPara="1" rIns="91425" wrap="square" tIns="91425">
+          <a:bodyPr spcFirstLastPara="1" wrap="square" lIns="91425" tIns="91425" rIns="91425" bIns="91425" anchor="ctr" anchorCtr="0">
             <a:noAutofit/>
           </a:bodyPr>
           <a:lstStyle>
@@ -3606,7 +3683,7 @@
             </a:lvl9pPr>
           </a:lstStyle>
           <a:p>
-            <a:pPr indent="0" lvl="0" marL="0" rtl="0" algn="r">
+            <a:pPr marL="0" lvl="0" indent="0" algn="r" rtl="0">
               <a:spcBef>
                 <a:spcPts val="0"/>
               </a:spcBef>
@@ -3632,11 +3709,11 @@
 </file>
 
 <file path=ppt/slideLayouts/slideLayout2.xml><?xml version="1.0" encoding="utf-8"?>
-<p:sldLayout xmlns:a="http://schemas.openxmlformats.org/drawingml/2006/main" xmlns:r="http://schemas.openxmlformats.org/officeDocument/2006/relationships" xmlns:mc="http://schemas.openxmlformats.org/markup-compatibility/2006" xmlns:mv="urn:schemas-microsoft-com:mac:vml" xmlns:p="http://schemas.openxmlformats.org/presentationml/2006/main" xmlns:c="http://schemas.openxmlformats.org/drawingml/2006/chart" xmlns:dgm="http://schemas.openxmlformats.org/drawingml/2006/diagram" xmlns:o="urn:schemas-microsoft-com:office:office" xmlns:v="urn:schemas-microsoft-com:vml" xmlns:pvml="urn:schemas-microsoft-com:office:powerpoint" xmlns:com="http://schemas.openxmlformats.org/drawingml/2006/compatibility" xmlns:p14="http://schemas.microsoft.com/office/powerpoint/2010/main" xmlns:p15="http://schemas.microsoft.com/office/powerpoint/2012/main" matchingName="Section header" type="secHead">
+<p:sldLayout xmlns:a="http://schemas.openxmlformats.org/drawingml/2006/main" xmlns:r="http://schemas.openxmlformats.org/officeDocument/2006/relationships" xmlns:p="http://schemas.openxmlformats.org/presentationml/2006/main" matchingName="Section header" type="secHead">
   <p:cSld name="SECTION_HEADER">
     <p:spTree>
       <p:nvGrpSpPr>
-        <p:cNvPr id="19" name="Shape 19"/>
+        <p:cNvPr id="1" name="Shape 19"/>
         <p:cNvGrpSpPr/>
         <p:nvPr/>
       </p:nvGrpSpPr>
@@ -3675,7 +3752,7 @@
             </a:xfrm>
             <a:prstGeom prst="diagStripe">
               <a:avLst>
-                <a:gd fmla="val 49469" name="adj"/>
+                <a:gd name="adj" fmla="val 49469"/>
               </a:avLst>
             </a:prstGeom>
             <a:solidFill>
@@ -3688,12 +3765,12 @@
             </a:ln>
           </p:spPr>
           <p:txBody>
-            <a:bodyPr anchorCtr="0" anchor="ctr" bIns="91425" lIns="91425" spcFirstLastPara="1" rIns="91425" wrap="square" tIns="91425">
+            <a:bodyPr spcFirstLastPara="1" wrap="square" lIns="91425" tIns="91425" rIns="91425" bIns="91425" anchor="ctr" anchorCtr="0">
               <a:noAutofit/>
             </a:bodyPr>
             <a:lstStyle/>
             <a:p>
-              <a:pPr indent="0" lvl="0" marL="0" rtl="0" algn="l">
+              <a:pPr marL="0" lvl="0" indent="0" algn="l" rtl="0">
                 <a:spcBef>
                   <a:spcPts val="0"/>
                 </a:spcBef>
@@ -3702,9 +3779,6 @@
                 </a:spcAft>
                 <a:buNone/>
               </a:pPr>
-              <a:r>
-                <a:t/>
-              </a:r>
               <a:endParaRPr/>
             </a:p>
           </p:txBody>
@@ -3722,7 +3796,7 @@
             </a:xfrm>
             <a:prstGeom prst="diagStripe">
               <a:avLst>
-                <a:gd fmla="val 0" name="adj"/>
+                <a:gd name="adj" fmla="val 0"/>
               </a:avLst>
             </a:prstGeom>
             <a:solidFill>
@@ -3735,12 +3809,12 @@
             </a:ln>
           </p:spPr>
           <p:txBody>
-            <a:bodyPr anchorCtr="0" anchor="ctr" bIns="91425" lIns="91425" spcFirstLastPara="1" rIns="91425" wrap="square" tIns="91425">
+            <a:bodyPr spcFirstLastPara="1" wrap="square" lIns="91425" tIns="91425" rIns="91425" bIns="91425" anchor="ctr" anchorCtr="0">
               <a:noAutofit/>
             </a:bodyPr>
             <a:lstStyle/>
             <a:p>
-              <a:pPr indent="0" lvl="0" marL="0" rtl="0" algn="l">
+              <a:pPr marL="0" lvl="0" indent="0" algn="l" rtl="0">
                 <a:spcBef>
                   <a:spcPts val="0"/>
                 </a:spcBef>
@@ -3749,9 +3823,6 @@
                 </a:spcAft>
                 <a:buNone/>
               </a:pPr>
-              <a:r>
-                <a:t/>
-              </a:r>
               <a:endParaRPr/>
             </a:p>
           </p:txBody>
@@ -3769,7 +3840,7 @@
             </a:xfrm>
             <a:prstGeom prst="diagStripe">
               <a:avLst>
-                <a:gd fmla="val 50000" name="adj"/>
+                <a:gd name="adj" fmla="val 50000"/>
               </a:avLst>
             </a:prstGeom>
             <a:solidFill>
@@ -3782,12 +3853,12 @@
             </a:ln>
           </p:spPr>
           <p:txBody>
-            <a:bodyPr anchorCtr="0" anchor="ctr" bIns="91425" lIns="91425" spcFirstLastPara="1" rIns="91425" wrap="square" tIns="91425">
+            <a:bodyPr spcFirstLastPara="1" wrap="square" lIns="91425" tIns="91425" rIns="91425" bIns="91425" anchor="ctr" anchorCtr="0">
               <a:noAutofit/>
             </a:bodyPr>
             <a:lstStyle/>
             <a:p>
-              <a:pPr indent="0" lvl="0" marL="0" rtl="0" algn="l">
+              <a:pPr marL="0" lvl="0" indent="0" algn="l" rtl="0">
                 <a:spcBef>
                   <a:spcPts val="0"/>
                 </a:spcBef>
@@ -3796,9 +3867,6 @@
                 </a:spcAft>
                 <a:buNone/>
               </a:pPr>
-              <a:r>
-                <a:t/>
-              </a:r>
               <a:endParaRPr/>
             </a:p>
           </p:txBody>
@@ -3816,7 +3884,7 @@
             </a:xfrm>
             <a:prstGeom prst="diagStripe">
               <a:avLst>
-                <a:gd fmla="val 50000" name="adj"/>
+                <a:gd name="adj" fmla="val 50000"/>
               </a:avLst>
             </a:prstGeom>
             <a:solidFill>
@@ -3829,12 +3897,12 @@
             </a:ln>
           </p:spPr>
           <p:txBody>
-            <a:bodyPr anchorCtr="0" anchor="ctr" bIns="91425" lIns="91425" spcFirstLastPara="1" rIns="91425" wrap="square" tIns="91425">
+            <a:bodyPr spcFirstLastPara="1" wrap="square" lIns="91425" tIns="91425" rIns="91425" bIns="91425" anchor="ctr" anchorCtr="0">
               <a:noAutofit/>
             </a:bodyPr>
             <a:lstStyle/>
             <a:p>
-              <a:pPr indent="0" lvl="0" marL="0" rtl="0" algn="l">
+              <a:pPr marL="0" lvl="0" indent="0" algn="l" rtl="0">
                 <a:spcBef>
                   <a:spcPts val="0"/>
                 </a:spcBef>
@@ -3843,9 +3911,6 @@
                 </a:spcAft>
                 <a:buNone/>
               </a:pPr>
-              <a:r>
-                <a:t/>
-              </a:r>
               <a:endParaRPr/>
             </a:p>
           </p:txBody>
@@ -3863,7 +3928,7 @@
             </a:xfrm>
             <a:prstGeom prst="diagStripe">
               <a:avLst>
-                <a:gd fmla="val 50000" name="adj"/>
+                <a:gd name="adj" fmla="val 50000"/>
               </a:avLst>
             </a:prstGeom>
             <a:solidFill>
@@ -3876,12 +3941,12 @@
             </a:ln>
           </p:spPr>
           <p:txBody>
-            <a:bodyPr anchorCtr="0" anchor="ctr" bIns="91425" lIns="91425" spcFirstLastPara="1" rIns="91425" wrap="square" tIns="91425">
+            <a:bodyPr spcFirstLastPara="1" wrap="square" lIns="91425" tIns="91425" rIns="91425" bIns="91425" anchor="ctr" anchorCtr="0">
               <a:noAutofit/>
             </a:bodyPr>
             <a:lstStyle/>
             <a:p>
-              <a:pPr indent="0" lvl="0" marL="0" rtl="0" algn="l">
+              <a:pPr marL="0" lvl="0" indent="0" algn="l" rtl="0">
                 <a:spcBef>
                   <a:spcPts val="0"/>
                 </a:spcBef>
@@ -3890,9 +3955,6 @@
                 </a:spcAft>
                 <a:buNone/>
               </a:pPr>
-              <a:r>
-                <a:t/>
-              </a:r>
               <a:endParaRPr/>
             </a:p>
           </p:txBody>
@@ -3910,7 +3972,7 @@
             </a:xfrm>
             <a:prstGeom prst="diagStripe">
               <a:avLst>
-                <a:gd fmla="val 50000" name="adj"/>
+                <a:gd name="adj" fmla="val 50000"/>
               </a:avLst>
             </a:prstGeom>
             <a:solidFill>
@@ -3923,12 +3985,12 @@
             </a:ln>
           </p:spPr>
           <p:txBody>
-            <a:bodyPr anchorCtr="0" anchor="ctr" bIns="91425" lIns="91425" spcFirstLastPara="1" rIns="91425" wrap="square" tIns="91425">
+            <a:bodyPr spcFirstLastPara="1" wrap="square" lIns="91425" tIns="91425" rIns="91425" bIns="91425" anchor="ctr" anchorCtr="0">
               <a:noAutofit/>
             </a:bodyPr>
             <a:lstStyle/>
             <a:p>
-              <a:pPr indent="0" lvl="0" marL="0" rtl="0" algn="l">
+              <a:pPr marL="0" lvl="0" indent="0" algn="l" rtl="0">
                 <a:spcBef>
                   <a:spcPts val="0"/>
                 </a:spcBef>
@@ -3937,9 +3999,6 @@
                 </a:spcAft>
                 <a:buNone/>
               </a:pPr>
-              <a:r>
-                <a:t/>
-              </a:r>
               <a:endParaRPr/>
             </a:p>
           </p:txBody>
@@ -3957,7 +4016,7 @@
             </a:xfrm>
             <a:prstGeom prst="diagStripe">
               <a:avLst>
-                <a:gd fmla="val 50000" name="adj"/>
+                <a:gd name="adj" fmla="val 50000"/>
               </a:avLst>
             </a:prstGeom>
             <a:solidFill>
@@ -3970,12 +4029,12 @@
             </a:ln>
           </p:spPr>
           <p:txBody>
-            <a:bodyPr anchorCtr="0" anchor="ctr" bIns="91425" lIns="91425" spcFirstLastPara="1" rIns="91425" wrap="square" tIns="91425">
+            <a:bodyPr spcFirstLastPara="1" wrap="square" lIns="91425" tIns="91425" rIns="91425" bIns="91425" anchor="ctr" anchorCtr="0">
               <a:noAutofit/>
             </a:bodyPr>
             <a:lstStyle/>
             <a:p>
-              <a:pPr indent="0" lvl="0" marL="0" rtl="0" algn="l">
+              <a:pPr marL="0" lvl="0" indent="0" algn="l" rtl="0">
                 <a:spcBef>
                   <a:spcPts val="0"/>
                 </a:spcBef>
@@ -3984,9 +4043,6 @@
                 </a:spcAft>
                 <a:buNone/>
               </a:pPr>
-              <a:r>
-                <a:t/>
-              </a:r>
               <a:endParaRPr/>
             </a:p>
           </p:txBody>
@@ -4004,7 +4060,7 @@
             </a:xfrm>
             <a:prstGeom prst="diagStripe">
               <a:avLst>
-                <a:gd fmla="val 50000" name="adj"/>
+                <a:gd name="adj" fmla="val 50000"/>
               </a:avLst>
             </a:prstGeom>
             <a:solidFill>
@@ -4015,12 +4071,12 @@
             </a:ln>
           </p:spPr>
           <p:txBody>
-            <a:bodyPr anchorCtr="0" anchor="ctr" bIns="91425" lIns="91425" spcFirstLastPara="1" rIns="91425" wrap="square" tIns="91425">
+            <a:bodyPr spcFirstLastPara="1" wrap="square" lIns="91425" tIns="91425" rIns="91425" bIns="91425" anchor="ctr" anchorCtr="0">
               <a:noAutofit/>
             </a:bodyPr>
             <a:lstStyle/>
             <a:p>
-              <a:pPr indent="0" lvl="0" marL="0" rtl="0" algn="l">
+              <a:pPr marL="0" lvl="0" indent="0" algn="l" rtl="0">
                 <a:spcBef>
                   <a:spcPts val="0"/>
                 </a:spcBef>
@@ -4029,9 +4085,6 @@
                 </a:spcAft>
                 <a:buNone/>
               </a:pPr>
-              <a:r>
-                <a:t/>
-              </a:r>
               <a:endParaRPr/>
             </a:p>
           </p:txBody>
@@ -4049,7 +4102,7 @@
             </a:xfrm>
             <a:prstGeom prst="diagStripe">
               <a:avLst>
-                <a:gd fmla="val 50000" name="adj"/>
+                <a:gd name="adj" fmla="val 50000"/>
               </a:avLst>
             </a:prstGeom>
             <a:solidFill>
@@ -4062,12 +4115,12 @@
             </a:ln>
           </p:spPr>
           <p:txBody>
-            <a:bodyPr anchorCtr="0" anchor="ctr" bIns="91425" lIns="91425" spcFirstLastPara="1" rIns="91425" wrap="square" tIns="91425">
+            <a:bodyPr spcFirstLastPara="1" wrap="square" lIns="91425" tIns="91425" rIns="91425" bIns="91425" anchor="ctr" anchorCtr="0">
               <a:noAutofit/>
             </a:bodyPr>
             <a:lstStyle/>
             <a:p>
-              <a:pPr indent="0" lvl="0" marL="0" rtl="0" algn="l">
+              <a:pPr marL="0" lvl="0" indent="0" algn="l" rtl="0">
                 <a:spcBef>
                   <a:spcPts val="0"/>
                 </a:spcBef>
@@ -4076,9 +4129,6 @@
                 </a:spcAft>
                 <a:buNone/>
               </a:pPr>
-              <a:r>
-                <a:t/>
-              </a:r>
               <a:endParaRPr/>
             </a:p>
           </p:txBody>
@@ -4096,7 +4146,7 @@
             </a:xfrm>
             <a:prstGeom prst="diagStripe">
               <a:avLst>
-                <a:gd fmla="val 50000" name="adj"/>
+                <a:gd name="adj" fmla="val 50000"/>
               </a:avLst>
             </a:prstGeom>
             <a:solidFill>
@@ -4109,12 +4159,12 @@
             </a:ln>
           </p:spPr>
           <p:txBody>
-            <a:bodyPr anchorCtr="0" anchor="ctr" bIns="91425" lIns="91425" spcFirstLastPara="1" rIns="91425" wrap="square" tIns="91425">
+            <a:bodyPr spcFirstLastPara="1" wrap="square" lIns="91425" tIns="91425" rIns="91425" bIns="91425" anchor="ctr" anchorCtr="0">
               <a:noAutofit/>
             </a:bodyPr>
             <a:lstStyle/>
             <a:p>
-              <a:pPr indent="0" lvl="0" marL="0" rtl="0" algn="l">
+              <a:pPr marL="0" lvl="0" indent="0" algn="l" rtl="0">
                 <a:spcBef>
                   <a:spcPts val="0"/>
                 </a:spcBef>
@@ -4123,9 +4173,6 @@
                 </a:spcAft>
                 <a:buNone/>
               </a:pPr>
-              <a:r>
-                <a:t/>
-              </a:r>
               <a:endParaRPr/>
             </a:p>
           </p:txBody>
@@ -4143,7 +4190,7 @@
             </a:xfrm>
             <a:prstGeom prst="diagStripe">
               <a:avLst>
-                <a:gd fmla="val 50000" name="adj"/>
+                <a:gd name="adj" fmla="val 50000"/>
               </a:avLst>
             </a:prstGeom>
             <a:solidFill>
@@ -4156,12 +4203,12 @@
             </a:ln>
           </p:spPr>
           <p:txBody>
-            <a:bodyPr anchorCtr="0" anchor="ctr" bIns="91425" lIns="91425" spcFirstLastPara="1" rIns="91425" wrap="square" tIns="91425">
+            <a:bodyPr spcFirstLastPara="1" wrap="square" lIns="91425" tIns="91425" rIns="91425" bIns="91425" anchor="ctr" anchorCtr="0">
               <a:noAutofit/>
             </a:bodyPr>
             <a:lstStyle/>
             <a:p>
-              <a:pPr indent="0" lvl="0" marL="0" rtl="0" algn="l">
+              <a:pPr marL="0" lvl="0" indent="0" algn="l" rtl="0">
                 <a:spcBef>
                   <a:spcPts val="0"/>
                 </a:spcBef>
@@ -4170,9 +4217,6 @@
                 </a:spcAft>
                 <a:buNone/>
               </a:pPr>
-              <a:r>
-                <a:t/>
-              </a:r>
               <a:endParaRPr/>
             </a:p>
           </p:txBody>
@@ -4190,7 +4234,7 @@
             </a:xfrm>
             <a:prstGeom prst="diagStripe">
               <a:avLst>
-                <a:gd fmla="val 50000" name="adj"/>
+                <a:gd name="adj" fmla="val 50000"/>
               </a:avLst>
             </a:prstGeom>
             <a:solidFill>
@@ -4203,12 +4247,12 @@
             </a:ln>
           </p:spPr>
           <p:txBody>
-            <a:bodyPr anchorCtr="0" anchor="ctr" bIns="91425" lIns="91425" spcFirstLastPara="1" rIns="91425" wrap="square" tIns="91425">
+            <a:bodyPr spcFirstLastPara="1" wrap="square" lIns="91425" tIns="91425" rIns="91425" bIns="91425" anchor="ctr" anchorCtr="0">
               <a:noAutofit/>
             </a:bodyPr>
             <a:lstStyle/>
             <a:p>
-              <a:pPr indent="0" lvl="0" marL="0" rtl="0" algn="l">
+              <a:pPr marL="0" lvl="0" indent="0" algn="l" rtl="0">
                 <a:spcBef>
                   <a:spcPts val="0"/>
                 </a:spcBef>
@@ -4217,9 +4261,6 @@
                 </a:spcAft>
                 <a:buNone/>
               </a:pPr>
-              <a:r>
-                <a:t/>
-              </a:r>
               <a:endParaRPr/>
             </a:p>
           </p:txBody>
@@ -4237,7 +4278,7 @@
             </a:xfrm>
             <a:prstGeom prst="diagStripe">
               <a:avLst>
-                <a:gd fmla="val 50000" name="adj"/>
+                <a:gd name="adj" fmla="val 50000"/>
               </a:avLst>
             </a:prstGeom>
             <a:solidFill>
@@ -4250,12 +4291,12 @@
             </a:ln>
           </p:spPr>
           <p:txBody>
-            <a:bodyPr anchorCtr="0" anchor="ctr" bIns="91425" lIns="91425" spcFirstLastPara="1" rIns="91425" wrap="square" tIns="91425">
+            <a:bodyPr spcFirstLastPara="1" wrap="square" lIns="91425" tIns="91425" rIns="91425" bIns="91425" anchor="ctr" anchorCtr="0">
               <a:noAutofit/>
             </a:bodyPr>
             <a:lstStyle/>
             <a:p>
-              <a:pPr indent="0" lvl="0" marL="0" rtl="0" algn="l">
+              <a:pPr marL="0" lvl="0" indent="0" algn="l" rtl="0">
                 <a:spcBef>
                   <a:spcPts val="0"/>
                 </a:spcBef>
@@ -4264,9 +4305,6 @@
                 </a:spcAft>
                 <a:buNone/>
               </a:pPr>
-              <a:r>
-                <a:t/>
-              </a:r>
               <a:endParaRPr/>
             </a:p>
           </p:txBody>
@@ -4284,7 +4322,7 @@
             </a:xfrm>
             <a:prstGeom prst="diagStripe">
               <a:avLst>
-                <a:gd fmla="val 50000" name="adj"/>
+                <a:gd name="adj" fmla="val 50000"/>
               </a:avLst>
             </a:prstGeom>
             <a:solidFill>
@@ -4295,12 +4333,12 @@
             </a:ln>
           </p:spPr>
           <p:txBody>
-            <a:bodyPr anchorCtr="0" anchor="ctr" bIns="91425" lIns="91425" spcFirstLastPara="1" rIns="91425" wrap="square" tIns="91425">
+            <a:bodyPr spcFirstLastPara="1" wrap="square" lIns="91425" tIns="91425" rIns="91425" bIns="91425" anchor="ctr" anchorCtr="0">
               <a:noAutofit/>
             </a:bodyPr>
             <a:lstStyle/>
             <a:p>
-              <a:pPr indent="0" lvl="0" marL="0" rtl="0" algn="l">
+              <a:pPr marL="0" lvl="0" indent="0" algn="l" rtl="0">
                 <a:spcBef>
                   <a:spcPts val="0"/>
                 </a:spcBef>
@@ -4309,9 +4347,6 @@
                 </a:spcAft>
                 <a:buNone/>
               </a:pPr>
-              <a:r>
-                <a:t/>
-              </a:r>
               <a:endParaRPr/>
             </a:p>
           </p:txBody>
@@ -4329,7 +4364,7 @@
             </a:xfrm>
             <a:prstGeom prst="diagStripe">
               <a:avLst>
-                <a:gd fmla="val 50000" name="adj"/>
+                <a:gd name="adj" fmla="val 50000"/>
               </a:avLst>
             </a:prstGeom>
             <a:solidFill>
@@ -4342,12 +4377,12 @@
             </a:ln>
           </p:spPr>
           <p:txBody>
-            <a:bodyPr anchorCtr="0" anchor="ctr" bIns="91425" lIns="91425" spcFirstLastPara="1" rIns="91425" wrap="square" tIns="91425">
+            <a:bodyPr spcFirstLastPara="1" wrap="square" lIns="91425" tIns="91425" rIns="91425" bIns="91425" anchor="ctr" anchorCtr="0">
               <a:noAutofit/>
             </a:bodyPr>
             <a:lstStyle/>
             <a:p>
-              <a:pPr indent="0" lvl="0" marL="0" rtl="0" algn="l">
+              <a:pPr marL="0" lvl="0" indent="0" algn="l" rtl="0">
                 <a:spcBef>
                   <a:spcPts val="0"/>
                 </a:spcBef>
@@ -4356,9 +4391,6 @@
                 </a:spcAft>
                 <a:buNone/>
               </a:pPr>
-              <a:r>
-                <a:t/>
-              </a:r>
               <a:endParaRPr/>
             </a:p>
           </p:txBody>
@@ -4376,7 +4408,7 @@
             </a:xfrm>
             <a:prstGeom prst="diagStripe">
               <a:avLst>
-                <a:gd fmla="val 50000" name="adj"/>
+                <a:gd name="adj" fmla="val 50000"/>
               </a:avLst>
             </a:prstGeom>
             <a:solidFill>
@@ -4389,12 +4421,12 @@
             </a:ln>
           </p:spPr>
           <p:txBody>
-            <a:bodyPr anchorCtr="0" anchor="ctr" bIns="91425" lIns="91425" spcFirstLastPara="1" rIns="91425" wrap="square" tIns="91425">
+            <a:bodyPr spcFirstLastPara="1" wrap="square" lIns="91425" tIns="91425" rIns="91425" bIns="91425" anchor="ctr" anchorCtr="0">
               <a:noAutofit/>
             </a:bodyPr>
             <a:lstStyle/>
             <a:p>
-              <a:pPr indent="0" lvl="0" marL="0" rtl="0" algn="l">
+              <a:pPr marL="0" lvl="0" indent="0" algn="l" rtl="0">
                 <a:spcBef>
                   <a:spcPts val="0"/>
                 </a:spcBef>
@@ -4403,9 +4435,6 @@
                 </a:spcAft>
                 <a:buNone/>
               </a:pPr>
-              <a:r>
-                <a:t/>
-              </a:r>
               <a:endParaRPr/>
             </a:p>
           </p:txBody>
@@ -4423,7 +4452,7 @@
             </a:xfrm>
             <a:prstGeom prst="diagStripe">
               <a:avLst>
-                <a:gd fmla="val 50000" name="adj"/>
+                <a:gd name="adj" fmla="val 50000"/>
               </a:avLst>
             </a:prstGeom>
             <a:solidFill>
@@ -4436,12 +4465,12 @@
             </a:ln>
           </p:spPr>
           <p:txBody>
-            <a:bodyPr anchorCtr="0" anchor="ctr" bIns="91425" lIns="91425" spcFirstLastPara="1" rIns="91425" wrap="square" tIns="91425">
+            <a:bodyPr spcFirstLastPara="1" wrap="square" lIns="91425" tIns="91425" rIns="91425" bIns="91425" anchor="ctr" anchorCtr="0">
               <a:noAutofit/>
             </a:bodyPr>
             <a:lstStyle/>
             <a:p>
-              <a:pPr indent="0" lvl="0" marL="0" rtl="0" algn="l">
+              <a:pPr marL="0" lvl="0" indent="0" algn="l" rtl="0">
                 <a:spcBef>
                   <a:spcPts val="0"/>
                 </a:spcBef>
@@ -4450,9 +4479,6 @@
                 </a:spcAft>
                 <a:buNone/>
               </a:pPr>
-              <a:r>
-                <a:t/>
-              </a:r>
               <a:endParaRPr/>
             </a:p>
           </p:txBody>
@@ -4470,7 +4496,7 @@
             </a:xfrm>
             <a:prstGeom prst="diagStripe">
               <a:avLst>
-                <a:gd fmla="val 50000" name="adj"/>
+                <a:gd name="adj" fmla="val 50000"/>
               </a:avLst>
             </a:prstGeom>
             <a:solidFill>
@@ -4483,12 +4509,12 @@
             </a:ln>
           </p:spPr>
           <p:txBody>
-            <a:bodyPr anchorCtr="0" anchor="ctr" bIns="91425" lIns="91425" spcFirstLastPara="1" rIns="91425" wrap="square" tIns="91425">
+            <a:bodyPr spcFirstLastPara="1" wrap="square" lIns="91425" tIns="91425" rIns="91425" bIns="91425" anchor="ctr" anchorCtr="0">
               <a:noAutofit/>
             </a:bodyPr>
             <a:lstStyle/>
             <a:p>
-              <a:pPr indent="0" lvl="0" marL="0" rtl="0" algn="l">
+              <a:pPr marL="0" lvl="0" indent="0" algn="l" rtl="0">
                 <a:spcBef>
                   <a:spcPts val="0"/>
                 </a:spcBef>
@@ -4497,9 +4523,6 @@
                 </a:spcAft>
                 <a:buNone/>
               </a:pPr>
-              <a:r>
-                <a:t/>
-              </a:r>
               <a:endParaRPr/>
             </a:p>
           </p:txBody>
@@ -4508,7 +4531,9 @@
       <p:sp>
         <p:nvSpPr>
           <p:cNvPr id="39" name="Google Shape;39;p3"/>
-          <p:cNvSpPr txBox="1"/>
+          <p:cNvSpPr txBox="1">
+            <a:spLocks noGrp="1"/>
+          </p:cNvSpPr>
           <p:nvPr>
             <p:ph type="title"/>
           </p:nvPr>
@@ -4523,7 +4548,7 @@
           </a:prstGeom>
         </p:spPr>
         <p:txBody>
-          <a:bodyPr anchorCtr="0" anchor="ctr" bIns="91425" lIns="91425" spcFirstLastPara="1" rIns="91425" wrap="square" tIns="91425"/>
+          <a:bodyPr spcFirstLastPara="1" wrap="square" lIns="91425" tIns="91425" rIns="91425" bIns="91425" anchor="ctr" anchorCtr="0"/>
           <a:lstStyle>
             <a:lvl1pPr lvl="0">
               <a:spcBef>
@@ -4625,15 +4650,19 @@
               <a:defRPr/>
             </a:lvl9pPr>
           </a:lstStyle>
-          <a:p/>
+          <a:p>
+            <a:endParaRPr/>
+          </a:p>
         </p:txBody>
       </p:sp>
       <p:sp>
         <p:nvSpPr>
           <p:cNvPr id="40" name="Google Shape;40;p3"/>
-          <p:cNvSpPr txBox="1"/>
+          <p:cNvSpPr txBox="1">
+            <a:spLocks noGrp="1"/>
+          </p:cNvSpPr>
           <p:nvPr>
-            <p:ph idx="12" type="sldNum"/>
+            <p:ph type="sldNum" idx="12"/>
           </p:nvPr>
         </p:nvSpPr>
         <p:spPr>
@@ -4646,7 +4675,7 @@
           </a:prstGeom>
         </p:spPr>
         <p:txBody>
-          <a:bodyPr anchorCtr="0" anchor="ctr" bIns="91425" lIns="91425" spcFirstLastPara="1" rIns="91425" wrap="square" tIns="91425">
+          <a:bodyPr spcFirstLastPara="1" wrap="square" lIns="91425" tIns="91425" rIns="91425" bIns="91425" anchor="ctr" anchorCtr="0">
             <a:noAutofit/>
           </a:bodyPr>
           <a:lstStyle>
@@ -4688,7 +4717,7 @@
             </a:lvl9pPr>
           </a:lstStyle>
           <a:p>
-            <a:pPr indent="0" lvl="0" marL="0" rtl="0" algn="r">
+            <a:pPr marL="0" lvl="0" indent="0" algn="r" rtl="0">
               <a:spcBef>
                 <a:spcPts val="0"/>
               </a:spcBef>
@@ -4714,11 +4743,11 @@
 </file>
 
 <file path=ppt/slideLayouts/slideLayout3.xml><?xml version="1.0" encoding="utf-8"?>
-<p:sldLayout xmlns:a="http://schemas.openxmlformats.org/drawingml/2006/main" xmlns:r="http://schemas.openxmlformats.org/officeDocument/2006/relationships" xmlns:mc="http://schemas.openxmlformats.org/markup-compatibility/2006" xmlns:mv="urn:schemas-microsoft-com:mac:vml" xmlns:p="http://schemas.openxmlformats.org/presentationml/2006/main" xmlns:c="http://schemas.openxmlformats.org/drawingml/2006/chart" xmlns:dgm="http://schemas.openxmlformats.org/drawingml/2006/diagram" xmlns:o="urn:schemas-microsoft-com:office:office" xmlns:v="urn:schemas-microsoft-com:vml" xmlns:pvml="urn:schemas-microsoft-com:office:powerpoint" xmlns:com="http://schemas.openxmlformats.org/drawingml/2006/compatibility" xmlns:p14="http://schemas.microsoft.com/office/powerpoint/2010/main" xmlns:p15="http://schemas.microsoft.com/office/powerpoint/2012/main" matchingName="Title and body" type="tx">
+<p:sldLayout xmlns:a="http://schemas.openxmlformats.org/drawingml/2006/main" xmlns:r="http://schemas.openxmlformats.org/officeDocument/2006/relationships" xmlns:p="http://schemas.openxmlformats.org/presentationml/2006/main" matchingName="Title and body" type="tx">
   <p:cSld name="TITLE_AND_BODY">
     <p:spTree>
       <p:nvGrpSpPr>
-        <p:cNvPr id="41" name="Shape 41"/>
+        <p:cNvPr id="1" name="Shape 41"/>
         <p:cNvGrpSpPr/>
         <p:nvPr/>
       </p:nvGrpSpPr>
@@ -4757,7 +4786,7 @@
             </a:xfrm>
             <a:prstGeom prst="diagStripe">
               <a:avLst>
-                <a:gd fmla="val 50000" name="adj"/>
+                <a:gd name="adj" fmla="val 50000"/>
               </a:avLst>
             </a:prstGeom>
             <a:solidFill>
@@ -4768,12 +4797,12 @@
             </a:ln>
           </p:spPr>
           <p:txBody>
-            <a:bodyPr anchorCtr="0" anchor="ctr" bIns="91425" lIns="91425" spcFirstLastPara="1" rIns="91425" wrap="square" tIns="91425">
+            <a:bodyPr spcFirstLastPara="1" wrap="square" lIns="91425" tIns="91425" rIns="91425" bIns="91425" anchor="ctr" anchorCtr="0">
               <a:noAutofit/>
             </a:bodyPr>
             <a:lstStyle/>
             <a:p>
-              <a:pPr indent="0" lvl="0" marL="0" rtl="0" algn="l">
+              <a:pPr marL="0" lvl="0" indent="0" algn="l" rtl="0">
                 <a:spcBef>
                   <a:spcPts val="0"/>
                 </a:spcBef>
@@ -4782,9 +4811,6 @@
                 </a:spcAft>
                 <a:buNone/>
               </a:pPr>
-              <a:r>
-                <a:t/>
-              </a:r>
               <a:endParaRPr/>
             </a:p>
           </p:txBody>
@@ -4802,7 +4828,7 @@
             </a:xfrm>
             <a:prstGeom prst="diagStripe">
               <a:avLst>
-                <a:gd fmla="val 50000" name="adj"/>
+                <a:gd name="adj" fmla="val 50000"/>
               </a:avLst>
             </a:prstGeom>
             <a:solidFill>
@@ -4813,12 +4839,12 @@
             </a:ln>
           </p:spPr>
           <p:txBody>
-            <a:bodyPr anchorCtr="0" anchor="ctr" bIns="91425" lIns="91425" spcFirstLastPara="1" rIns="91425" wrap="square" tIns="91425">
+            <a:bodyPr spcFirstLastPara="1" wrap="square" lIns="91425" tIns="91425" rIns="91425" bIns="91425" anchor="ctr" anchorCtr="0">
               <a:noAutofit/>
             </a:bodyPr>
             <a:lstStyle/>
             <a:p>
-              <a:pPr indent="0" lvl="0" marL="0" rtl="0" algn="l">
+              <a:pPr marL="0" lvl="0" indent="0" algn="l" rtl="0">
                 <a:spcBef>
                   <a:spcPts val="0"/>
                 </a:spcBef>
@@ -4827,9 +4853,6 @@
                 </a:spcAft>
                 <a:buNone/>
               </a:pPr>
-              <a:r>
-                <a:t/>
-              </a:r>
               <a:endParaRPr/>
             </a:p>
           </p:txBody>
@@ -4838,7 +4861,9 @@
       <p:sp>
         <p:nvSpPr>
           <p:cNvPr id="45" name="Google Shape;45;p4"/>
-          <p:cNvSpPr txBox="1"/>
+          <p:cNvSpPr txBox="1">
+            <a:spLocks noGrp="1"/>
+          </p:cNvSpPr>
           <p:nvPr>
             <p:ph type="title"/>
           </p:nvPr>
@@ -4853,7 +4878,7 @@
           </a:prstGeom>
         </p:spPr>
         <p:txBody>
-          <a:bodyPr anchorCtr="0" anchor="t" bIns="91425" lIns="91425" spcFirstLastPara="1" rIns="91425" wrap="square" tIns="91425"/>
+          <a:bodyPr spcFirstLastPara="1" wrap="square" lIns="91425" tIns="91425" rIns="91425" bIns="91425" anchor="t" anchorCtr="0"/>
           <a:lstStyle>
             <a:lvl1pPr lvl="0">
               <a:spcBef>
@@ -4955,15 +4980,19 @@
               <a:defRPr sz="2400"/>
             </a:lvl9pPr>
           </a:lstStyle>
-          <a:p/>
+          <a:p>
+            <a:endParaRPr/>
+          </a:p>
         </p:txBody>
       </p:sp>
       <p:sp>
         <p:nvSpPr>
           <p:cNvPr id="46" name="Google Shape;46;p4"/>
-          <p:cNvSpPr txBox="1"/>
+          <p:cNvSpPr txBox="1">
+            <a:spLocks noGrp="1"/>
+          </p:cNvSpPr>
           <p:nvPr>
-            <p:ph idx="1" type="body"/>
+            <p:ph type="body" idx="1"/>
           </p:nvPr>
         </p:nvSpPr>
         <p:spPr>
@@ -4976,9 +5005,9 @@
           </a:prstGeom>
         </p:spPr>
         <p:txBody>
-          <a:bodyPr anchorCtr="0" anchor="t" bIns="91425" lIns="91425" spcFirstLastPara="1" rIns="91425" wrap="square" tIns="91425"/>
+          <a:bodyPr spcFirstLastPara="1" wrap="square" lIns="91425" tIns="91425" rIns="91425" bIns="91425" anchor="t" anchorCtr="0"/>
           <a:lstStyle>
-            <a:lvl1pPr indent="-311150" lvl="0" marL="457200">
+            <a:lvl1pPr marL="457200" lvl="0" indent="-311150">
               <a:spcBef>
                 <a:spcPts val="0"/>
               </a:spcBef>
@@ -4989,7 +5018,7 @@
               <a:buChar char="●"/>
               <a:defRPr/>
             </a:lvl1pPr>
-            <a:lvl2pPr indent="-298450" lvl="1" marL="914400">
+            <a:lvl2pPr marL="914400" lvl="1" indent="-298450">
               <a:spcBef>
                 <a:spcPts val="1600"/>
               </a:spcBef>
@@ -5000,7 +5029,7 @@
               <a:buChar char="○"/>
               <a:defRPr/>
             </a:lvl2pPr>
-            <a:lvl3pPr indent="-298450" lvl="2" marL="1371600">
+            <a:lvl3pPr marL="1371600" lvl="2" indent="-298450">
               <a:spcBef>
                 <a:spcPts val="1600"/>
               </a:spcBef>
@@ -5011,7 +5040,7 @@
               <a:buChar char="■"/>
               <a:defRPr/>
             </a:lvl3pPr>
-            <a:lvl4pPr indent="-298450" lvl="3" marL="1828800">
+            <a:lvl4pPr marL="1828800" lvl="3" indent="-298450">
               <a:spcBef>
                 <a:spcPts val="1600"/>
               </a:spcBef>
@@ -5022,7 +5051,7 @@
               <a:buChar char="●"/>
               <a:defRPr/>
             </a:lvl4pPr>
-            <a:lvl5pPr indent="-298450" lvl="4" marL="2286000">
+            <a:lvl5pPr marL="2286000" lvl="4" indent="-298450">
               <a:spcBef>
                 <a:spcPts val="1600"/>
               </a:spcBef>
@@ -5033,7 +5062,7 @@
               <a:buChar char="○"/>
               <a:defRPr/>
             </a:lvl5pPr>
-            <a:lvl6pPr indent="-298450" lvl="5" marL="2743200">
+            <a:lvl6pPr marL="2743200" lvl="5" indent="-298450">
               <a:spcBef>
                 <a:spcPts val="1600"/>
               </a:spcBef>
@@ -5044,7 +5073,7 @@
               <a:buChar char="■"/>
               <a:defRPr/>
             </a:lvl6pPr>
-            <a:lvl7pPr indent="-298450" lvl="6" marL="3200400">
+            <a:lvl7pPr marL="3200400" lvl="6" indent="-298450">
               <a:spcBef>
                 <a:spcPts val="1600"/>
               </a:spcBef>
@@ -5055,7 +5084,7 @@
               <a:buChar char="●"/>
               <a:defRPr/>
             </a:lvl7pPr>
-            <a:lvl8pPr indent="-298450" lvl="7" marL="3657600">
+            <a:lvl8pPr marL="3657600" lvl="7" indent="-298450">
               <a:spcBef>
                 <a:spcPts val="1600"/>
               </a:spcBef>
@@ -5066,7 +5095,7 @@
               <a:buChar char="○"/>
               <a:defRPr/>
             </a:lvl8pPr>
-            <a:lvl9pPr indent="-298450" lvl="8" marL="4114800">
+            <a:lvl9pPr marL="4114800" lvl="8" indent="-298450">
               <a:spcBef>
                 <a:spcPts val="1600"/>
               </a:spcBef>
@@ -5078,15 +5107,19 @@
               <a:defRPr/>
             </a:lvl9pPr>
           </a:lstStyle>
-          <a:p/>
+          <a:p>
+            <a:endParaRPr/>
+          </a:p>
         </p:txBody>
       </p:sp>
       <p:sp>
         <p:nvSpPr>
           <p:cNvPr id="47" name="Google Shape;47;p4"/>
-          <p:cNvSpPr txBox="1"/>
+          <p:cNvSpPr txBox="1">
+            <a:spLocks noGrp="1"/>
+          </p:cNvSpPr>
           <p:nvPr>
-            <p:ph idx="12" type="sldNum"/>
+            <p:ph type="sldNum" idx="12"/>
           </p:nvPr>
         </p:nvSpPr>
         <p:spPr>
@@ -5099,7 +5132,7 @@
           </a:prstGeom>
         </p:spPr>
         <p:txBody>
-          <a:bodyPr anchorCtr="0" anchor="ctr" bIns="91425" lIns="91425" spcFirstLastPara="1" rIns="91425" wrap="square" tIns="91425">
+          <a:bodyPr spcFirstLastPara="1" wrap="square" lIns="91425" tIns="91425" rIns="91425" bIns="91425" anchor="ctr" anchorCtr="0">
             <a:noAutofit/>
           </a:bodyPr>
           <a:lstStyle>
@@ -5141,7 +5174,7 @@
             </a:lvl9pPr>
           </a:lstStyle>
           <a:p>
-            <a:pPr indent="0" lvl="0" marL="0" rtl="0" algn="r">
+            <a:pPr marL="0" lvl="0" indent="0" algn="r" rtl="0">
               <a:spcBef>
                 <a:spcPts val="0"/>
               </a:spcBef>
@@ -5167,11 +5200,11 @@
 </file>
 
 <file path=ppt/slideLayouts/slideLayout4.xml><?xml version="1.0" encoding="utf-8"?>
-<p:sldLayout xmlns:a="http://schemas.openxmlformats.org/drawingml/2006/main" xmlns:r="http://schemas.openxmlformats.org/officeDocument/2006/relationships" xmlns:mc="http://schemas.openxmlformats.org/markup-compatibility/2006" xmlns:mv="urn:schemas-microsoft-com:mac:vml" xmlns:p="http://schemas.openxmlformats.org/presentationml/2006/main" xmlns:c="http://schemas.openxmlformats.org/drawingml/2006/chart" xmlns:dgm="http://schemas.openxmlformats.org/drawingml/2006/diagram" xmlns:o="urn:schemas-microsoft-com:office:office" xmlns:v="urn:schemas-microsoft-com:vml" xmlns:pvml="urn:schemas-microsoft-com:office:powerpoint" xmlns:com="http://schemas.openxmlformats.org/drawingml/2006/compatibility" xmlns:p14="http://schemas.microsoft.com/office/powerpoint/2010/main" xmlns:p15="http://schemas.microsoft.com/office/powerpoint/2012/main" matchingName="Title and two columns" type="twoColTx">
+<p:sldLayout xmlns:a="http://schemas.openxmlformats.org/drawingml/2006/main" xmlns:r="http://schemas.openxmlformats.org/officeDocument/2006/relationships" xmlns:p="http://schemas.openxmlformats.org/presentationml/2006/main" matchingName="Title and two columns" type="twoColTx">
   <p:cSld name="TITLE_AND_TWO_COLUMNS">
     <p:spTree>
       <p:nvGrpSpPr>
-        <p:cNvPr id="48" name="Shape 48"/>
+        <p:cNvPr id="1" name="Shape 48"/>
         <p:cNvGrpSpPr/>
         <p:nvPr/>
       </p:nvGrpSpPr>
@@ -5210,7 +5243,7 @@
             </a:xfrm>
             <a:prstGeom prst="diagStripe">
               <a:avLst>
-                <a:gd fmla="val 50000" name="adj"/>
+                <a:gd name="adj" fmla="val 50000"/>
               </a:avLst>
             </a:prstGeom>
             <a:solidFill>
@@ -5221,12 +5254,12 @@
             </a:ln>
           </p:spPr>
           <p:txBody>
-            <a:bodyPr anchorCtr="0" anchor="ctr" bIns="91425" lIns="91425" spcFirstLastPara="1" rIns="91425" wrap="square" tIns="91425">
+            <a:bodyPr spcFirstLastPara="1" wrap="square" lIns="91425" tIns="91425" rIns="91425" bIns="91425" anchor="ctr" anchorCtr="0">
               <a:noAutofit/>
             </a:bodyPr>
             <a:lstStyle/>
             <a:p>
-              <a:pPr indent="0" lvl="0" marL="0" rtl="0" algn="l">
+              <a:pPr marL="0" lvl="0" indent="0" algn="l" rtl="0">
                 <a:spcBef>
                   <a:spcPts val="0"/>
                 </a:spcBef>
@@ -5235,9 +5268,6 @@
                 </a:spcAft>
                 <a:buNone/>
               </a:pPr>
-              <a:r>
-                <a:t/>
-              </a:r>
               <a:endParaRPr/>
             </a:p>
           </p:txBody>
@@ -5255,7 +5285,7 @@
             </a:xfrm>
             <a:prstGeom prst="diagStripe">
               <a:avLst>
-                <a:gd fmla="val 50000" name="adj"/>
+                <a:gd name="adj" fmla="val 50000"/>
               </a:avLst>
             </a:prstGeom>
             <a:solidFill>
@@ -5266,12 +5296,12 @@
             </a:ln>
           </p:spPr>
           <p:txBody>
-            <a:bodyPr anchorCtr="0" anchor="ctr" bIns="91425" lIns="91425" spcFirstLastPara="1" rIns="91425" wrap="square" tIns="91425">
+            <a:bodyPr spcFirstLastPara="1" wrap="square" lIns="91425" tIns="91425" rIns="91425" bIns="91425" anchor="ctr" anchorCtr="0">
               <a:noAutofit/>
             </a:bodyPr>
             <a:lstStyle/>
             <a:p>
-              <a:pPr indent="0" lvl="0" marL="0" rtl="0" algn="l">
+              <a:pPr marL="0" lvl="0" indent="0" algn="l" rtl="0">
                 <a:spcBef>
                   <a:spcPts val="0"/>
                 </a:spcBef>
@@ -5280,9 +5310,6 @@
                 </a:spcAft>
                 <a:buNone/>
               </a:pPr>
-              <a:r>
-                <a:t/>
-              </a:r>
               <a:endParaRPr/>
             </a:p>
           </p:txBody>
@@ -5291,7 +5318,9 @@
       <p:sp>
         <p:nvSpPr>
           <p:cNvPr id="52" name="Google Shape;52;p5"/>
-          <p:cNvSpPr txBox="1"/>
+          <p:cNvSpPr txBox="1">
+            <a:spLocks noGrp="1"/>
+          </p:cNvSpPr>
           <p:nvPr>
             <p:ph type="title"/>
           </p:nvPr>
@@ -5306,7 +5335,7 @@
           </a:prstGeom>
         </p:spPr>
         <p:txBody>
-          <a:bodyPr anchorCtr="0" anchor="t" bIns="91425" lIns="91425" spcFirstLastPara="1" rIns="91425" wrap="square" tIns="91425"/>
+          <a:bodyPr spcFirstLastPara="1" wrap="square" lIns="91425" tIns="91425" rIns="91425" bIns="91425" anchor="t" anchorCtr="0"/>
           <a:lstStyle>
             <a:lvl1pPr lvl="0">
               <a:spcBef>
@@ -5408,15 +5437,19 @@
               <a:defRPr sz="2400"/>
             </a:lvl9pPr>
           </a:lstStyle>
-          <a:p/>
+          <a:p>
+            <a:endParaRPr/>
+          </a:p>
         </p:txBody>
       </p:sp>
       <p:sp>
         <p:nvSpPr>
           <p:cNvPr id="53" name="Google Shape;53;p5"/>
-          <p:cNvSpPr txBox="1"/>
+          <p:cNvSpPr txBox="1">
+            <a:spLocks noGrp="1"/>
+          </p:cNvSpPr>
           <p:nvPr>
-            <p:ph idx="1" type="body"/>
+            <p:ph type="body" idx="1"/>
           </p:nvPr>
         </p:nvSpPr>
         <p:spPr>
@@ -5429,9 +5462,9 @@
           </a:prstGeom>
         </p:spPr>
         <p:txBody>
-          <a:bodyPr anchorCtr="0" anchor="t" bIns="91425" lIns="91425" spcFirstLastPara="1" rIns="91425" wrap="square" tIns="91425"/>
+          <a:bodyPr spcFirstLastPara="1" wrap="square" lIns="91425" tIns="91425" rIns="91425" bIns="91425" anchor="t" anchorCtr="0"/>
           <a:lstStyle>
-            <a:lvl1pPr indent="-311150" lvl="0" marL="457200">
+            <a:lvl1pPr marL="457200" lvl="0" indent="-311150">
               <a:spcBef>
                 <a:spcPts val="0"/>
               </a:spcBef>
@@ -5442,7 +5475,7 @@
               <a:buChar char="●"/>
               <a:defRPr/>
             </a:lvl1pPr>
-            <a:lvl2pPr indent="-298450" lvl="1" marL="914400">
+            <a:lvl2pPr marL="914400" lvl="1" indent="-298450">
               <a:spcBef>
                 <a:spcPts val="1600"/>
               </a:spcBef>
@@ -5453,7 +5486,7 @@
               <a:buChar char="○"/>
               <a:defRPr/>
             </a:lvl2pPr>
-            <a:lvl3pPr indent="-298450" lvl="2" marL="1371600">
+            <a:lvl3pPr marL="1371600" lvl="2" indent="-298450">
               <a:spcBef>
                 <a:spcPts val="1600"/>
               </a:spcBef>
@@ -5464,7 +5497,7 @@
               <a:buChar char="■"/>
               <a:defRPr/>
             </a:lvl3pPr>
-            <a:lvl4pPr indent="-298450" lvl="3" marL="1828800">
+            <a:lvl4pPr marL="1828800" lvl="3" indent="-298450">
               <a:spcBef>
                 <a:spcPts val="1600"/>
               </a:spcBef>
@@ -5475,7 +5508,7 @@
               <a:buChar char="●"/>
               <a:defRPr/>
             </a:lvl4pPr>
-            <a:lvl5pPr indent="-298450" lvl="4" marL="2286000">
+            <a:lvl5pPr marL="2286000" lvl="4" indent="-298450">
               <a:spcBef>
                 <a:spcPts val="1600"/>
               </a:spcBef>
@@ -5486,7 +5519,7 @@
               <a:buChar char="○"/>
               <a:defRPr/>
             </a:lvl5pPr>
-            <a:lvl6pPr indent="-298450" lvl="5" marL="2743200">
+            <a:lvl6pPr marL="2743200" lvl="5" indent="-298450">
               <a:spcBef>
                 <a:spcPts val="1600"/>
               </a:spcBef>
@@ -5497,7 +5530,7 @@
               <a:buChar char="■"/>
               <a:defRPr/>
             </a:lvl6pPr>
-            <a:lvl7pPr indent="-298450" lvl="6" marL="3200400">
+            <a:lvl7pPr marL="3200400" lvl="6" indent="-298450">
               <a:spcBef>
                 <a:spcPts val="1600"/>
               </a:spcBef>
@@ -5508,7 +5541,7 @@
               <a:buChar char="●"/>
               <a:defRPr/>
             </a:lvl7pPr>
-            <a:lvl8pPr indent="-298450" lvl="7" marL="3657600">
+            <a:lvl8pPr marL="3657600" lvl="7" indent="-298450">
               <a:spcBef>
                 <a:spcPts val="1600"/>
               </a:spcBef>
@@ -5519,7 +5552,7 @@
               <a:buChar char="○"/>
               <a:defRPr/>
             </a:lvl8pPr>
-            <a:lvl9pPr indent="-298450" lvl="8" marL="4114800">
+            <a:lvl9pPr marL="4114800" lvl="8" indent="-298450">
               <a:spcBef>
                 <a:spcPts val="1600"/>
               </a:spcBef>
@@ -5531,15 +5564,19 @@
               <a:defRPr/>
             </a:lvl9pPr>
           </a:lstStyle>
-          <a:p/>
+          <a:p>
+            <a:endParaRPr/>
+          </a:p>
         </p:txBody>
       </p:sp>
       <p:sp>
         <p:nvSpPr>
           <p:cNvPr id="54" name="Google Shape;54;p5"/>
-          <p:cNvSpPr txBox="1"/>
+          <p:cNvSpPr txBox="1">
+            <a:spLocks noGrp="1"/>
+          </p:cNvSpPr>
           <p:nvPr>
-            <p:ph idx="2" type="body"/>
+            <p:ph type="body" idx="2"/>
           </p:nvPr>
         </p:nvSpPr>
         <p:spPr>
@@ -5552,9 +5589,9 @@
           </a:prstGeom>
         </p:spPr>
         <p:txBody>
-          <a:bodyPr anchorCtr="0" anchor="t" bIns="91425" lIns="91425" spcFirstLastPara="1" rIns="91425" wrap="square" tIns="91425"/>
+          <a:bodyPr spcFirstLastPara="1" wrap="square" lIns="91425" tIns="91425" rIns="91425" bIns="91425" anchor="t" anchorCtr="0"/>
           <a:lstStyle>
-            <a:lvl1pPr indent="-311150" lvl="0" marL="457200">
+            <a:lvl1pPr marL="457200" lvl="0" indent="-311150">
               <a:spcBef>
                 <a:spcPts val="0"/>
               </a:spcBef>
@@ -5565,7 +5602,7 @@
               <a:buChar char="●"/>
               <a:defRPr/>
             </a:lvl1pPr>
-            <a:lvl2pPr indent="-298450" lvl="1" marL="914400">
+            <a:lvl2pPr marL="914400" lvl="1" indent="-298450">
               <a:spcBef>
                 <a:spcPts val="1600"/>
               </a:spcBef>
@@ -5576,7 +5613,7 @@
               <a:buChar char="○"/>
               <a:defRPr/>
             </a:lvl2pPr>
-            <a:lvl3pPr indent="-298450" lvl="2" marL="1371600">
+            <a:lvl3pPr marL="1371600" lvl="2" indent="-298450">
               <a:spcBef>
                 <a:spcPts val="1600"/>
               </a:spcBef>
@@ -5587,7 +5624,7 @@
               <a:buChar char="■"/>
               <a:defRPr/>
             </a:lvl3pPr>
-            <a:lvl4pPr indent="-298450" lvl="3" marL="1828800">
+            <a:lvl4pPr marL="1828800" lvl="3" indent="-298450">
               <a:spcBef>
                 <a:spcPts val="1600"/>
               </a:spcBef>
@@ -5598,7 +5635,7 @@
               <a:buChar char="●"/>
               <a:defRPr/>
             </a:lvl4pPr>
-            <a:lvl5pPr indent="-298450" lvl="4" marL="2286000">
+            <a:lvl5pPr marL="2286000" lvl="4" indent="-298450">
               <a:spcBef>
                 <a:spcPts val="1600"/>
               </a:spcBef>
@@ -5609,7 +5646,7 @@
               <a:buChar char="○"/>
               <a:defRPr/>
             </a:lvl5pPr>
-            <a:lvl6pPr indent="-298450" lvl="5" marL="2743200">
+            <a:lvl6pPr marL="2743200" lvl="5" indent="-298450">
               <a:spcBef>
                 <a:spcPts val="1600"/>
               </a:spcBef>
@@ -5620,7 +5657,7 @@
               <a:buChar char="■"/>
               <a:defRPr/>
             </a:lvl6pPr>
-            <a:lvl7pPr indent="-298450" lvl="6" marL="3200400">
+            <a:lvl7pPr marL="3200400" lvl="6" indent="-298450">
               <a:spcBef>
                 <a:spcPts val="1600"/>
               </a:spcBef>
@@ -5631,7 +5668,7 @@
               <a:buChar char="●"/>
               <a:defRPr/>
             </a:lvl7pPr>
-            <a:lvl8pPr indent="-298450" lvl="7" marL="3657600">
+            <a:lvl8pPr marL="3657600" lvl="7" indent="-298450">
               <a:spcBef>
                 <a:spcPts val="1600"/>
               </a:spcBef>
@@ -5642,7 +5679,7 @@
               <a:buChar char="○"/>
               <a:defRPr/>
             </a:lvl8pPr>
-            <a:lvl9pPr indent="-298450" lvl="8" marL="4114800">
+            <a:lvl9pPr marL="4114800" lvl="8" indent="-298450">
               <a:spcBef>
                 <a:spcPts val="1600"/>
               </a:spcBef>
@@ -5654,15 +5691,19 @@
               <a:defRPr/>
             </a:lvl9pPr>
           </a:lstStyle>
-          <a:p/>
+          <a:p>
+            <a:endParaRPr/>
+          </a:p>
         </p:txBody>
       </p:sp>
       <p:sp>
         <p:nvSpPr>
           <p:cNvPr id="55" name="Google Shape;55;p5"/>
-          <p:cNvSpPr txBox="1"/>
+          <p:cNvSpPr txBox="1">
+            <a:spLocks noGrp="1"/>
+          </p:cNvSpPr>
           <p:nvPr>
-            <p:ph idx="12" type="sldNum"/>
+            <p:ph type="sldNum" idx="12"/>
           </p:nvPr>
         </p:nvSpPr>
         <p:spPr>
@@ -5675,7 +5716,7 @@
           </a:prstGeom>
         </p:spPr>
         <p:txBody>
-          <a:bodyPr anchorCtr="0" anchor="ctr" bIns="91425" lIns="91425" spcFirstLastPara="1" rIns="91425" wrap="square" tIns="91425">
+          <a:bodyPr spcFirstLastPara="1" wrap="square" lIns="91425" tIns="91425" rIns="91425" bIns="91425" anchor="ctr" anchorCtr="0">
             <a:noAutofit/>
           </a:bodyPr>
           <a:lstStyle>
@@ -5717,7 +5758,7 @@
             </a:lvl9pPr>
           </a:lstStyle>
           <a:p>
-            <a:pPr indent="0" lvl="0" marL="0" rtl="0" algn="r">
+            <a:pPr marL="0" lvl="0" indent="0" algn="r" rtl="0">
               <a:spcBef>
                 <a:spcPts val="0"/>
               </a:spcBef>
@@ -5743,11 +5784,11 @@
 </file>
 
 <file path=ppt/slideLayouts/slideLayout5.xml><?xml version="1.0" encoding="utf-8"?>
-<p:sldLayout xmlns:a="http://schemas.openxmlformats.org/drawingml/2006/main" xmlns:r="http://schemas.openxmlformats.org/officeDocument/2006/relationships" xmlns:mc="http://schemas.openxmlformats.org/markup-compatibility/2006" xmlns:mv="urn:schemas-microsoft-com:mac:vml" xmlns:p="http://schemas.openxmlformats.org/presentationml/2006/main" xmlns:c="http://schemas.openxmlformats.org/drawingml/2006/chart" xmlns:dgm="http://schemas.openxmlformats.org/drawingml/2006/diagram" xmlns:o="urn:schemas-microsoft-com:office:office" xmlns:v="urn:schemas-microsoft-com:vml" xmlns:pvml="urn:schemas-microsoft-com:office:powerpoint" xmlns:com="http://schemas.openxmlformats.org/drawingml/2006/compatibility" xmlns:p14="http://schemas.microsoft.com/office/powerpoint/2010/main" xmlns:p15="http://schemas.microsoft.com/office/powerpoint/2012/main" matchingName="Title only" type="titleOnly">
+<p:sldLayout xmlns:a="http://schemas.openxmlformats.org/drawingml/2006/main" xmlns:r="http://schemas.openxmlformats.org/officeDocument/2006/relationships" xmlns:p="http://schemas.openxmlformats.org/presentationml/2006/main" matchingName="Title only" type="titleOnly">
   <p:cSld name="TITLE_ONLY">
     <p:spTree>
       <p:nvGrpSpPr>
-        <p:cNvPr id="56" name="Shape 56"/>
+        <p:cNvPr id="1" name="Shape 56"/>
         <p:cNvGrpSpPr/>
         <p:nvPr/>
       </p:nvGrpSpPr>
@@ -5786,7 +5827,7 @@
             </a:xfrm>
             <a:prstGeom prst="diagStripe">
               <a:avLst>
-                <a:gd fmla="val 50000" name="adj"/>
+                <a:gd name="adj" fmla="val 50000"/>
               </a:avLst>
             </a:prstGeom>
             <a:solidFill>
@@ -5797,12 +5838,12 @@
             </a:ln>
           </p:spPr>
           <p:txBody>
-            <a:bodyPr anchorCtr="0" anchor="ctr" bIns="91425" lIns="91425" spcFirstLastPara="1" rIns="91425" wrap="square" tIns="91425">
+            <a:bodyPr spcFirstLastPara="1" wrap="square" lIns="91425" tIns="91425" rIns="91425" bIns="91425" anchor="ctr" anchorCtr="0">
               <a:noAutofit/>
             </a:bodyPr>
             <a:lstStyle/>
             <a:p>
-              <a:pPr indent="0" lvl="0" marL="0" rtl="0" algn="l">
+              <a:pPr marL="0" lvl="0" indent="0" algn="l" rtl="0">
                 <a:spcBef>
                   <a:spcPts val="0"/>
                 </a:spcBef>
@@ -5811,9 +5852,6 @@
                 </a:spcAft>
                 <a:buNone/>
               </a:pPr>
-              <a:r>
-                <a:t/>
-              </a:r>
               <a:endParaRPr/>
             </a:p>
           </p:txBody>
@@ -5831,7 +5869,7 @@
             </a:xfrm>
             <a:prstGeom prst="diagStripe">
               <a:avLst>
-                <a:gd fmla="val 50000" name="adj"/>
+                <a:gd name="adj" fmla="val 50000"/>
               </a:avLst>
             </a:prstGeom>
             <a:solidFill>
@@ -5842,12 +5880,12 @@
             </a:ln>
           </p:spPr>
           <p:txBody>
-            <a:bodyPr anchorCtr="0" anchor="ctr" bIns="91425" lIns="91425" spcFirstLastPara="1" rIns="91425" wrap="square" tIns="91425">
+            <a:bodyPr spcFirstLastPara="1" wrap="square" lIns="91425" tIns="91425" rIns="91425" bIns="91425" anchor="ctr" anchorCtr="0">
               <a:noAutofit/>
             </a:bodyPr>
             <a:lstStyle/>
             <a:p>
-              <a:pPr indent="0" lvl="0" marL="0" rtl="0" algn="l">
+              <a:pPr marL="0" lvl="0" indent="0" algn="l" rtl="0">
                 <a:spcBef>
                   <a:spcPts val="0"/>
                 </a:spcBef>
@@ -5856,9 +5894,6 @@
                 </a:spcAft>
                 <a:buNone/>
               </a:pPr>
-              <a:r>
-                <a:t/>
-              </a:r>
               <a:endParaRPr/>
             </a:p>
           </p:txBody>
@@ -5867,7 +5902,9 @@
       <p:sp>
         <p:nvSpPr>
           <p:cNvPr id="60" name="Google Shape;60;p6"/>
-          <p:cNvSpPr txBox="1"/>
+          <p:cNvSpPr txBox="1">
+            <a:spLocks noGrp="1"/>
+          </p:cNvSpPr>
           <p:nvPr>
             <p:ph type="title"/>
           </p:nvPr>
@@ -5882,7 +5919,7 @@
           </a:prstGeom>
         </p:spPr>
         <p:txBody>
-          <a:bodyPr anchorCtr="0" anchor="t" bIns="91425" lIns="91425" spcFirstLastPara="1" rIns="91425" wrap="square" tIns="91425"/>
+          <a:bodyPr spcFirstLastPara="1" wrap="square" lIns="91425" tIns="91425" rIns="91425" bIns="91425" anchor="t" anchorCtr="0"/>
           <a:lstStyle>
             <a:lvl1pPr lvl="0">
               <a:spcBef>
@@ -5984,15 +6021,19 @@
               <a:defRPr sz="2400"/>
             </a:lvl9pPr>
           </a:lstStyle>
-          <a:p/>
+          <a:p>
+            <a:endParaRPr/>
+          </a:p>
         </p:txBody>
       </p:sp>
       <p:sp>
         <p:nvSpPr>
           <p:cNvPr id="61" name="Google Shape;61;p6"/>
-          <p:cNvSpPr txBox="1"/>
+          <p:cNvSpPr txBox="1">
+            <a:spLocks noGrp="1"/>
+          </p:cNvSpPr>
           <p:nvPr>
-            <p:ph idx="12" type="sldNum"/>
+            <p:ph type="sldNum" idx="12"/>
           </p:nvPr>
         </p:nvSpPr>
         <p:spPr>
@@ -6005,7 +6046,7 @@
           </a:prstGeom>
         </p:spPr>
         <p:txBody>
-          <a:bodyPr anchorCtr="0" anchor="ctr" bIns="91425" lIns="91425" spcFirstLastPara="1" rIns="91425" wrap="square" tIns="91425">
+          <a:bodyPr spcFirstLastPara="1" wrap="square" lIns="91425" tIns="91425" rIns="91425" bIns="91425" anchor="ctr" anchorCtr="0">
             <a:noAutofit/>
           </a:bodyPr>
           <a:lstStyle>
@@ -6047,7 +6088,7 @@
             </a:lvl9pPr>
           </a:lstStyle>
           <a:p>
-            <a:pPr indent="0" lvl="0" marL="0" rtl="0" algn="r">
+            <a:pPr marL="0" lvl="0" indent="0" algn="r" rtl="0">
               <a:spcBef>
                 <a:spcPts val="0"/>
               </a:spcBef>
@@ -6073,11 +6114,11 @@
 </file>
 
 <file path=ppt/slideLayouts/slideLayout6.xml><?xml version="1.0" encoding="utf-8"?>
-<p:sldLayout xmlns:a="http://schemas.openxmlformats.org/drawingml/2006/main" xmlns:r="http://schemas.openxmlformats.org/officeDocument/2006/relationships" xmlns:mc="http://schemas.openxmlformats.org/markup-compatibility/2006" xmlns:mv="urn:schemas-microsoft-com:mac:vml" xmlns:p="http://schemas.openxmlformats.org/presentationml/2006/main" xmlns:c="http://schemas.openxmlformats.org/drawingml/2006/chart" xmlns:dgm="http://schemas.openxmlformats.org/drawingml/2006/diagram" xmlns:o="urn:schemas-microsoft-com:office:office" xmlns:v="urn:schemas-microsoft-com:vml" xmlns:pvml="urn:schemas-microsoft-com:office:powerpoint" xmlns:com="http://schemas.openxmlformats.org/drawingml/2006/compatibility" xmlns:p14="http://schemas.microsoft.com/office/powerpoint/2010/main" xmlns:p15="http://schemas.microsoft.com/office/powerpoint/2012/main" matchingName="One column text">
+<p:sldLayout xmlns:a="http://schemas.openxmlformats.org/drawingml/2006/main" xmlns:r="http://schemas.openxmlformats.org/officeDocument/2006/relationships" xmlns:p="http://schemas.openxmlformats.org/presentationml/2006/main" matchingName="One column text">
   <p:cSld name="ONE_COLUMN_TEXT">
     <p:spTree>
       <p:nvGrpSpPr>
-        <p:cNvPr id="62" name="Shape 62"/>
+        <p:cNvPr id="1" name="Shape 62"/>
         <p:cNvGrpSpPr/>
         <p:nvPr/>
       </p:nvGrpSpPr>
@@ -6116,7 +6157,7 @@
             </a:xfrm>
             <a:prstGeom prst="diagStripe">
               <a:avLst>
-                <a:gd fmla="val 50000" name="adj"/>
+                <a:gd name="adj" fmla="val 50000"/>
               </a:avLst>
             </a:prstGeom>
             <a:solidFill>
@@ -6127,12 +6168,12 @@
             </a:ln>
           </p:spPr>
           <p:txBody>
-            <a:bodyPr anchorCtr="0" anchor="ctr" bIns="91425" lIns="91425" spcFirstLastPara="1" rIns="91425" wrap="square" tIns="91425">
+            <a:bodyPr spcFirstLastPara="1" wrap="square" lIns="91425" tIns="91425" rIns="91425" bIns="91425" anchor="ctr" anchorCtr="0">
               <a:noAutofit/>
             </a:bodyPr>
             <a:lstStyle/>
             <a:p>
-              <a:pPr indent="0" lvl="0" marL="0" rtl="0" algn="l">
+              <a:pPr marL="0" lvl="0" indent="0" algn="l" rtl="0">
                 <a:spcBef>
                   <a:spcPts val="0"/>
                 </a:spcBef>
@@ -6141,9 +6182,6 @@
                 </a:spcAft>
                 <a:buNone/>
               </a:pPr>
-              <a:r>
-                <a:t/>
-              </a:r>
               <a:endParaRPr/>
             </a:p>
           </p:txBody>
@@ -6161,7 +6199,7 @@
             </a:xfrm>
             <a:prstGeom prst="diagStripe">
               <a:avLst>
-                <a:gd fmla="val 50000" name="adj"/>
+                <a:gd name="adj" fmla="val 50000"/>
               </a:avLst>
             </a:prstGeom>
             <a:solidFill>
@@ -6172,12 +6210,12 @@
             </a:ln>
           </p:spPr>
           <p:txBody>
-            <a:bodyPr anchorCtr="0" anchor="ctr" bIns="91425" lIns="91425" spcFirstLastPara="1" rIns="91425" wrap="square" tIns="91425">
+            <a:bodyPr spcFirstLastPara="1" wrap="square" lIns="91425" tIns="91425" rIns="91425" bIns="91425" anchor="ctr" anchorCtr="0">
               <a:noAutofit/>
             </a:bodyPr>
             <a:lstStyle/>
             <a:p>
-              <a:pPr indent="0" lvl="0" marL="0" rtl="0" algn="l">
+              <a:pPr marL="0" lvl="0" indent="0" algn="l" rtl="0">
                 <a:spcBef>
                   <a:spcPts val="0"/>
                 </a:spcBef>
@@ -6186,9 +6224,6 @@
                 </a:spcAft>
                 <a:buNone/>
               </a:pPr>
-              <a:r>
-                <a:t/>
-              </a:r>
               <a:endParaRPr/>
             </a:p>
           </p:txBody>
@@ -6197,7 +6232,9 @@
       <p:sp>
         <p:nvSpPr>
           <p:cNvPr id="66" name="Google Shape;66;p7"/>
-          <p:cNvSpPr txBox="1"/>
+          <p:cNvSpPr txBox="1">
+            <a:spLocks noGrp="1"/>
+          </p:cNvSpPr>
           <p:nvPr>
             <p:ph type="title"/>
           </p:nvPr>
@@ -6212,7 +6249,7 @@
           </a:prstGeom>
         </p:spPr>
         <p:txBody>
-          <a:bodyPr anchorCtr="0" anchor="t" bIns="91425" lIns="91425" spcFirstLastPara="1" rIns="91425" wrap="square" tIns="91425"/>
+          <a:bodyPr spcFirstLastPara="1" wrap="square" lIns="91425" tIns="91425" rIns="91425" bIns="91425" anchor="t" anchorCtr="0"/>
           <a:lstStyle>
             <a:lvl1pPr lvl="0">
               <a:spcBef>
@@ -6314,15 +6351,19 @@
               <a:defRPr sz="2400"/>
             </a:lvl9pPr>
           </a:lstStyle>
-          <a:p/>
+          <a:p>
+            <a:endParaRPr/>
+          </a:p>
         </p:txBody>
       </p:sp>
       <p:sp>
         <p:nvSpPr>
           <p:cNvPr id="67" name="Google Shape;67;p7"/>
-          <p:cNvSpPr txBox="1"/>
+          <p:cNvSpPr txBox="1">
+            <a:spLocks noGrp="1"/>
+          </p:cNvSpPr>
           <p:nvPr>
-            <p:ph idx="1" type="body"/>
+            <p:ph type="body" idx="1"/>
           </p:nvPr>
         </p:nvSpPr>
         <p:spPr>
@@ -6335,9 +6376,9 @@
           </a:prstGeom>
         </p:spPr>
         <p:txBody>
-          <a:bodyPr anchorCtr="0" anchor="t" bIns="91425" lIns="91425" spcFirstLastPara="1" rIns="91425" wrap="square" tIns="91425"/>
+          <a:bodyPr spcFirstLastPara="1" wrap="square" lIns="91425" tIns="91425" rIns="91425" bIns="91425" anchor="t" anchorCtr="0"/>
           <a:lstStyle>
-            <a:lvl1pPr indent="-311150" lvl="0" marL="457200">
+            <a:lvl1pPr marL="457200" lvl="0" indent="-311150">
               <a:spcBef>
                 <a:spcPts val="0"/>
               </a:spcBef>
@@ -6348,7 +6389,7 @@
               <a:buChar char="●"/>
               <a:defRPr/>
             </a:lvl1pPr>
-            <a:lvl2pPr indent="-298450" lvl="1" marL="914400">
+            <a:lvl2pPr marL="914400" lvl="1" indent="-298450">
               <a:spcBef>
                 <a:spcPts val="1600"/>
               </a:spcBef>
@@ -6359,7 +6400,7 @@
               <a:buChar char="○"/>
               <a:defRPr/>
             </a:lvl2pPr>
-            <a:lvl3pPr indent="-298450" lvl="2" marL="1371600">
+            <a:lvl3pPr marL="1371600" lvl="2" indent="-298450">
               <a:spcBef>
                 <a:spcPts val="1600"/>
               </a:spcBef>
@@ -6370,7 +6411,7 @@
               <a:buChar char="■"/>
               <a:defRPr/>
             </a:lvl3pPr>
-            <a:lvl4pPr indent="-298450" lvl="3" marL="1828800">
+            <a:lvl4pPr marL="1828800" lvl="3" indent="-298450">
               <a:spcBef>
                 <a:spcPts val="1600"/>
               </a:spcBef>
@@ -6381,7 +6422,7 @@
               <a:buChar char="●"/>
               <a:defRPr/>
             </a:lvl4pPr>
-            <a:lvl5pPr indent="-298450" lvl="4" marL="2286000">
+            <a:lvl5pPr marL="2286000" lvl="4" indent="-298450">
               <a:spcBef>
                 <a:spcPts val="1600"/>
               </a:spcBef>
@@ -6392,7 +6433,7 @@
               <a:buChar char="○"/>
               <a:defRPr/>
             </a:lvl5pPr>
-            <a:lvl6pPr indent="-298450" lvl="5" marL="2743200">
+            <a:lvl6pPr marL="2743200" lvl="5" indent="-298450">
               <a:spcBef>
                 <a:spcPts val="1600"/>
               </a:spcBef>
@@ -6403,7 +6444,7 @@
               <a:buChar char="■"/>
               <a:defRPr/>
             </a:lvl6pPr>
-            <a:lvl7pPr indent="-298450" lvl="6" marL="3200400">
+            <a:lvl7pPr marL="3200400" lvl="6" indent="-298450">
               <a:spcBef>
                 <a:spcPts val="1600"/>
               </a:spcBef>
@@ -6414,7 +6455,7 @@
               <a:buChar char="●"/>
               <a:defRPr/>
             </a:lvl7pPr>
-            <a:lvl8pPr indent="-298450" lvl="7" marL="3657600">
+            <a:lvl8pPr marL="3657600" lvl="7" indent="-298450">
               <a:spcBef>
                 <a:spcPts val="1600"/>
               </a:spcBef>
@@ -6425,7 +6466,7 @@
               <a:buChar char="○"/>
               <a:defRPr/>
             </a:lvl8pPr>
-            <a:lvl9pPr indent="-298450" lvl="8" marL="4114800">
+            <a:lvl9pPr marL="4114800" lvl="8" indent="-298450">
               <a:spcBef>
                 <a:spcPts val="1600"/>
               </a:spcBef>
@@ -6437,15 +6478,19 @@
               <a:defRPr/>
             </a:lvl9pPr>
           </a:lstStyle>
-          <a:p/>
+          <a:p>
+            <a:endParaRPr/>
+          </a:p>
         </p:txBody>
       </p:sp>
       <p:sp>
         <p:nvSpPr>
           <p:cNvPr id="68" name="Google Shape;68;p7"/>
-          <p:cNvSpPr txBox="1"/>
+          <p:cNvSpPr txBox="1">
+            <a:spLocks noGrp="1"/>
+          </p:cNvSpPr>
           <p:nvPr>
-            <p:ph idx="12" type="sldNum"/>
+            <p:ph type="sldNum" idx="12"/>
           </p:nvPr>
         </p:nvSpPr>
         <p:spPr>
@@ -6458,7 +6503,7 @@
           </a:prstGeom>
         </p:spPr>
         <p:txBody>
-          <a:bodyPr anchorCtr="0" anchor="ctr" bIns="91425" lIns="91425" spcFirstLastPara="1" rIns="91425" wrap="square" tIns="91425">
+          <a:bodyPr spcFirstLastPara="1" wrap="square" lIns="91425" tIns="91425" rIns="91425" bIns="91425" anchor="ctr" anchorCtr="0">
             <a:noAutofit/>
           </a:bodyPr>
           <a:lstStyle>
@@ -6500,7 +6545,7 @@
             </a:lvl9pPr>
           </a:lstStyle>
           <a:p>
-            <a:pPr indent="0" lvl="0" marL="0" rtl="0" algn="r">
+            <a:pPr marL="0" lvl="0" indent="0" algn="r" rtl="0">
               <a:spcBef>
                 <a:spcPts val="0"/>
               </a:spcBef>
@@ -6526,11 +6571,11 @@
 </file>
 
 <file path=ppt/slideLayouts/slideLayout7.xml><?xml version="1.0" encoding="utf-8"?>
-<p:sldLayout xmlns:a="http://schemas.openxmlformats.org/drawingml/2006/main" xmlns:r="http://schemas.openxmlformats.org/officeDocument/2006/relationships" xmlns:mc="http://schemas.openxmlformats.org/markup-compatibility/2006" xmlns:mv="urn:schemas-microsoft-com:mac:vml" xmlns:p="http://schemas.openxmlformats.org/presentationml/2006/main" xmlns:c="http://schemas.openxmlformats.org/drawingml/2006/chart" xmlns:dgm="http://schemas.openxmlformats.org/drawingml/2006/diagram" xmlns:o="urn:schemas-microsoft-com:office:office" xmlns:v="urn:schemas-microsoft-com:vml" xmlns:pvml="urn:schemas-microsoft-com:office:powerpoint" xmlns:com="http://schemas.openxmlformats.org/drawingml/2006/compatibility" xmlns:p14="http://schemas.microsoft.com/office/powerpoint/2010/main" xmlns:p15="http://schemas.microsoft.com/office/powerpoint/2012/main" matchingName="Main point">
+<p:sldLayout xmlns:a="http://schemas.openxmlformats.org/drawingml/2006/main" xmlns:r="http://schemas.openxmlformats.org/officeDocument/2006/relationships" xmlns:p="http://schemas.openxmlformats.org/presentationml/2006/main" matchingName="Main point">
   <p:cSld name="MAIN_POINT">
     <p:spTree>
       <p:nvGrpSpPr>
-        <p:cNvPr id="69" name="Shape 69"/>
+        <p:cNvPr id="1" name="Shape 69"/>
         <p:cNvGrpSpPr/>
         <p:nvPr/>
       </p:nvGrpSpPr>
@@ -6569,7 +6614,7 @@
             </a:xfrm>
             <a:prstGeom prst="diagStripe">
               <a:avLst>
-                <a:gd fmla="val 49469" name="adj"/>
+                <a:gd name="adj" fmla="val 49469"/>
               </a:avLst>
             </a:prstGeom>
             <a:solidFill>
@@ -6582,12 +6627,12 @@
             </a:ln>
           </p:spPr>
           <p:txBody>
-            <a:bodyPr anchorCtr="0" anchor="ctr" bIns="91425" lIns="91425" spcFirstLastPara="1" rIns="91425" wrap="square" tIns="91425">
+            <a:bodyPr spcFirstLastPara="1" wrap="square" lIns="91425" tIns="91425" rIns="91425" bIns="91425" anchor="ctr" anchorCtr="0">
               <a:noAutofit/>
             </a:bodyPr>
             <a:lstStyle/>
             <a:p>
-              <a:pPr indent="0" lvl="0" marL="0" rtl="0" algn="l">
+              <a:pPr marL="0" lvl="0" indent="0" algn="l" rtl="0">
                 <a:spcBef>
                   <a:spcPts val="0"/>
                 </a:spcBef>
@@ -6596,9 +6641,6 @@
                 </a:spcAft>
                 <a:buNone/>
               </a:pPr>
-              <a:r>
-                <a:t/>
-              </a:r>
               <a:endParaRPr/>
             </a:p>
           </p:txBody>
@@ -6616,7 +6658,7 @@
             </a:xfrm>
             <a:prstGeom prst="diagStripe">
               <a:avLst>
-                <a:gd fmla="val 0" name="adj"/>
+                <a:gd name="adj" fmla="val 0"/>
               </a:avLst>
             </a:prstGeom>
             <a:solidFill>
@@ -6629,12 +6671,12 @@
             </a:ln>
           </p:spPr>
           <p:txBody>
-            <a:bodyPr anchorCtr="0" anchor="ctr" bIns="91425" lIns="91425" spcFirstLastPara="1" rIns="91425" wrap="square" tIns="91425">
+            <a:bodyPr spcFirstLastPara="1" wrap="square" lIns="91425" tIns="91425" rIns="91425" bIns="91425" anchor="ctr" anchorCtr="0">
               <a:noAutofit/>
             </a:bodyPr>
             <a:lstStyle/>
             <a:p>
-              <a:pPr indent="0" lvl="0" marL="0" rtl="0" algn="l">
+              <a:pPr marL="0" lvl="0" indent="0" algn="l" rtl="0">
                 <a:spcBef>
                   <a:spcPts val="0"/>
                 </a:spcBef>
@@ -6643,9 +6685,6 @@
                 </a:spcAft>
                 <a:buNone/>
               </a:pPr>
-              <a:r>
-                <a:t/>
-              </a:r>
               <a:endParaRPr/>
             </a:p>
           </p:txBody>
@@ -6663,7 +6702,7 @@
             </a:xfrm>
             <a:prstGeom prst="diagStripe">
               <a:avLst>
-                <a:gd fmla="val 50000" name="adj"/>
+                <a:gd name="adj" fmla="val 50000"/>
               </a:avLst>
             </a:prstGeom>
             <a:solidFill>
@@ -6676,12 +6715,12 @@
             </a:ln>
           </p:spPr>
           <p:txBody>
-            <a:bodyPr anchorCtr="0" anchor="ctr" bIns="91425" lIns="91425" spcFirstLastPara="1" rIns="91425" wrap="square" tIns="91425">
+            <a:bodyPr spcFirstLastPara="1" wrap="square" lIns="91425" tIns="91425" rIns="91425" bIns="91425" anchor="ctr" anchorCtr="0">
               <a:noAutofit/>
             </a:bodyPr>
             <a:lstStyle/>
             <a:p>
-              <a:pPr indent="0" lvl="0" marL="0" rtl="0" algn="l">
+              <a:pPr marL="0" lvl="0" indent="0" algn="l" rtl="0">
                 <a:spcBef>
                   <a:spcPts val="0"/>
                 </a:spcBef>
@@ -6690,9 +6729,6 @@
                 </a:spcAft>
                 <a:buNone/>
               </a:pPr>
-              <a:r>
-                <a:t/>
-              </a:r>
               <a:endParaRPr/>
             </a:p>
           </p:txBody>
@@ -6710,7 +6746,7 @@
             </a:xfrm>
             <a:prstGeom prst="diagStripe">
               <a:avLst>
-                <a:gd fmla="val 50000" name="adj"/>
+                <a:gd name="adj" fmla="val 50000"/>
               </a:avLst>
             </a:prstGeom>
             <a:solidFill>
@@ -6723,12 +6759,12 @@
             </a:ln>
           </p:spPr>
           <p:txBody>
-            <a:bodyPr anchorCtr="0" anchor="ctr" bIns="91425" lIns="91425" spcFirstLastPara="1" rIns="91425" wrap="square" tIns="91425">
+            <a:bodyPr spcFirstLastPara="1" wrap="square" lIns="91425" tIns="91425" rIns="91425" bIns="91425" anchor="ctr" anchorCtr="0">
               <a:noAutofit/>
             </a:bodyPr>
             <a:lstStyle/>
             <a:p>
-              <a:pPr indent="0" lvl="0" marL="0" rtl="0" algn="l">
+              <a:pPr marL="0" lvl="0" indent="0" algn="l" rtl="0">
                 <a:spcBef>
                   <a:spcPts val="0"/>
                 </a:spcBef>
@@ -6737,9 +6773,6 @@
                 </a:spcAft>
                 <a:buNone/>
               </a:pPr>
-              <a:r>
-                <a:t/>
-              </a:r>
               <a:endParaRPr/>
             </a:p>
           </p:txBody>
@@ -6757,7 +6790,7 @@
             </a:xfrm>
             <a:prstGeom prst="diagStripe">
               <a:avLst>
-                <a:gd fmla="val 50000" name="adj"/>
+                <a:gd name="adj" fmla="val 50000"/>
               </a:avLst>
             </a:prstGeom>
             <a:solidFill>
@@ -6770,12 +6803,12 @@
             </a:ln>
           </p:spPr>
           <p:txBody>
-            <a:bodyPr anchorCtr="0" anchor="ctr" bIns="91425" lIns="91425" spcFirstLastPara="1" rIns="91425" wrap="square" tIns="91425">
+            <a:bodyPr spcFirstLastPara="1" wrap="square" lIns="91425" tIns="91425" rIns="91425" bIns="91425" anchor="ctr" anchorCtr="0">
               <a:noAutofit/>
             </a:bodyPr>
             <a:lstStyle/>
             <a:p>
-              <a:pPr indent="0" lvl="0" marL="0" rtl="0" algn="l">
+              <a:pPr marL="0" lvl="0" indent="0" algn="l" rtl="0">
                 <a:spcBef>
                   <a:spcPts val="0"/>
                 </a:spcBef>
@@ -6784,9 +6817,6 @@
                 </a:spcAft>
                 <a:buNone/>
               </a:pPr>
-              <a:r>
-                <a:t/>
-              </a:r>
               <a:endParaRPr/>
             </a:p>
           </p:txBody>
@@ -6804,7 +6834,7 @@
             </a:xfrm>
             <a:prstGeom prst="diagStripe">
               <a:avLst>
-                <a:gd fmla="val 50000" name="adj"/>
+                <a:gd name="adj" fmla="val 50000"/>
               </a:avLst>
             </a:prstGeom>
             <a:solidFill>
@@ -6817,12 +6847,12 @@
             </a:ln>
           </p:spPr>
           <p:txBody>
-            <a:bodyPr anchorCtr="0" anchor="ctr" bIns="91425" lIns="91425" spcFirstLastPara="1" rIns="91425" wrap="square" tIns="91425">
+            <a:bodyPr spcFirstLastPara="1" wrap="square" lIns="91425" tIns="91425" rIns="91425" bIns="91425" anchor="ctr" anchorCtr="0">
               <a:noAutofit/>
             </a:bodyPr>
             <a:lstStyle/>
             <a:p>
-              <a:pPr indent="0" lvl="0" marL="0" rtl="0" algn="l">
+              <a:pPr marL="0" lvl="0" indent="0" algn="l" rtl="0">
                 <a:spcBef>
                   <a:spcPts val="0"/>
                 </a:spcBef>
@@ -6831,9 +6861,6 @@
                 </a:spcAft>
                 <a:buNone/>
               </a:pPr>
-              <a:r>
-                <a:t/>
-              </a:r>
               <a:endParaRPr/>
             </a:p>
           </p:txBody>
@@ -6851,7 +6878,7 @@
             </a:xfrm>
             <a:prstGeom prst="diagStripe">
               <a:avLst>
-                <a:gd fmla="val 50000" name="adj"/>
+                <a:gd name="adj" fmla="val 50000"/>
               </a:avLst>
             </a:prstGeom>
             <a:solidFill>
@@ -6864,12 +6891,12 @@
             </a:ln>
           </p:spPr>
           <p:txBody>
-            <a:bodyPr anchorCtr="0" anchor="ctr" bIns="91425" lIns="91425" spcFirstLastPara="1" rIns="91425" wrap="square" tIns="91425">
+            <a:bodyPr spcFirstLastPara="1" wrap="square" lIns="91425" tIns="91425" rIns="91425" bIns="91425" anchor="ctr" anchorCtr="0">
               <a:noAutofit/>
             </a:bodyPr>
             <a:lstStyle/>
             <a:p>
-              <a:pPr indent="0" lvl="0" marL="0" rtl="0" algn="l">
+              <a:pPr marL="0" lvl="0" indent="0" algn="l" rtl="0">
                 <a:spcBef>
                   <a:spcPts val="0"/>
                 </a:spcBef>
@@ -6878,9 +6905,6 @@
                 </a:spcAft>
                 <a:buNone/>
               </a:pPr>
-              <a:r>
-                <a:t/>
-              </a:r>
               <a:endParaRPr/>
             </a:p>
           </p:txBody>
@@ -6898,7 +6922,7 @@
             </a:xfrm>
             <a:prstGeom prst="diagStripe">
               <a:avLst>
-                <a:gd fmla="val 50000" name="adj"/>
+                <a:gd name="adj" fmla="val 50000"/>
               </a:avLst>
             </a:prstGeom>
             <a:solidFill>
@@ -6909,12 +6933,12 @@
             </a:ln>
           </p:spPr>
           <p:txBody>
-            <a:bodyPr anchorCtr="0" anchor="ctr" bIns="91425" lIns="91425" spcFirstLastPara="1" rIns="91425" wrap="square" tIns="91425">
+            <a:bodyPr spcFirstLastPara="1" wrap="square" lIns="91425" tIns="91425" rIns="91425" bIns="91425" anchor="ctr" anchorCtr="0">
               <a:noAutofit/>
             </a:bodyPr>
             <a:lstStyle/>
             <a:p>
-              <a:pPr indent="0" lvl="0" marL="0" rtl="0" algn="l">
+              <a:pPr marL="0" lvl="0" indent="0" algn="l" rtl="0">
                 <a:spcBef>
                   <a:spcPts val="0"/>
                 </a:spcBef>
@@ -6923,9 +6947,6 @@
                 </a:spcAft>
                 <a:buNone/>
               </a:pPr>
-              <a:r>
-                <a:t/>
-              </a:r>
               <a:endParaRPr/>
             </a:p>
           </p:txBody>
@@ -6943,7 +6964,7 @@
             </a:xfrm>
             <a:prstGeom prst="diagStripe">
               <a:avLst>
-                <a:gd fmla="val 50000" name="adj"/>
+                <a:gd name="adj" fmla="val 50000"/>
               </a:avLst>
             </a:prstGeom>
             <a:solidFill>
@@ -6956,12 +6977,12 @@
             </a:ln>
           </p:spPr>
           <p:txBody>
-            <a:bodyPr anchorCtr="0" anchor="ctr" bIns="91425" lIns="91425" spcFirstLastPara="1" rIns="91425" wrap="square" tIns="91425">
+            <a:bodyPr spcFirstLastPara="1" wrap="square" lIns="91425" tIns="91425" rIns="91425" bIns="91425" anchor="ctr" anchorCtr="0">
               <a:noAutofit/>
             </a:bodyPr>
             <a:lstStyle/>
             <a:p>
-              <a:pPr indent="0" lvl="0" marL="0" rtl="0" algn="l">
+              <a:pPr marL="0" lvl="0" indent="0" algn="l" rtl="0">
                 <a:spcBef>
                   <a:spcPts val="0"/>
                 </a:spcBef>
@@ -6970,9 +6991,6 @@
                 </a:spcAft>
                 <a:buNone/>
               </a:pPr>
-              <a:r>
-                <a:t/>
-              </a:r>
               <a:endParaRPr/>
             </a:p>
           </p:txBody>
@@ -6990,7 +7008,7 @@
             </a:xfrm>
             <a:prstGeom prst="diagStripe">
               <a:avLst>
-                <a:gd fmla="val 50000" name="adj"/>
+                <a:gd name="adj" fmla="val 50000"/>
               </a:avLst>
             </a:prstGeom>
             <a:solidFill>
@@ -7003,12 +7021,12 @@
             </a:ln>
           </p:spPr>
           <p:txBody>
-            <a:bodyPr anchorCtr="0" anchor="ctr" bIns="91425" lIns="91425" spcFirstLastPara="1" rIns="91425" wrap="square" tIns="91425">
+            <a:bodyPr spcFirstLastPara="1" wrap="square" lIns="91425" tIns="91425" rIns="91425" bIns="91425" anchor="ctr" anchorCtr="0">
               <a:noAutofit/>
             </a:bodyPr>
             <a:lstStyle/>
             <a:p>
-              <a:pPr indent="0" lvl="0" marL="0" rtl="0" algn="l">
+              <a:pPr marL="0" lvl="0" indent="0" algn="l" rtl="0">
                 <a:spcBef>
                   <a:spcPts val="0"/>
                 </a:spcBef>
@@ -7017,9 +7035,6 @@
                 </a:spcAft>
                 <a:buNone/>
               </a:pPr>
-              <a:r>
-                <a:t/>
-              </a:r>
               <a:endParaRPr/>
             </a:p>
           </p:txBody>
@@ -7037,7 +7052,7 @@
             </a:xfrm>
             <a:prstGeom prst="diagStripe">
               <a:avLst>
-                <a:gd fmla="val 50000" name="adj"/>
+                <a:gd name="adj" fmla="val 50000"/>
               </a:avLst>
             </a:prstGeom>
             <a:solidFill>
@@ -7050,12 +7065,12 @@
             </a:ln>
           </p:spPr>
           <p:txBody>
-            <a:bodyPr anchorCtr="0" anchor="ctr" bIns="91425" lIns="91425" spcFirstLastPara="1" rIns="91425" wrap="square" tIns="91425">
+            <a:bodyPr spcFirstLastPara="1" wrap="square" lIns="91425" tIns="91425" rIns="91425" bIns="91425" anchor="ctr" anchorCtr="0">
               <a:noAutofit/>
             </a:bodyPr>
             <a:lstStyle/>
             <a:p>
-              <a:pPr indent="0" lvl="0" marL="0" rtl="0" algn="l">
+              <a:pPr marL="0" lvl="0" indent="0" algn="l" rtl="0">
                 <a:spcBef>
                   <a:spcPts val="0"/>
                 </a:spcBef>
@@ -7064,9 +7079,6 @@
                 </a:spcAft>
                 <a:buNone/>
               </a:pPr>
-              <a:r>
-                <a:t/>
-              </a:r>
               <a:endParaRPr/>
             </a:p>
           </p:txBody>
@@ -7084,7 +7096,7 @@
             </a:xfrm>
             <a:prstGeom prst="diagStripe">
               <a:avLst>
-                <a:gd fmla="val 50000" name="adj"/>
+                <a:gd name="adj" fmla="val 50000"/>
               </a:avLst>
             </a:prstGeom>
             <a:solidFill>
@@ -7097,12 +7109,12 @@
             </a:ln>
           </p:spPr>
           <p:txBody>
-            <a:bodyPr anchorCtr="0" anchor="ctr" bIns="91425" lIns="91425" spcFirstLastPara="1" rIns="91425" wrap="square" tIns="91425">
+            <a:bodyPr spcFirstLastPara="1" wrap="square" lIns="91425" tIns="91425" rIns="91425" bIns="91425" anchor="ctr" anchorCtr="0">
               <a:noAutofit/>
             </a:bodyPr>
             <a:lstStyle/>
             <a:p>
-              <a:pPr indent="0" lvl="0" marL="0" rtl="0" algn="l">
+              <a:pPr marL="0" lvl="0" indent="0" algn="l" rtl="0">
                 <a:spcBef>
                   <a:spcPts val="0"/>
                 </a:spcBef>
@@ -7111,9 +7123,6 @@
                 </a:spcAft>
                 <a:buNone/>
               </a:pPr>
-              <a:r>
-                <a:t/>
-              </a:r>
               <a:endParaRPr/>
             </a:p>
           </p:txBody>
@@ -7131,7 +7140,7 @@
             </a:xfrm>
             <a:prstGeom prst="diagStripe">
               <a:avLst>
-                <a:gd fmla="val 50000" name="adj"/>
+                <a:gd name="adj" fmla="val 50000"/>
               </a:avLst>
             </a:prstGeom>
             <a:solidFill>
@@ -7144,12 +7153,12 @@
             </a:ln>
           </p:spPr>
           <p:txBody>
-            <a:bodyPr anchorCtr="0" anchor="ctr" bIns="91425" lIns="91425" spcFirstLastPara="1" rIns="91425" wrap="square" tIns="91425">
+            <a:bodyPr spcFirstLastPara="1" wrap="square" lIns="91425" tIns="91425" rIns="91425" bIns="91425" anchor="ctr" anchorCtr="0">
               <a:noAutofit/>
             </a:bodyPr>
             <a:lstStyle/>
             <a:p>
-              <a:pPr indent="0" lvl="0" marL="0" rtl="0" algn="l">
+              <a:pPr marL="0" lvl="0" indent="0" algn="l" rtl="0">
                 <a:spcBef>
                   <a:spcPts val="0"/>
                 </a:spcBef>
@@ -7158,9 +7167,6 @@
                 </a:spcAft>
                 <a:buNone/>
               </a:pPr>
-              <a:r>
-                <a:t/>
-              </a:r>
               <a:endParaRPr/>
             </a:p>
           </p:txBody>
@@ -7178,7 +7184,7 @@
             </a:xfrm>
             <a:prstGeom prst="diagStripe">
               <a:avLst>
-                <a:gd fmla="val 50000" name="adj"/>
+                <a:gd name="adj" fmla="val 50000"/>
               </a:avLst>
             </a:prstGeom>
             <a:solidFill>
@@ -7189,12 +7195,12 @@
             </a:ln>
           </p:spPr>
           <p:txBody>
-            <a:bodyPr anchorCtr="0" anchor="ctr" bIns="91425" lIns="91425" spcFirstLastPara="1" rIns="91425" wrap="square" tIns="91425">
+            <a:bodyPr spcFirstLastPara="1" wrap="square" lIns="91425" tIns="91425" rIns="91425" bIns="91425" anchor="ctr" anchorCtr="0">
               <a:noAutofit/>
             </a:bodyPr>
             <a:lstStyle/>
             <a:p>
-              <a:pPr indent="0" lvl="0" marL="0" rtl="0" algn="l">
+              <a:pPr marL="0" lvl="0" indent="0" algn="l" rtl="0">
                 <a:spcBef>
                   <a:spcPts val="0"/>
                 </a:spcBef>
@@ -7203,9 +7209,6 @@
                 </a:spcAft>
                 <a:buNone/>
               </a:pPr>
-              <a:r>
-                <a:t/>
-              </a:r>
               <a:endParaRPr/>
             </a:p>
           </p:txBody>
@@ -7223,7 +7226,7 @@
             </a:xfrm>
             <a:prstGeom prst="diagStripe">
               <a:avLst>
-                <a:gd fmla="val 50000" name="adj"/>
+                <a:gd name="adj" fmla="val 50000"/>
               </a:avLst>
             </a:prstGeom>
             <a:solidFill>
@@ -7236,12 +7239,12 @@
             </a:ln>
           </p:spPr>
           <p:txBody>
-            <a:bodyPr anchorCtr="0" anchor="ctr" bIns="91425" lIns="91425" spcFirstLastPara="1" rIns="91425" wrap="square" tIns="91425">
+            <a:bodyPr spcFirstLastPara="1" wrap="square" lIns="91425" tIns="91425" rIns="91425" bIns="91425" anchor="ctr" anchorCtr="0">
               <a:noAutofit/>
             </a:bodyPr>
             <a:lstStyle/>
             <a:p>
-              <a:pPr indent="0" lvl="0" marL="0" rtl="0" algn="l">
+              <a:pPr marL="0" lvl="0" indent="0" algn="l" rtl="0">
                 <a:spcBef>
                   <a:spcPts val="0"/>
                 </a:spcBef>
@@ -7250,9 +7253,6 @@
                 </a:spcAft>
                 <a:buNone/>
               </a:pPr>
-              <a:r>
-                <a:t/>
-              </a:r>
               <a:endParaRPr/>
             </a:p>
           </p:txBody>
@@ -7270,7 +7270,7 @@
             </a:xfrm>
             <a:prstGeom prst="diagStripe">
               <a:avLst>
-                <a:gd fmla="val 50000" name="adj"/>
+                <a:gd name="adj" fmla="val 50000"/>
               </a:avLst>
             </a:prstGeom>
             <a:solidFill>
@@ -7283,12 +7283,12 @@
             </a:ln>
           </p:spPr>
           <p:txBody>
-            <a:bodyPr anchorCtr="0" anchor="ctr" bIns="91425" lIns="91425" spcFirstLastPara="1" rIns="91425" wrap="square" tIns="91425">
+            <a:bodyPr spcFirstLastPara="1" wrap="square" lIns="91425" tIns="91425" rIns="91425" bIns="91425" anchor="ctr" anchorCtr="0">
               <a:noAutofit/>
             </a:bodyPr>
             <a:lstStyle/>
             <a:p>
-              <a:pPr indent="0" lvl="0" marL="0" rtl="0" algn="l">
+              <a:pPr marL="0" lvl="0" indent="0" algn="l" rtl="0">
                 <a:spcBef>
                   <a:spcPts val="0"/>
                 </a:spcBef>
@@ -7297,9 +7297,6 @@
                 </a:spcAft>
                 <a:buNone/>
               </a:pPr>
-              <a:r>
-                <a:t/>
-              </a:r>
               <a:endParaRPr/>
             </a:p>
           </p:txBody>
@@ -7317,7 +7314,7 @@
             </a:xfrm>
             <a:prstGeom prst="diagStripe">
               <a:avLst>
-                <a:gd fmla="val 50000" name="adj"/>
+                <a:gd name="adj" fmla="val 50000"/>
               </a:avLst>
             </a:prstGeom>
             <a:solidFill>
@@ -7330,12 +7327,12 @@
             </a:ln>
           </p:spPr>
           <p:txBody>
-            <a:bodyPr anchorCtr="0" anchor="ctr" bIns="91425" lIns="91425" spcFirstLastPara="1" rIns="91425" wrap="square" tIns="91425">
+            <a:bodyPr spcFirstLastPara="1" wrap="square" lIns="91425" tIns="91425" rIns="91425" bIns="91425" anchor="ctr" anchorCtr="0">
               <a:noAutofit/>
             </a:bodyPr>
             <a:lstStyle/>
             <a:p>
-              <a:pPr indent="0" lvl="0" marL="0" rtl="0" algn="l">
+              <a:pPr marL="0" lvl="0" indent="0" algn="l" rtl="0">
                 <a:spcBef>
                   <a:spcPts val="0"/>
                 </a:spcBef>
@@ -7344,9 +7341,6 @@
                 </a:spcAft>
                 <a:buNone/>
               </a:pPr>
-              <a:r>
-                <a:t/>
-              </a:r>
               <a:endParaRPr/>
             </a:p>
           </p:txBody>
@@ -7364,7 +7358,7 @@
             </a:xfrm>
             <a:prstGeom prst="diagStripe">
               <a:avLst>
-                <a:gd fmla="val 50000" name="adj"/>
+                <a:gd name="adj" fmla="val 50000"/>
               </a:avLst>
             </a:prstGeom>
             <a:solidFill>
@@ -7377,12 +7371,12 @@
             </a:ln>
           </p:spPr>
           <p:txBody>
-            <a:bodyPr anchorCtr="0" anchor="ctr" bIns="91425" lIns="91425" spcFirstLastPara="1" rIns="91425" wrap="square" tIns="91425">
+            <a:bodyPr spcFirstLastPara="1" wrap="square" lIns="91425" tIns="91425" rIns="91425" bIns="91425" anchor="ctr" anchorCtr="0">
               <a:noAutofit/>
             </a:bodyPr>
             <a:lstStyle/>
             <a:p>
-              <a:pPr indent="0" lvl="0" marL="0" rtl="0" algn="l">
+              <a:pPr marL="0" lvl="0" indent="0" algn="l" rtl="0">
                 <a:spcBef>
                   <a:spcPts val="0"/>
                 </a:spcBef>
@@ -7391,9 +7385,6 @@
                 </a:spcAft>
                 <a:buNone/>
               </a:pPr>
-              <a:r>
-                <a:t/>
-              </a:r>
               <a:endParaRPr/>
             </a:p>
           </p:txBody>
@@ -7402,7 +7393,9 @@
       <p:sp>
         <p:nvSpPr>
           <p:cNvPr id="89" name="Google Shape;89;p8"/>
-          <p:cNvSpPr txBox="1"/>
+          <p:cNvSpPr txBox="1">
+            <a:spLocks noGrp="1"/>
+          </p:cNvSpPr>
           <p:nvPr>
             <p:ph type="title"/>
           </p:nvPr>
@@ -7417,7 +7410,7 @@
           </a:prstGeom>
         </p:spPr>
         <p:txBody>
-          <a:bodyPr anchorCtr="0" anchor="ctr" bIns="91425" lIns="91425" spcFirstLastPara="1" rIns="91425" wrap="square" tIns="91425"/>
+          <a:bodyPr spcFirstLastPara="1" wrap="square" lIns="91425" tIns="91425" rIns="91425" bIns="91425" anchor="ctr" anchorCtr="0"/>
           <a:lstStyle>
             <a:lvl1pPr lvl="0">
               <a:spcBef>
@@ -7519,15 +7512,19 @@
               <a:defRPr/>
             </a:lvl9pPr>
           </a:lstStyle>
-          <a:p/>
+          <a:p>
+            <a:endParaRPr/>
+          </a:p>
         </p:txBody>
       </p:sp>
       <p:sp>
         <p:nvSpPr>
           <p:cNvPr id="90" name="Google Shape;90;p8"/>
-          <p:cNvSpPr txBox="1"/>
+          <p:cNvSpPr txBox="1">
+            <a:spLocks noGrp="1"/>
+          </p:cNvSpPr>
           <p:nvPr>
-            <p:ph idx="12" type="sldNum"/>
+            <p:ph type="sldNum" idx="12"/>
           </p:nvPr>
         </p:nvSpPr>
         <p:spPr>
@@ -7540,7 +7537,7 @@
           </a:prstGeom>
         </p:spPr>
         <p:txBody>
-          <a:bodyPr anchorCtr="0" anchor="ctr" bIns="91425" lIns="91425" spcFirstLastPara="1" rIns="91425" wrap="square" tIns="91425">
+          <a:bodyPr spcFirstLastPara="1" wrap="square" lIns="91425" tIns="91425" rIns="91425" bIns="91425" anchor="ctr" anchorCtr="0">
             <a:noAutofit/>
           </a:bodyPr>
           <a:lstStyle>
@@ -7582,7 +7579,7 @@
             </a:lvl9pPr>
           </a:lstStyle>
           <a:p>
-            <a:pPr indent="0" lvl="0" marL="0" rtl="0" algn="r">
+            <a:pPr marL="0" lvl="0" indent="0" algn="r" rtl="0">
               <a:spcBef>
                 <a:spcPts val="0"/>
               </a:spcBef>
@@ -7608,11 +7605,11 @@
 </file>
 
 <file path=ppt/slideLayouts/slideLayout8.xml><?xml version="1.0" encoding="utf-8"?>
-<p:sldLayout xmlns:a="http://schemas.openxmlformats.org/drawingml/2006/main" xmlns:r="http://schemas.openxmlformats.org/officeDocument/2006/relationships" xmlns:mc="http://schemas.openxmlformats.org/markup-compatibility/2006" xmlns:mv="urn:schemas-microsoft-com:mac:vml" xmlns:p="http://schemas.openxmlformats.org/presentationml/2006/main" xmlns:c="http://schemas.openxmlformats.org/drawingml/2006/chart" xmlns:dgm="http://schemas.openxmlformats.org/drawingml/2006/diagram" xmlns:o="urn:schemas-microsoft-com:office:office" xmlns:v="urn:schemas-microsoft-com:vml" xmlns:pvml="urn:schemas-microsoft-com:office:powerpoint" xmlns:com="http://schemas.openxmlformats.org/drawingml/2006/compatibility" xmlns:p14="http://schemas.microsoft.com/office/powerpoint/2010/main" xmlns:p15="http://schemas.microsoft.com/office/powerpoint/2012/main" matchingName="Section title and description">
+<p:sldLayout xmlns:a="http://schemas.openxmlformats.org/drawingml/2006/main" xmlns:r="http://schemas.openxmlformats.org/officeDocument/2006/relationships" xmlns:p="http://schemas.openxmlformats.org/presentationml/2006/main" matchingName="Section title and description">
   <p:cSld name="SECTION_TITLE_AND_DESCRIPTION">
     <p:spTree>
       <p:nvGrpSpPr>
-        <p:cNvPr id="91" name="Shape 91"/>
+        <p:cNvPr id="1" name="Shape 91"/>
         <p:cNvGrpSpPr/>
         <p:nvPr/>
       </p:nvGrpSpPr>
@@ -7651,7 +7648,7 @@
             </a:xfrm>
             <a:prstGeom prst="diagStripe">
               <a:avLst>
-                <a:gd fmla="val 50000" name="adj"/>
+                <a:gd name="adj" fmla="val 50000"/>
               </a:avLst>
             </a:prstGeom>
             <a:solidFill>
@@ -7662,12 +7659,12 @@
             </a:ln>
           </p:spPr>
           <p:txBody>
-            <a:bodyPr anchorCtr="0" anchor="ctr" bIns="91425" lIns="91425" spcFirstLastPara="1" rIns="91425" wrap="square" tIns="91425">
+            <a:bodyPr spcFirstLastPara="1" wrap="square" lIns="91425" tIns="91425" rIns="91425" bIns="91425" anchor="ctr" anchorCtr="0">
               <a:noAutofit/>
             </a:bodyPr>
             <a:lstStyle/>
             <a:p>
-              <a:pPr indent="0" lvl="0" marL="0" rtl="0" algn="l">
+              <a:pPr marL="0" lvl="0" indent="0" algn="l" rtl="0">
                 <a:spcBef>
                   <a:spcPts val="0"/>
                 </a:spcBef>
@@ -7676,9 +7673,6 @@
                 </a:spcAft>
                 <a:buNone/>
               </a:pPr>
-              <a:r>
-                <a:t/>
-              </a:r>
               <a:endParaRPr/>
             </a:p>
           </p:txBody>
@@ -7696,7 +7690,7 @@
             </a:xfrm>
             <a:prstGeom prst="diagStripe">
               <a:avLst>
-                <a:gd fmla="val 50000" name="adj"/>
+                <a:gd name="adj" fmla="val 50000"/>
               </a:avLst>
             </a:prstGeom>
             <a:solidFill>
@@ -7707,12 +7701,12 @@
             </a:ln>
           </p:spPr>
           <p:txBody>
-            <a:bodyPr anchorCtr="0" anchor="ctr" bIns="91425" lIns="91425" spcFirstLastPara="1" rIns="91425" wrap="square" tIns="91425">
+            <a:bodyPr spcFirstLastPara="1" wrap="square" lIns="91425" tIns="91425" rIns="91425" bIns="91425" anchor="ctr" anchorCtr="0">
               <a:noAutofit/>
             </a:bodyPr>
             <a:lstStyle/>
             <a:p>
-              <a:pPr indent="0" lvl="0" marL="0" rtl="0" algn="l">
+              <a:pPr marL="0" lvl="0" indent="0" algn="l" rtl="0">
                 <a:spcBef>
                   <a:spcPts val="0"/>
                 </a:spcBef>
@@ -7721,9 +7715,6 @@
                 </a:spcAft>
                 <a:buNone/>
               </a:pPr>
-              <a:r>
-                <a:t/>
-              </a:r>
               <a:endParaRPr/>
             </a:p>
           </p:txBody>
@@ -7732,7 +7723,9 @@
       <p:sp>
         <p:nvSpPr>
           <p:cNvPr id="95" name="Google Shape;95;p9"/>
-          <p:cNvSpPr txBox="1"/>
+          <p:cNvSpPr txBox="1">
+            <a:spLocks noGrp="1"/>
+          </p:cNvSpPr>
           <p:nvPr>
             <p:ph type="title"/>
           </p:nvPr>
@@ -7747,7 +7740,7 @@
           </a:prstGeom>
         </p:spPr>
         <p:txBody>
-          <a:bodyPr anchorCtr="0" anchor="t" bIns="91425" lIns="91425" spcFirstLastPara="1" rIns="91425" wrap="square" tIns="91425"/>
+          <a:bodyPr spcFirstLastPara="1" wrap="square" lIns="91425" tIns="91425" rIns="91425" bIns="91425" anchor="t" anchorCtr="0"/>
           <a:lstStyle>
             <a:lvl1pPr lvl="0">
               <a:spcBef>
@@ -7849,15 +7842,19 @@
               <a:defRPr sz="2400"/>
             </a:lvl9pPr>
           </a:lstStyle>
-          <a:p/>
+          <a:p>
+            <a:endParaRPr/>
+          </a:p>
         </p:txBody>
       </p:sp>
       <p:sp>
         <p:nvSpPr>
           <p:cNvPr id="96" name="Google Shape;96;p9"/>
-          <p:cNvSpPr txBox="1"/>
+          <p:cNvSpPr txBox="1">
+            <a:spLocks noGrp="1"/>
+          </p:cNvSpPr>
           <p:nvPr>
-            <p:ph idx="1" type="subTitle"/>
+            <p:ph type="subTitle" idx="1"/>
           </p:nvPr>
         </p:nvSpPr>
         <p:spPr>
@@ -7870,7 +7867,7 @@
           </a:prstGeom>
         </p:spPr>
         <p:txBody>
-          <a:bodyPr anchorCtr="0" anchor="t" bIns="91425" lIns="91425" spcFirstLastPara="1" rIns="91425" wrap="square" tIns="91425"/>
+          <a:bodyPr spcFirstLastPara="1" wrap="square" lIns="91425" tIns="91425" rIns="91425" bIns="91425" anchor="t" anchorCtr="0"/>
           <a:lstStyle>
             <a:lvl1pPr lvl="0">
               <a:lnSpc>
@@ -7999,15 +7996,19 @@
               <a:defRPr sz="1300"/>
             </a:lvl9pPr>
           </a:lstStyle>
-          <a:p/>
+          <a:p>
+            <a:endParaRPr/>
+          </a:p>
         </p:txBody>
       </p:sp>
       <p:sp>
         <p:nvSpPr>
           <p:cNvPr id="97" name="Google Shape;97;p9"/>
-          <p:cNvSpPr txBox="1"/>
+          <p:cNvSpPr txBox="1">
+            <a:spLocks noGrp="1"/>
+          </p:cNvSpPr>
           <p:nvPr>
-            <p:ph idx="2" type="body"/>
+            <p:ph type="body" idx="2"/>
           </p:nvPr>
         </p:nvSpPr>
         <p:spPr>
@@ -8020,9 +8021,9 @@
           </a:prstGeom>
         </p:spPr>
         <p:txBody>
-          <a:bodyPr anchorCtr="0" anchor="t" bIns="91425" lIns="91425" spcFirstLastPara="1" rIns="91425" wrap="square" tIns="91425"/>
+          <a:bodyPr spcFirstLastPara="1" wrap="square" lIns="91425" tIns="91425" rIns="91425" bIns="91425" anchor="t" anchorCtr="0"/>
           <a:lstStyle>
-            <a:lvl1pPr indent="-311150" lvl="0" marL="457200">
+            <a:lvl1pPr marL="457200" lvl="0" indent="-311150">
               <a:spcBef>
                 <a:spcPts val="0"/>
               </a:spcBef>
@@ -8033,7 +8034,7 @@
               <a:buChar char="●"/>
               <a:defRPr/>
             </a:lvl1pPr>
-            <a:lvl2pPr indent="-298450" lvl="1" marL="914400">
+            <a:lvl2pPr marL="914400" lvl="1" indent="-298450">
               <a:spcBef>
                 <a:spcPts val="1600"/>
               </a:spcBef>
@@ -8044,7 +8045,7 @@
               <a:buChar char="○"/>
               <a:defRPr/>
             </a:lvl2pPr>
-            <a:lvl3pPr indent="-298450" lvl="2" marL="1371600">
+            <a:lvl3pPr marL="1371600" lvl="2" indent="-298450">
               <a:spcBef>
                 <a:spcPts val="1600"/>
               </a:spcBef>
@@ -8055,7 +8056,7 @@
               <a:buChar char="■"/>
               <a:defRPr/>
             </a:lvl3pPr>
-            <a:lvl4pPr indent="-298450" lvl="3" marL="1828800">
+            <a:lvl4pPr marL="1828800" lvl="3" indent="-298450">
               <a:spcBef>
                 <a:spcPts val="1600"/>
               </a:spcBef>
@@ -8066,7 +8067,7 @@
               <a:buChar char="●"/>
               <a:defRPr/>
             </a:lvl4pPr>
-            <a:lvl5pPr indent="-298450" lvl="4" marL="2286000">
+            <a:lvl5pPr marL="2286000" lvl="4" indent="-298450">
               <a:spcBef>
                 <a:spcPts val="1600"/>
               </a:spcBef>
@@ -8077,7 +8078,7 @@
               <a:buChar char="○"/>
               <a:defRPr/>
             </a:lvl5pPr>
-            <a:lvl6pPr indent="-298450" lvl="5" marL="2743200">
+            <a:lvl6pPr marL="2743200" lvl="5" indent="-298450">
               <a:spcBef>
                 <a:spcPts val="1600"/>
               </a:spcBef>
@@ -8088,7 +8089,7 @@
               <a:buChar char="■"/>
               <a:defRPr/>
             </a:lvl6pPr>
-            <a:lvl7pPr indent="-298450" lvl="6" marL="3200400">
+            <a:lvl7pPr marL="3200400" lvl="6" indent="-298450">
               <a:spcBef>
                 <a:spcPts val="1600"/>
               </a:spcBef>
@@ -8099,7 +8100,7 @@
               <a:buChar char="●"/>
               <a:defRPr/>
             </a:lvl7pPr>
-            <a:lvl8pPr indent="-298450" lvl="7" marL="3657600">
+            <a:lvl8pPr marL="3657600" lvl="7" indent="-298450">
               <a:spcBef>
                 <a:spcPts val="1600"/>
               </a:spcBef>
@@ -8110,7 +8111,7 @@
               <a:buChar char="○"/>
               <a:defRPr/>
             </a:lvl8pPr>
-            <a:lvl9pPr indent="-298450" lvl="8" marL="4114800">
+            <a:lvl9pPr marL="4114800" lvl="8" indent="-298450">
               <a:spcBef>
                 <a:spcPts val="1600"/>
               </a:spcBef>
@@ -8122,15 +8123,19 @@
               <a:defRPr/>
             </a:lvl9pPr>
           </a:lstStyle>
-          <a:p/>
+          <a:p>
+            <a:endParaRPr/>
+          </a:p>
         </p:txBody>
       </p:sp>
       <p:sp>
         <p:nvSpPr>
           <p:cNvPr id="98" name="Google Shape;98;p9"/>
-          <p:cNvSpPr txBox="1"/>
+          <p:cNvSpPr txBox="1">
+            <a:spLocks noGrp="1"/>
+          </p:cNvSpPr>
           <p:nvPr>
-            <p:ph idx="12" type="sldNum"/>
+            <p:ph type="sldNum" idx="12"/>
           </p:nvPr>
         </p:nvSpPr>
         <p:spPr>
@@ -8143,7 +8148,7 @@
           </a:prstGeom>
         </p:spPr>
         <p:txBody>
-          <a:bodyPr anchorCtr="0" anchor="ctr" bIns="91425" lIns="91425" spcFirstLastPara="1" rIns="91425" wrap="square" tIns="91425">
+          <a:bodyPr spcFirstLastPara="1" wrap="square" lIns="91425" tIns="91425" rIns="91425" bIns="91425" anchor="ctr" anchorCtr="0">
             <a:noAutofit/>
           </a:bodyPr>
           <a:lstStyle>
@@ -8185,7 +8190,7 @@
             </a:lvl9pPr>
           </a:lstStyle>
           <a:p>
-            <a:pPr indent="0" lvl="0" marL="0" rtl="0" algn="r">
+            <a:pPr marL="0" lvl="0" indent="0" algn="r" rtl="0">
               <a:spcBef>
                 <a:spcPts val="0"/>
               </a:spcBef>
@@ -8211,11 +8216,11 @@
 </file>
 
 <file path=ppt/slideLayouts/slideLayout9.xml><?xml version="1.0" encoding="utf-8"?>
-<p:sldLayout xmlns:a="http://schemas.openxmlformats.org/drawingml/2006/main" xmlns:r="http://schemas.openxmlformats.org/officeDocument/2006/relationships" xmlns:mc="http://schemas.openxmlformats.org/markup-compatibility/2006" xmlns:mv="urn:schemas-microsoft-com:mac:vml" xmlns:p="http://schemas.openxmlformats.org/presentationml/2006/main" xmlns:c="http://schemas.openxmlformats.org/drawingml/2006/chart" xmlns:dgm="http://schemas.openxmlformats.org/drawingml/2006/diagram" xmlns:o="urn:schemas-microsoft-com:office:office" xmlns:v="urn:schemas-microsoft-com:vml" xmlns:pvml="urn:schemas-microsoft-com:office:powerpoint" xmlns:com="http://schemas.openxmlformats.org/drawingml/2006/compatibility" xmlns:p14="http://schemas.microsoft.com/office/powerpoint/2010/main" xmlns:p15="http://schemas.microsoft.com/office/powerpoint/2012/main" matchingName="Caption">
+<p:sldLayout xmlns:a="http://schemas.openxmlformats.org/drawingml/2006/main" xmlns:r="http://schemas.openxmlformats.org/officeDocument/2006/relationships" xmlns:p="http://schemas.openxmlformats.org/presentationml/2006/main" matchingName="Caption">
   <p:cSld name="CAPTION_ONLY">
     <p:spTree>
       <p:nvGrpSpPr>
-        <p:cNvPr id="99" name="Shape 99"/>
+        <p:cNvPr id="1" name="Shape 99"/>
         <p:cNvGrpSpPr/>
         <p:nvPr/>
       </p:nvGrpSpPr>
@@ -8254,7 +8259,7 @@
             </a:xfrm>
             <a:prstGeom prst="diagStripe">
               <a:avLst>
-                <a:gd fmla="val 50000" name="adj"/>
+                <a:gd name="adj" fmla="val 50000"/>
               </a:avLst>
             </a:prstGeom>
             <a:solidFill>
@@ -8267,12 +8272,12 @@
             </a:ln>
           </p:spPr>
           <p:txBody>
-            <a:bodyPr anchorCtr="0" anchor="ctr" bIns="91425" lIns="91425" spcFirstLastPara="1" rIns="91425" wrap="square" tIns="91425">
+            <a:bodyPr spcFirstLastPara="1" wrap="square" lIns="91425" tIns="91425" rIns="91425" bIns="91425" anchor="ctr" anchorCtr="0">
               <a:noAutofit/>
             </a:bodyPr>
             <a:lstStyle/>
             <a:p>
-              <a:pPr indent="0" lvl="0" marL="0" rtl="0" algn="l">
+              <a:pPr marL="0" lvl="0" indent="0" algn="l" rtl="0">
                 <a:spcBef>
                   <a:spcPts val="0"/>
                 </a:spcBef>
@@ -8281,9 +8286,6 @@
                 </a:spcAft>
                 <a:buNone/>
               </a:pPr>
-              <a:r>
-                <a:t/>
-              </a:r>
               <a:endParaRPr/>
             </a:p>
           </p:txBody>
@@ -8301,7 +8303,7 @@
             </a:xfrm>
             <a:prstGeom prst="diagStripe">
               <a:avLst>
-                <a:gd fmla="val 50000" name="adj"/>
+                <a:gd name="adj" fmla="val 50000"/>
               </a:avLst>
             </a:prstGeom>
             <a:solidFill>
@@ -8314,12 +8316,12 @@
             </a:ln>
           </p:spPr>
           <p:txBody>
-            <a:bodyPr anchorCtr="0" anchor="ctr" bIns="91425" lIns="91425" spcFirstLastPara="1" rIns="91425" wrap="square" tIns="91425">
+            <a:bodyPr spcFirstLastPara="1" wrap="square" lIns="91425" tIns="91425" rIns="91425" bIns="91425" anchor="ctr" anchorCtr="0">
               <a:noAutofit/>
             </a:bodyPr>
             <a:lstStyle/>
             <a:p>
-              <a:pPr indent="0" lvl="0" marL="0" rtl="0" algn="l">
+              <a:pPr marL="0" lvl="0" indent="0" algn="l" rtl="0">
                 <a:spcBef>
                   <a:spcPts val="0"/>
                 </a:spcBef>
@@ -8328,9 +8330,6 @@
                 </a:spcAft>
                 <a:buNone/>
               </a:pPr>
-              <a:r>
-                <a:t/>
-              </a:r>
               <a:endParaRPr/>
             </a:p>
           </p:txBody>
@@ -8339,9 +8338,11 @@
       <p:sp>
         <p:nvSpPr>
           <p:cNvPr id="103" name="Google Shape;103;p10"/>
-          <p:cNvSpPr txBox="1"/>
+          <p:cNvSpPr txBox="1">
+            <a:spLocks noGrp="1"/>
+          </p:cNvSpPr>
           <p:nvPr>
-            <p:ph idx="1" type="body"/>
+            <p:ph type="body" idx="1"/>
           </p:nvPr>
         </p:nvSpPr>
         <p:spPr>
@@ -8354,9 +8355,9 @@
           </a:prstGeom>
         </p:spPr>
         <p:txBody>
-          <a:bodyPr anchorCtr="0" anchor="ctr" bIns="91425" lIns="91425" spcFirstLastPara="1" rIns="91425" wrap="square" tIns="91425"/>
+          <a:bodyPr spcFirstLastPara="1" wrap="square" lIns="91425" tIns="91425" rIns="91425" bIns="91425" anchor="ctr" anchorCtr="0"/>
           <a:lstStyle>
-            <a:lvl1pPr indent="-228600" lvl="0" marL="457200">
+            <a:lvl1pPr marL="457200" lvl="0" indent="-228600">
               <a:lnSpc>
                 <a:spcPct val="100000"/>
               </a:lnSpc>
@@ -8371,15 +8372,19 @@
               <a:defRPr/>
             </a:lvl1pPr>
           </a:lstStyle>
-          <a:p/>
+          <a:p>
+            <a:endParaRPr/>
+          </a:p>
         </p:txBody>
       </p:sp>
       <p:sp>
         <p:nvSpPr>
           <p:cNvPr id="104" name="Google Shape;104;p10"/>
-          <p:cNvSpPr txBox="1"/>
+          <p:cNvSpPr txBox="1">
+            <a:spLocks noGrp="1"/>
+          </p:cNvSpPr>
           <p:nvPr>
-            <p:ph idx="12" type="sldNum"/>
+            <p:ph type="sldNum" idx="12"/>
           </p:nvPr>
         </p:nvSpPr>
         <p:spPr>
@@ -8392,7 +8397,7 @@
           </a:prstGeom>
         </p:spPr>
         <p:txBody>
-          <a:bodyPr anchorCtr="0" anchor="ctr" bIns="91425" lIns="91425" spcFirstLastPara="1" rIns="91425" wrap="square" tIns="91425">
+          <a:bodyPr spcFirstLastPara="1" wrap="square" lIns="91425" tIns="91425" rIns="91425" bIns="91425" anchor="ctr" anchorCtr="0">
             <a:noAutofit/>
           </a:bodyPr>
           <a:lstStyle>
@@ -8434,7 +8439,7 @@
             </a:lvl9pPr>
           </a:lstStyle>
           <a:p>
-            <a:pPr indent="0" lvl="0" marL="0" rtl="0" algn="r">
+            <a:pPr marL="0" lvl="0" indent="0" algn="r" rtl="0">
               <a:spcBef>
                 <a:spcPts val="0"/>
               </a:spcBef>
@@ -8460,18 +8465,19 @@
 </file>
 
 <file path=ppt/slideMasters/slideMaster1.xml><?xml version="1.0" encoding="utf-8"?>
-<p:sldMaster xmlns:a="http://schemas.openxmlformats.org/drawingml/2006/main" xmlns:r="http://schemas.openxmlformats.org/officeDocument/2006/relationships" xmlns:mc="http://schemas.openxmlformats.org/markup-compatibility/2006" xmlns:mv="urn:schemas-microsoft-com:mac:vml" xmlns:p="http://schemas.openxmlformats.org/presentationml/2006/main" xmlns:c="http://schemas.openxmlformats.org/drawingml/2006/chart" xmlns:dgm="http://schemas.openxmlformats.org/drawingml/2006/diagram" xmlns:o="urn:schemas-microsoft-com:office:office" xmlns:v="urn:schemas-microsoft-com:vml" xmlns:pvml="urn:schemas-microsoft-com:office:powerpoint" xmlns:com="http://schemas.openxmlformats.org/drawingml/2006/compatibility" xmlns:p14="http://schemas.microsoft.com/office/powerpoint/2010/main" xmlns:p15="http://schemas.microsoft.com/office/powerpoint/2012/main">
+<p:sldMaster xmlns:a="http://schemas.openxmlformats.org/drawingml/2006/main" xmlns:r="http://schemas.openxmlformats.org/officeDocument/2006/relationships" xmlns:p="http://schemas.openxmlformats.org/presentationml/2006/main">
   <p:cSld name="focus">
     <p:bg>
       <p:bgPr>
         <a:solidFill>
           <a:schemeClr val="dk1"/>
         </a:solidFill>
+        <a:effectLst/>
       </p:bgPr>
     </p:bg>
     <p:spTree>
       <p:nvGrpSpPr>
-        <p:cNvPr id="5" name="Shape 5"/>
+        <p:cNvPr id="1" name="Shape 5"/>
         <p:cNvGrpSpPr/>
         <p:nvPr/>
       </p:nvGrpSpPr>
@@ -8486,7 +8492,9 @@
       <p:sp>
         <p:nvSpPr>
           <p:cNvPr id="6" name="Google Shape;6;p1"/>
-          <p:cNvSpPr txBox="1"/>
+          <p:cNvSpPr txBox="1">
+            <a:spLocks noGrp="1"/>
+          </p:cNvSpPr>
           <p:nvPr>
             <p:ph type="title"/>
           </p:nvPr>
@@ -8505,7 +8513,7 @@
           </a:ln>
         </p:spPr>
         <p:txBody>
-          <a:bodyPr anchorCtr="0" anchor="t" bIns="91425" lIns="91425" spcFirstLastPara="1" rIns="91425" wrap="square" tIns="91425"/>
+          <a:bodyPr spcFirstLastPara="1" wrap="square" lIns="91425" tIns="91425" rIns="91425" bIns="91425" anchor="t" anchorCtr="0"/>
           <a:lstStyle>
             <a:lvl1pPr lvl="0">
               <a:spcBef>
@@ -8715,15 +8723,19 @@
               </a:defRPr>
             </a:lvl9pPr>
           </a:lstStyle>
-          <a:p/>
+          <a:p>
+            <a:endParaRPr/>
+          </a:p>
         </p:txBody>
       </p:sp>
       <p:sp>
         <p:nvSpPr>
           <p:cNvPr id="7" name="Google Shape;7;p1"/>
-          <p:cNvSpPr txBox="1"/>
+          <p:cNvSpPr txBox="1">
+            <a:spLocks noGrp="1"/>
+          </p:cNvSpPr>
           <p:nvPr>
-            <p:ph idx="1" type="body"/>
+            <p:ph type="body" idx="1"/>
           </p:nvPr>
         </p:nvSpPr>
         <p:spPr>
@@ -8740,9 +8752,9 @@
           </a:ln>
         </p:spPr>
         <p:txBody>
-          <a:bodyPr anchorCtr="0" anchor="t" bIns="91425" lIns="91425" spcFirstLastPara="1" rIns="91425" wrap="square" tIns="91425"/>
+          <a:bodyPr spcFirstLastPara="1" wrap="square" lIns="91425" tIns="91425" rIns="91425" bIns="91425" anchor="t" anchorCtr="0"/>
           <a:lstStyle>
-            <a:lvl1pPr indent="-311150" lvl="0" marL="457200">
+            <a:lvl1pPr marL="457200" lvl="0" indent="-311150">
               <a:lnSpc>
                 <a:spcPct val="115000"/>
               </a:lnSpc>
@@ -8768,7 +8780,7 @@
                 <a:sym typeface="Lato"/>
               </a:defRPr>
             </a:lvl1pPr>
-            <a:lvl2pPr indent="-298450" lvl="1" marL="914400">
+            <a:lvl2pPr marL="914400" lvl="1" indent="-298450">
               <a:lnSpc>
                 <a:spcPct val="115000"/>
               </a:lnSpc>
@@ -8794,7 +8806,7 @@
                 <a:sym typeface="Lato"/>
               </a:defRPr>
             </a:lvl2pPr>
-            <a:lvl3pPr indent="-298450" lvl="2" marL="1371600">
+            <a:lvl3pPr marL="1371600" lvl="2" indent="-298450">
               <a:lnSpc>
                 <a:spcPct val="115000"/>
               </a:lnSpc>
@@ -8820,7 +8832,7 @@
                 <a:sym typeface="Lato"/>
               </a:defRPr>
             </a:lvl3pPr>
-            <a:lvl4pPr indent="-298450" lvl="3" marL="1828800">
+            <a:lvl4pPr marL="1828800" lvl="3" indent="-298450">
               <a:lnSpc>
                 <a:spcPct val="115000"/>
               </a:lnSpc>
@@ -8846,7 +8858,7 @@
                 <a:sym typeface="Lato"/>
               </a:defRPr>
             </a:lvl4pPr>
-            <a:lvl5pPr indent="-298450" lvl="4" marL="2286000">
+            <a:lvl5pPr marL="2286000" lvl="4" indent="-298450">
               <a:lnSpc>
                 <a:spcPct val="115000"/>
               </a:lnSpc>
@@ -8872,7 +8884,7 @@
                 <a:sym typeface="Lato"/>
               </a:defRPr>
             </a:lvl5pPr>
-            <a:lvl6pPr indent="-298450" lvl="5" marL="2743200">
+            <a:lvl6pPr marL="2743200" lvl="5" indent="-298450">
               <a:lnSpc>
                 <a:spcPct val="115000"/>
               </a:lnSpc>
@@ -8898,7 +8910,7 @@
                 <a:sym typeface="Lato"/>
               </a:defRPr>
             </a:lvl6pPr>
-            <a:lvl7pPr indent="-298450" lvl="6" marL="3200400">
+            <a:lvl7pPr marL="3200400" lvl="6" indent="-298450">
               <a:lnSpc>
                 <a:spcPct val="115000"/>
               </a:lnSpc>
@@ -8924,7 +8936,7 @@
                 <a:sym typeface="Lato"/>
               </a:defRPr>
             </a:lvl7pPr>
-            <a:lvl8pPr indent="-298450" lvl="7" marL="3657600">
+            <a:lvl8pPr marL="3657600" lvl="7" indent="-298450">
               <a:lnSpc>
                 <a:spcPct val="115000"/>
               </a:lnSpc>
@@ -8950,7 +8962,7 @@
                 <a:sym typeface="Lato"/>
               </a:defRPr>
             </a:lvl8pPr>
-            <a:lvl9pPr indent="-298450" lvl="8" marL="4114800">
+            <a:lvl9pPr marL="4114800" lvl="8" indent="-298450">
               <a:lnSpc>
                 <a:spcPct val="115000"/>
               </a:lnSpc>
@@ -8977,15 +8989,19 @@
               </a:defRPr>
             </a:lvl9pPr>
           </a:lstStyle>
-          <a:p/>
+          <a:p>
+            <a:endParaRPr/>
+          </a:p>
         </p:txBody>
       </p:sp>
       <p:sp>
         <p:nvSpPr>
           <p:cNvPr id="8" name="Google Shape;8;p1"/>
-          <p:cNvSpPr txBox="1"/>
+          <p:cNvSpPr txBox="1">
+            <a:spLocks noGrp="1"/>
+          </p:cNvSpPr>
           <p:nvPr>
-            <p:ph idx="12" type="sldNum"/>
+            <p:ph type="sldNum" idx="12"/>
           </p:nvPr>
         </p:nvSpPr>
         <p:spPr>
@@ -9002,7 +9018,7 @@
           </a:ln>
         </p:spPr>
         <p:txBody>
-          <a:bodyPr anchorCtr="0" anchor="ctr" bIns="91425" lIns="91425" spcFirstLastPara="1" rIns="91425" wrap="square" tIns="91425">
+          <a:bodyPr spcFirstLastPara="1" wrap="square" lIns="91425" tIns="91425" rIns="91425" bIns="91425" anchor="ctr" anchorCtr="0">
             <a:noAutofit/>
           </a:bodyPr>
           <a:lstStyle>
@@ -9116,7 +9132,7 @@
             </a:lvl9pPr>
           </a:lstStyle>
           <a:p>
-            <a:pPr indent="0" lvl="0" marL="0" rtl="0" algn="r">
+            <a:pPr marL="0" lvl="0" indent="0" algn="r" rtl="0">
               <a:spcBef>
                 <a:spcPts val="0"/>
               </a:spcBef>
@@ -9135,7 +9151,7 @@
       </p:sp>
     </p:spTree>
   </p:cSld>
-  <p:clrMap accent1="accent1" accent2="accent2" accent3="accent3" accent4="accent4" accent5="accent5" accent6="accent6" bg1="lt1" bg2="dk2" tx1="dk1" tx2="lt2" folHlink="folHlink" hlink="hlink"/>
+  <p:clrMap bg1="lt1" tx1="dk1" bg2="dk2" tx2="lt2" accent1="accent1" accent2="accent2" accent3="accent3" accent4="accent4" accent5="accent5" accent6="accent6" hlink="hlink" folHlink="folHlink"/>
   <p:sldLayoutIdLst>
     <p:sldLayoutId id="2147483648" r:id="rId1"/>
     <p:sldLayoutId id="2147483649" r:id="rId2"/>
@@ -9149,10 +9165,10 @@
     <p:sldLayoutId id="2147483657" r:id="rId10"/>
     <p:sldLayoutId id="2147483658" r:id="rId11"/>
   </p:sldLayoutIdLst>
-  <p:hf dt="0" ftr="0" hdr="0" sldNum="0"/>
+  <p:hf sldNum="0" hdr="0" ftr="0" dt="0"/>
   <p:txStyles>
     <p:titleStyle>
-      <a:defPPr lvl="0" marR="0" rtl="0" algn="l">
+      <a:defPPr marR="0" lvl="0" algn="l" rtl="0">
         <a:lnSpc>
           <a:spcPct val="100000"/>
         </a:lnSpc>
@@ -9163,7 +9179,7 @@
           <a:spcPts val="0"/>
         </a:spcAft>
       </a:defPPr>
-      <a:lvl1pPr lvl="0" marR="0" rtl="0" algn="l">
+      <a:lvl1pPr marR="0" lvl="0" algn="l" rtl="0">
         <a:lnSpc>
           <a:spcPct val="100000"/>
         </a:lnSpc>
@@ -9177,7 +9193,7 @@
           <a:srgbClr val="000000"/>
         </a:buClr>
         <a:buFont typeface="Arial"/>
-        <a:defRPr b="0" i="0" sz="1400" u="none" cap="none" strike="noStrike">
+        <a:defRPr sz="1400" b="0" i="0" u="none" strike="noStrike" cap="none">
           <a:solidFill>
             <a:srgbClr val="000000"/>
           </a:solidFill>
@@ -9187,7 +9203,7 @@
           <a:sym typeface="Arial"/>
         </a:defRPr>
       </a:lvl1pPr>
-      <a:lvl2pPr lvl="1" marR="0" rtl="0" algn="l">
+      <a:lvl2pPr marR="0" lvl="1" algn="l" rtl="0">
         <a:lnSpc>
           <a:spcPct val="100000"/>
         </a:lnSpc>
@@ -9201,7 +9217,7 @@
           <a:srgbClr val="000000"/>
         </a:buClr>
         <a:buFont typeface="Arial"/>
-        <a:defRPr b="0" i="0" sz="1400" u="none" cap="none" strike="noStrike">
+        <a:defRPr sz="1400" b="0" i="0" u="none" strike="noStrike" cap="none">
           <a:solidFill>
             <a:srgbClr val="000000"/>
           </a:solidFill>
@@ -9211,7 +9227,7 @@
           <a:sym typeface="Arial"/>
         </a:defRPr>
       </a:lvl2pPr>
-      <a:lvl3pPr lvl="2" marR="0" rtl="0" algn="l">
+      <a:lvl3pPr marR="0" lvl="2" algn="l" rtl="0">
         <a:lnSpc>
           <a:spcPct val="100000"/>
         </a:lnSpc>
@@ -9225,7 +9241,7 @@
           <a:srgbClr val="000000"/>
         </a:buClr>
         <a:buFont typeface="Arial"/>
-        <a:defRPr b="0" i="0" sz="1400" u="none" cap="none" strike="noStrike">
+        <a:defRPr sz="1400" b="0" i="0" u="none" strike="noStrike" cap="none">
           <a:solidFill>
             <a:srgbClr val="000000"/>
           </a:solidFill>
@@ -9235,7 +9251,7 @@
           <a:sym typeface="Arial"/>
         </a:defRPr>
       </a:lvl3pPr>
-      <a:lvl4pPr lvl="3" marR="0" rtl="0" algn="l">
+      <a:lvl4pPr marR="0" lvl="3" algn="l" rtl="0">
         <a:lnSpc>
           <a:spcPct val="100000"/>
         </a:lnSpc>
@@ -9249,7 +9265,7 @@
           <a:srgbClr val="000000"/>
         </a:buClr>
         <a:buFont typeface="Arial"/>
-        <a:defRPr b="0" i="0" sz="1400" u="none" cap="none" strike="noStrike">
+        <a:defRPr sz="1400" b="0" i="0" u="none" strike="noStrike" cap="none">
           <a:solidFill>
             <a:srgbClr val="000000"/>
           </a:solidFill>
@@ -9259,7 +9275,7 @@
           <a:sym typeface="Arial"/>
         </a:defRPr>
       </a:lvl4pPr>
-      <a:lvl5pPr lvl="4" marR="0" rtl="0" algn="l">
+      <a:lvl5pPr marR="0" lvl="4" algn="l" rtl="0">
         <a:lnSpc>
           <a:spcPct val="100000"/>
         </a:lnSpc>
@@ -9273,7 +9289,7 @@
           <a:srgbClr val="000000"/>
         </a:buClr>
         <a:buFont typeface="Arial"/>
-        <a:defRPr b="0" i="0" sz="1400" u="none" cap="none" strike="noStrike">
+        <a:defRPr sz="1400" b="0" i="0" u="none" strike="noStrike" cap="none">
           <a:solidFill>
             <a:srgbClr val="000000"/>
           </a:solidFill>
@@ -9283,7 +9299,7 @@
           <a:sym typeface="Arial"/>
         </a:defRPr>
       </a:lvl5pPr>
-      <a:lvl6pPr lvl="5" marR="0" rtl="0" algn="l">
+      <a:lvl6pPr marR="0" lvl="5" algn="l" rtl="0">
         <a:lnSpc>
           <a:spcPct val="100000"/>
         </a:lnSpc>
@@ -9297,7 +9313,7 @@
           <a:srgbClr val="000000"/>
         </a:buClr>
         <a:buFont typeface="Arial"/>
-        <a:defRPr b="0" i="0" sz="1400" u="none" cap="none" strike="noStrike">
+        <a:defRPr sz="1400" b="0" i="0" u="none" strike="noStrike" cap="none">
           <a:solidFill>
             <a:srgbClr val="000000"/>
           </a:solidFill>
@@ -9307,7 +9323,7 @@
           <a:sym typeface="Arial"/>
         </a:defRPr>
       </a:lvl6pPr>
-      <a:lvl7pPr lvl="6" marR="0" rtl="0" algn="l">
+      <a:lvl7pPr marR="0" lvl="6" algn="l" rtl="0">
         <a:lnSpc>
           <a:spcPct val="100000"/>
         </a:lnSpc>
@@ -9321,7 +9337,7 @@
           <a:srgbClr val="000000"/>
         </a:buClr>
         <a:buFont typeface="Arial"/>
-        <a:defRPr b="0" i="0" sz="1400" u="none" cap="none" strike="noStrike">
+        <a:defRPr sz="1400" b="0" i="0" u="none" strike="noStrike" cap="none">
           <a:solidFill>
             <a:srgbClr val="000000"/>
           </a:solidFill>
@@ -9331,7 +9347,7 @@
           <a:sym typeface="Arial"/>
         </a:defRPr>
       </a:lvl7pPr>
-      <a:lvl8pPr lvl="7" marR="0" rtl="0" algn="l">
+      <a:lvl8pPr marR="0" lvl="7" algn="l" rtl="0">
         <a:lnSpc>
           <a:spcPct val="100000"/>
         </a:lnSpc>
@@ -9345,7 +9361,7 @@
           <a:srgbClr val="000000"/>
         </a:buClr>
         <a:buFont typeface="Arial"/>
-        <a:defRPr b="0" i="0" sz="1400" u="none" cap="none" strike="noStrike">
+        <a:defRPr sz="1400" b="0" i="0" u="none" strike="noStrike" cap="none">
           <a:solidFill>
             <a:srgbClr val="000000"/>
           </a:solidFill>
@@ -9355,7 +9371,7 @@
           <a:sym typeface="Arial"/>
         </a:defRPr>
       </a:lvl8pPr>
-      <a:lvl9pPr lvl="8" marR="0" rtl="0" algn="l">
+      <a:lvl9pPr marR="0" lvl="8" algn="l" rtl="0">
         <a:lnSpc>
           <a:spcPct val="100000"/>
         </a:lnSpc>
@@ -9369,7 +9385,7 @@
           <a:srgbClr val="000000"/>
         </a:buClr>
         <a:buFont typeface="Arial"/>
-        <a:defRPr b="0" i="0" sz="1400" u="none" cap="none" strike="noStrike">
+        <a:defRPr sz="1400" b="0" i="0" u="none" strike="noStrike" cap="none">
           <a:solidFill>
             <a:srgbClr val="000000"/>
           </a:solidFill>
@@ -9381,7 +9397,7 @@
       </a:lvl9pPr>
     </p:titleStyle>
     <p:bodyStyle>
-      <a:defPPr lvl="0" marR="0" rtl="0" algn="l">
+      <a:defPPr marR="0" lvl="0" algn="l" rtl="0">
         <a:lnSpc>
           <a:spcPct val="100000"/>
         </a:lnSpc>
@@ -9392,7 +9408,7 @@
           <a:spcPts val="0"/>
         </a:spcAft>
       </a:defPPr>
-      <a:lvl1pPr lvl="0" marR="0" rtl="0" algn="l">
+      <a:lvl1pPr marR="0" lvl="0" algn="l" rtl="0">
         <a:lnSpc>
           <a:spcPct val="100000"/>
         </a:lnSpc>
@@ -9406,7 +9422,7 @@
           <a:srgbClr val="000000"/>
         </a:buClr>
         <a:buFont typeface="Arial"/>
-        <a:defRPr b="0" i="0" sz="1400" u="none" cap="none" strike="noStrike">
+        <a:defRPr sz="1400" b="0" i="0" u="none" strike="noStrike" cap="none">
           <a:solidFill>
             <a:srgbClr val="000000"/>
           </a:solidFill>
@@ -9416,7 +9432,7 @@
           <a:sym typeface="Arial"/>
         </a:defRPr>
       </a:lvl1pPr>
-      <a:lvl2pPr lvl="1" marR="0" rtl="0" algn="l">
+      <a:lvl2pPr marR="0" lvl="1" algn="l" rtl="0">
         <a:lnSpc>
           <a:spcPct val="100000"/>
         </a:lnSpc>
@@ -9430,7 +9446,7 @@
           <a:srgbClr val="000000"/>
         </a:buClr>
         <a:buFont typeface="Arial"/>
-        <a:defRPr b="0" i="0" sz="1400" u="none" cap="none" strike="noStrike">
+        <a:defRPr sz="1400" b="0" i="0" u="none" strike="noStrike" cap="none">
           <a:solidFill>
             <a:srgbClr val="000000"/>
           </a:solidFill>
@@ -9440,7 +9456,7 @@
           <a:sym typeface="Arial"/>
         </a:defRPr>
       </a:lvl2pPr>
-      <a:lvl3pPr lvl="2" marR="0" rtl="0" algn="l">
+      <a:lvl3pPr marR="0" lvl="2" algn="l" rtl="0">
         <a:lnSpc>
           <a:spcPct val="100000"/>
         </a:lnSpc>
@@ -9454,7 +9470,7 @@
           <a:srgbClr val="000000"/>
         </a:buClr>
         <a:buFont typeface="Arial"/>
-        <a:defRPr b="0" i="0" sz="1400" u="none" cap="none" strike="noStrike">
+        <a:defRPr sz="1400" b="0" i="0" u="none" strike="noStrike" cap="none">
           <a:solidFill>
             <a:srgbClr val="000000"/>
           </a:solidFill>
@@ -9464,7 +9480,7 @@
           <a:sym typeface="Arial"/>
         </a:defRPr>
       </a:lvl3pPr>
-      <a:lvl4pPr lvl="3" marR="0" rtl="0" algn="l">
+      <a:lvl4pPr marR="0" lvl="3" algn="l" rtl="0">
         <a:lnSpc>
           <a:spcPct val="100000"/>
         </a:lnSpc>
@@ -9478,7 +9494,7 @@
           <a:srgbClr val="000000"/>
         </a:buClr>
         <a:buFont typeface="Arial"/>
-        <a:defRPr b="0" i="0" sz="1400" u="none" cap="none" strike="noStrike">
+        <a:defRPr sz="1400" b="0" i="0" u="none" strike="noStrike" cap="none">
           <a:solidFill>
             <a:srgbClr val="000000"/>
           </a:solidFill>
@@ -9488,7 +9504,7 @@
           <a:sym typeface="Arial"/>
         </a:defRPr>
       </a:lvl4pPr>
-      <a:lvl5pPr lvl="4" marR="0" rtl="0" algn="l">
+      <a:lvl5pPr marR="0" lvl="4" algn="l" rtl="0">
         <a:lnSpc>
           <a:spcPct val="100000"/>
         </a:lnSpc>
@@ -9502,7 +9518,7 @@
           <a:srgbClr val="000000"/>
         </a:buClr>
         <a:buFont typeface="Arial"/>
-        <a:defRPr b="0" i="0" sz="1400" u="none" cap="none" strike="noStrike">
+        <a:defRPr sz="1400" b="0" i="0" u="none" strike="noStrike" cap="none">
           <a:solidFill>
             <a:srgbClr val="000000"/>
           </a:solidFill>
@@ -9512,7 +9528,7 @@
           <a:sym typeface="Arial"/>
         </a:defRPr>
       </a:lvl5pPr>
-      <a:lvl6pPr lvl="5" marR="0" rtl="0" algn="l">
+      <a:lvl6pPr marR="0" lvl="5" algn="l" rtl="0">
         <a:lnSpc>
           <a:spcPct val="100000"/>
         </a:lnSpc>
@@ -9526,7 +9542,7 @@
           <a:srgbClr val="000000"/>
         </a:buClr>
         <a:buFont typeface="Arial"/>
-        <a:defRPr b="0" i="0" sz="1400" u="none" cap="none" strike="noStrike">
+        <a:defRPr sz="1400" b="0" i="0" u="none" strike="noStrike" cap="none">
           <a:solidFill>
             <a:srgbClr val="000000"/>
           </a:solidFill>
@@ -9536,7 +9552,7 @@
           <a:sym typeface="Arial"/>
         </a:defRPr>
       </a:lvl6pPr>
-      <a:lvl7pPr lvl="6" marR="0" rtl="0" algn="l">
+      <a:lvl7pPr marR="0" lvl="6" algn="l" rtl="0">
         <a:lnSpc>
           <a:spcPct val="100000"/>
         </a:lnSpc>
@@ -9550,7 +9566,7 @@
           <a:srgbClr val="000000"/>
         </a:buClr>
         <a:buFont typeface="Arial"/>
-        <a:defRPr b="0" i="0" sz="1400" u="none" cap="none" strike="noStrike">
+        <a:defRPr sz="1400" b="0" i="0" u="none" strike="noStrike" cap="none">
           <a:solidFill>
             <a:srgbClr val="000000"/>
           </a:solidFill>
@@ -9560,7 +9576,7 @@
           <a:sym typeface="Arial"/>
         </a:defRPr>
       </a:lvl7pPr>
-      <a:lvl8pPr lvl="7" marR="0" rtl="0" algn="l">
+      <a:lvl8pPr marR="0" lvl="7" algn="l" rtl="0">
         <a:lnSpc>
           <a:spcPct val="100000"/>
         </a:lnSpc>
@@ -9574,7 +9590,7 @@
           <a:srgbClr val="000000"/>
         </a:buClr>
         <a:buFont typeface="Arial"/>
-        <a:defRPr b="0" i="0" sz="1400" u="none" cap="none" strike="noStrike">
+        <a:defRPr sz="1400" b="0" i="0" u="none" strike="noStrike" cap="none">
           <a:solidFill>
             <a:srgbClr val="000000"/>
           </a:solidFill>
@@ -9584,7 +9600,7 @@
           <a:sym typeface="Arial"/>
         </a:defRPr>
       </a:lvl8pPr>
-      <a:lvl9pPr lvl="8" marR="0" rtl="0" algn="l">
+      <a:lvl9pPr marR="0" lvl="8" algn="l" rtl="0">
         <a:lnSpc>
           <a:spcPct val="100000"/>
         </a:lnSpc>
@@ -9598,7 +9614,7 @@
           <a:srgbClr val="000000"/>
         </a:buClr>
         <a:buFont typeface="Arial"/>
-        <a:defRPr b="0" i="0" sz="1400" u="none" cap="none" strike="noStrike">
+        <a:defRPr sz="1400" b="0" i="0" u="none" strike="noStrike" cap="none">
           <a:solidFill>
             <a:srgbClr val="000000"/>
           </a:solidFill>
@@ -9610,7 +9626,7 @@
       </a:lvl9pPr>
     </p:bodyStyle>
     <p:otherStyle>
-      <a:defPPr lvl="0" marR="0" rtl="0" algn="l">
+      <a:defPPr marR="0" lvl="0" algn="l" rtl="0">
         <a:lnSpc>
           <a:spcPct val="100000"/>
         </a:lnSpc>
@@ -9621,7 +9637,7 @@
           <a:spcPts val="0"/>
         </a:spcAft>
       </a:defPPr>
-      <a:lvl1pPr lvl="0" marR="0" rtl="0" algn="l">
+      <a:lvl1pPr marR="0" lvl="0" algn="l" rtl="0">
         <a:lnSpc>
           <a:spcPct val="100000"/>
         </a:lnSpc>
@@ -9635,7 +9651,7 @@
           <a:srgbClr val="000000"/>
         </a:buClr>
         <a:buFont typeface="Arial"/>
-        <a:defRPr b="0" i="0" sz="1400" u="none" cap="none" strike="noStrike">
+        <a:defRPr sz="1400" b="0" i="0" u="none" strike="noStrike" cap="none">
           <a:solidFill>
             <a:srgbClr val="000000"/>
           </a:solidFill>
@@ -9645,7 +9661,7 @@
           <a:sym typeface="Arial"/>
         </a:defRPr>
       </a:lvl1pPr>
-      <a:lvl2pPr lvl="1" marR="0" rtl="0" algn="l">
+      <a:lvl2pPr marR="0" lvl="1" algn="l" rtl="0">
         <a:lnSpc>
           <a:spcPct val="100000"/>
         </a:lnSpc>
@@ -9659,7 +9675,7 @@
           <a:srgbClr val="000000"/>
         </a:buClr>
         <a:buFont typeface="Arial"/>
-        <a:defRPr b="0" i="0" sz="1400" u="none" cap="none" strike="noStrike">
+        <a:defRPr sz="1400" b="0" i="0" u="none" strike="noStrike" cap="none">
           <a:solidFill>
             <a:srgbClr val="000000"/>
           </a:solidFill>
@@ -9669,7 +9685,7 @@
           <a:sym typeface="Arial"/>
         </a:defRPr>
       </a:lvl2pPr>
-      <a:lvl3pPr lvl="2" marR="0" rtl="0" algn="l">
+      <a:lvl3pPr marR="0" lvl="2" algn="l" rtl="0">
         <a:lnSpc>
           <a:spcPct val="100000"/>
         </a:lnSpc>
@@ -9683,7 +9699,7 @@
           <a:srgbClr val="000000"/>
         </a:buClr>
         <a:buFont typeface="Arial"/>
-        <a:defRPr b="0" i="0" sz="1400" u="none" cap="none" strike="noStrike">
+        <a:defRPr sz="1400" b="0" i="0" u="none" strike="noStrike" cap="none">
           <a:solidFill>
             <a:srgbClr val="000000"/>
           </a:solidFill>
@@ -9693,7 +9709,7 @@
           <a:sym typeface="Arial"/>
         </a:defRPr>
       </a:lvl3pPr>
-      <a:lvl4pPr lvl="3" marR="0" rtl="0" algn="l">
+      <a:lvl4pPr marR="0" lvl="3" algn="l" rtl="0">
         <a:lnSpc>
           <a:spcPct val="100000"/>
         </a:lnSpc>
@@ -9707,7 +9723,7 @@
           <a:srgbClr val="000000"/>
         </a:buClr>
         <a:buFont typeface="Arial"/>
-        <a:defRPr b="0" i="0" sz="1400" u="none" cap="none" strike="noStrike">
+        <a:defRPr sz="1400" b="0" i="0" u="none" strike="noStrike" cap="none">
           <a:solidFill>
             <a:srgbClr val="000000"/>
           </a:solidFill>
@@ -9717,7 +9733,7 @@
           <a:sym typeface="Arial"/>
         </a:defRPr>
       </a:lvl4pPr>
-      <a:lvl5pPr lvl="4" marR="0" rtl="0" algn="l">
+      <a:lvl5pPr marR="0" lvl="4" algn="l" rtl="0">
         <a:lnSpc>
           <a:spcPct val="100000"/>
         </a:lnSpc>
@@ -9731,7 +9747,7 @@
           <a:srgbClr val="000000"/>
         </a:buClr>
         <a:buFont typeface="Arial"/>
-        <a:defRPr b="0" i="0" sz="1400" u="none" cap="none" strike="noStrike">
+        <a:defRPr sz="1400" b="0" i="0" u="none" strike="noStrike" cap="none">
           <a:solidFill>
             <a:srgbClr val="000000"/>
           </a:solidFill>
@@ -9741,7 +9757,7 @@
           <a:sym typeface="Arial"/>
         </a:defRPr>
       </a:lvl5pPr>
-      <a:lvl6pPr lvl="5" marR="0" rtl="0" algn="l">
+      <a:lvl6pPr marR="0" lvl="5" algn="l" rtl="0">
         <a:lnSpc>
           <a:spcPct val="100000"/>
         </a:lnSpc>
@@ -9755,7 +9771,7 @@
           <a:srgbClr val="000000"/>
         </a:buClr>
         <a:buFont typeface="Arial"/>
-        <a:defRPr b="0" i="0" sz="1400" u="none" cap="none" strike="noStrike">
+        <a:defRPr sz="1400" b="0" i="0" u="none" strike="noStrike" cap="none">
           <a:solidFill>
             <a:srgbClr val="000000"/>
           </a:solidFill>
@@ -9765,7 +9781,7 @@
           <a:sym typeface="Arial"/>
         </a:defRPr>
       </a:lvl6pPr>
-      <a:lvl7pPr lvl="6" marR="0" rtl="0" algn="l">
+      <a:lvl7pPr marR="0" lvl="6" algn="l" rtl="0">
         <a:lnSpc>
           <a:spcPct val="100000"/>
         </a:lnSpc>
@@ -9779,7 +9795,7 @@
           <a:srgbClr val="000000"/>
         </a:buClr>
         <a:buFont typeface="Arial"/>
-        <a:defRPr b="0" i="0" sz="1400" u="none" cap="none" strike="noStrike">
+        <a:defRPr sz="1400" b="0" i="0" u="none" strike="noStrike" cap="none">
           <a:solidFill>
             <a:srgbClr val="000000"/>
           </a:solidFill>
@@ -9789,7 +9805,7 @@
           <a:sym typeface="Arial"/>
         </a:defRPr>
       </a:lvl7pPr>
-      <a:lvl8pPr lvl="7" marR="0" rtl="0" algn="l">
+      <a:lvl8pPr marR="0" lvl="7" algn="l" rtl="0">
         <a:lnSpc>
           <a:spcPct val="100000"/>
         </a:lnSpc>
@@ -9803,7 +9819,7 @@
           <a:srgbClr val="000000"/>
         </a:buClr>
         <a:buFont typeface="Arial"/>
-        <a:defRPr b="0" i="0" sz="1400" u="none" cap="none" strike="noStrike">
+        <a:defRPr sz="1400" b="0" i="0" u="none" strike="noStrike" cap="none">
           <a:solidFill>
             <a:srgbClr val="000000"/>
           </a:solidFill>
@@ -9813,7 +9829,7 @@
           <a:sym typeface="Arial"/>
         </a:defRPr>
       </a:lvl8pPr>
-      <a:lvl9pPr lvl="8" marR="0" rtl="0" algn="l">
+      <a:lvl9pPr marR="0" lvl="8" algn="l" rtl="0">
         <a:lnSpc>
           <a:spcPct val="100000"/>
         </a:lnSpc>
@@ -9827,7 +9843,7 @@
           <a:srgbClr val="000000"/>
         </a:buClr>
         <a:buFont typeface="Arial"/>
-        <a:defRPr b="0" i="0" sz="1400" u="none" cap="none" strike="noStrike">
+        <a:defRPr sz="1400" b="0" i="0" u="none" strike="noStrike" cap="none">
           <a:solidFill>
             <a:srgbClr val="000000"/>
           </a:solidFill>
@@ -9843,11 +9859,11 @@
 </file>
 
 <file path=ppt/slides/slide1.xml><?xml version="1.0" encoding="utf-8"?>
-<p:sld xmlns:a="http://schemas.openxmlformats.org/drawingml/2006/main" xmlns:r="http://schemas.openxmlformats.org/officeDocument/2006/relationships" xmlns:mc="http://schemas.openxmlformats.org/markup-compatibility/2006" xmlns:mv="urn:schemas-microsoft-com:mac:vml" xmlns:p="http://schemas.openxmlformats.org/presentationml/2006/main" xmlns:c="http://schemas.openxmlformats.org/drawingml/2006/chart" xmlns:dgm="http://schemas.openxmlformats.org/drawingml/2006/diagram" xmlns:o="urn:schemas-microsoft-com:office:office" xmlns:v="urn:schemas-microsoft-com:vml" xmlns:pvml="urn:schemas-microsoft-com:office:powerpoint" xmlns:com="http://schemas.openxmlformats.org/drawingml/2006/compatibility" xmlns:p14="http://schemas.microsoft.com/office/powerpoint/2010/main" xmlns:p15="http://schemas.microsoft.com/office/powerpoint/2012/main">
+<p:sld xmlns:a="http://schemas.openxmlformats.org/drawingml/2006/main" xmlns:r="http://schemas.openxmlformats.org/officeDocument/2006/relationships" xmlns:p="http://schemas.openxmlformats.org/presentationml/2006/main">
   <p:cSld>
     <p:spTree>
       <p:nvGrpSpPr>
-        <p:cNvPr id="133" name="Shape 133"/>
+        <p:cNvPr id="1" name="Shape 133"/>
         <p:cNvGrpSpPr/>
         <p:nvPr/>
       </p:nvGrpSpPr>
@@ -9862,7 +9878,9 @@
       <p:sp>
         <p:nvSpPr>
           <p:cNvPr id="134" name="Google Shape;134;p13"/>
-          <p:cNvSpPr txBox="1"/>
+          <p:cNvSpPr txBox="1">
+            <a:spLocks noGrp="1"/>
+          </p:cNvSpPr>
           <p:nvPr>
             <p:ph type="ctrTitle"/>
           </p:nvPr>
@@ -9877,12 +9895,12 @@
           </a:prstGeom>
         </p:spPr>
         <p:txBody>
-          <a:bodyPr anchorCtr="0" anchor="t" bIns="91425" lIns="91425" spcFirstLastPara="1" rIns="91425" wrap="square" tIns="91425">
+          <a:bodyPr spcFirstLastPara="1" wrap="square" lIns="91425" tIns="91425" rIns="91425" bIns="91425" anchor="t" anchorCtr="0">
             <a:noAutofit/>
           </a:bodyPr>
           <a:lstStyle/>
           <a:p>
-            <a:pPr indent="0" lvl="0" marL="0" rtl="0" algn="l">
+            <a:pPr marL="0" lvl="0" indent="0" algn="l" rtl="0">
               <a:spcBef>
                 <a:spcPts val="0"/>
               </a:spcBef>
@@ -9902,9 +9920,11 @@
       <p:sp>
         <p:nvSpPr>
           <p:cNvPr id="135" name="Google Shape;135;p13"/>
-          <p:cNvSpPr txBox="1"/>
+          <p:cNvSpPr txBox="1">
+            <a:spLocks noGrp="1"/>
+          </p:cNvSpPr>
           <p:nvPr>
-            <p:ph idx="1" type="subTitle"/>
+            <p:ph type="subTitle" idx="1"/>
           </p:nvPr>
         </p:nvSpPr>
         <p:spPr>
@@ -9917,12 +9937,12 @@
           </a:prstGeom>
         </p:spPr>
         <p:txBody>
-          <a:bodyPr anchorCtr="0" anchor="t" bIns="91425" lIns="91425" spcFirstLastPara="1" rIns="91425" wrap="square" tIns="91425">
+          <a:bodyPr spcFirstLastPara="1" wrap="square" lIns="91425" tIns="91425" rIns="91425" bIns="91425" anchor="t" anchorCtr="0">
             <a:noAutofit/>
           </a:bodyPr>
           <a:lstStyle/>
           <a:p>
-            <a:pPr indent="0" lvl="0" marL="0" rtl="0" algn="l">
+            <a:pPr marL="0" lvl="0" indent="0" algn="l" rtl="0">
               <a:spcBef>
                 <a:spcPts val="0"/>
               </a:spcBef>
@@ -9959,12 +9979,12 @@
           </a:ln>
         </p:spPr>
         <p:txBody>
-          <a:bodyPr anchorCtr="0" anchor="t" bIns="91425" lIns="91425" spcFirstLastPara="1" rIns="91425" wrap="square" tIns="91425">
+          <a:bodyPr spcFirstLastPara="1" wrap="square" lIns="91425" tIns="91425" rIns="91425" bIns="91425" anchor="t" anchorCtr="0">
             <a:noAutofit/>
           </a:bodyPr>
           <a:lstStyle/>
           <a:p>
-            <a:pPr indent="0" lvl="0" marL="0" rtl="0" algn="l">
+            <a:pPr marL="0" lvl="0" indent="0" algn="l" rtl="0">
               <a:spcBef>
                 <a:spcPts val="0"/>
               </a:spcBef>
@@ -9996,7 +10016,7 @@
             </a:endParaRPr>
           </a:p>
           <a:p>
-            <a:pPr indent="0" lvl="0" marL="0" rtl="0" algn="l">
+            <a:pPr marL="0" lvl="0" indent="0" algn="l" rtl="0">
               <a:spcBef>
                 <a:spcPts val="0"/>
               </a:spcBef>
@@ -10034,15 +10054,718 @@
   <p:clrMapOvr>
     <a:masterClrMapping/>
   </p:clrMapOvr>
+  <p:timing>
+    <p:tnLst>
+      <p:par>
+        <p:cTn id="1" dur="indefinite" restart="never" nodeType="tmRoot"/>
+      </p:par>
+    </p:tnLst>
+  </p:timing>
 </p:sld>
 </file>
 
 <file path=ppt/slides/slide10.xml><?xml version="1.0" encoding="utf-8"?>
-<p:sld xmlns:a="http://schemas.openxmlformats.org/drawingml/2006/main" xmlns:r="http://schemas.openxmlformats.org/officeDocument/2006/relationships" xmlns:mc="http://schemas.openxmlformats.org/markup-compatibility/2006" xmlns:mv="urn:schemas-microsoft-com:mac:vml" xmlns:p="http://schemas.openxmlformats.org/presentationml/2006/main" xmlns:c="http://schemas.openxmlformats.org/drawingml/2006/chart" xmlns:dgm="http://schemas.openxmlformats.org/drawingml/2006/diagram" xmlns:o="urn:schemas-microsoft-com:office:office" xmlns:v="urn:schemas-microsoft-com:vml" xmlns:pvml="urn:schemas-microsoft-com:office:powerpoint" xmlns:com="http://schemas.openxmlformats.org/drawingml/2006/compatibility" xmlns:p14="http://schemas.microsoft.com/office/powerpoint/2010/main" xmlns:p15="http://schemas.microsoft.com/office/powerpoint/2012/main">
+<p:sld xmlns:a="http://schemas.openxmlformats.org/drawingml/2006/main" xmlns:r="http://schemas.openxmlformats.org/officeDocument/2006/relationships" xmlns:p="http://schemas.openxmlformats.org/presentationml/2006/main">
   <p:cSld>
     <p:spTree>
       <p:nvGrpSpPr>
-        <p:cNvPr id="195" name="Shape 195"/>
+        <p:cNvPr id="1" name=""/>
+        <p:cNvGrpSpPr/>
+        <p:nvPr/>
+      </p:nvGrpSpPr>
+      <p:grpSpPr>
+        <a:xfrm>
+          <a:off x="0" y="0"/>
+          <a:ext cx="0" cy="0"/>
+          <a:chOff x="0" y="0"/>
+          <a:chExt cx="0" cy="0"/>
+        </a:xfrm>
+      </p:grpSpPr>
+      <p:sp>
+        <p:nvSpPr>
+          <p:cNvPr id="2" name="Title 1"/>
+          <p:cNvSpPr>
+            <a:spLocks noGrp="1"/>
+          </p:cNvSpPr>
+          <p:nvPr>
+            <p:ph type="title"/>
+          </p:nvPr>
+        </p:nvSpPr>
+        <p:spPr/>
+        <p:txBody>
+          <a:bodyPr/>
+          <a:lstStyle/>
+          <a:p>
+            <a:r>
+              <a:rPr lang="en-US" dirty="0" err="1" smtClean="0"/>
+              <a:t>GameController</a:t>
+            </a:r>
+            <a:r>
+              <a:rPr lang="en-US" dirty="0" smtClean="0"/>
+              <a:t> </a:t>
+            </a:r>
+            <a:r>
+              <a:rPr lang="bg-BG" dirty="0" smtClean="0"/>
+              <a:t>библиотеката</a:t>
+            </a:r>
+            <a:endParaRPr lang="en-US" dirty="0"/>
+          </a:p>
+        </p:txBody>
+      </p:sp>
+      <p:sp>
+        <p:nvSpPr>
+          <p:cNvPr id="3" name="Text Placeholder 2"/>
+          <p:cNvSpPr>
+            <a:spLocks noGrp="1"/>
+          </p:cNvSpPr>
+          <p:nvPr>
+            <p:ph type="body" idx="1"/>
+          </p:nvPr>
+        </p:nvSpPr>
+        <p:spPr/>
+        <p:txBody>
+          <a:bodyPr/>
+          <a:lstStyle/>
+          <a:p>
+            <a:endParaRPr lang="en-US" dirty="0"/>
+          </a:p>
+        </p:txBody>
+      </p:sp>
+      <p:pic>
+        <p:nvPicPr>
+          <p:cNvPr id="4" name="Picture 3"/>
+          <p:cNvPicPr/>
+          <p:nvPr/>
+        </p:nvPicPr>
+        <p:blipFill>
+          <a:blip r:embed="rId2">
+            <a:extLst>
+              <a:ext uri="{28A0092B-C50C-407E-A947-70E740481C1C}">
+                <a14:useLocalDpi xmlns:a14="http://schemas.microsoft.com/office/drawing/2010/main" val="0"/>
+              </a:ext>
+            </a:extLst>
+          </a:blip>
+          <a:stretch>
+            <a:fillRect/>
+          </a:stretch>
+        </p:blipFill>
+        <p:spPr>
+          <a:xfrm>
+            <a:off x="2447566" y="1113780"/>
+            <a:ext cx="4269492" cy="3839867"/>
+          </a:xfrm>
+          <a:prstGeom prst="rect">
+            <a:avLst/>
+          </a:prstGeom>
+        </p:spPr>
+      </p:pic>
+    </p:spTree>
+    <p:extLst>
+      <p:ext uri="{BB962C8B-B14F-4D97-AF65-F5344CB8AC3E}">
+        <p14:creationId xmlns:p14="http://schemas.microsoft.com/office/powerpoint/2010/main" val="1696586160"/>
+      </p:ext>
+    </p:extLst>
+  </p:cSld>
+  <p:clrMapOvr>
+    <a:masterClrMapping/>
+  </p:clrMapOvr>
+  <p:timing>
+    <p:tnLst>
+      <p:par>
+        <p:cTn id="1" dur="indefinite" restart="never" nodeType="tmRoot"/>
+      </p:par>
+    </p:tnLst>
+  </p:timing>
+</p:sld>
+</file>
+
+<file path=ppt/slides/slide11.xml><?xml version="1.0" encoding="utf-8"?>
+<p:sld xmlns:a="http://schemas.openxmlformats.org/drawingml/2006/main" xmlns:r="http://schemas.openxmlformats.org/officeDocument/2006/relationships" xmlns:p="http://schemas.openxmlformats.org/presentationml/2006/main">
+  <p:cSld>
+    <p:spTree>
+      <p:nvGrpSpPr>
+        <p:cNvPr id="1" name=""/>
+        <p:cNvGrpSpPr/>
+        <p:nvPr/>
+      </p:nvGrpSpPr>
+      <p:grpSpPr>
+        <a:xfrm>
+          <a:off x="0" y="0"/>
+          <a:ext cx="0" cy="0"/>
+          <a:chOff x="0" y="0"/>
+          <a:chExt cx="0" cy="0"/>
+        </a:xfrm>
+      </p:grpSpPr>
+      <p:sp>
+        <p:nvSpPr>
+          <p:cNvPr id="2" name="Title 1"/>
+          <p:cNvSpPr>
+            <a:spLocks noGrp="1"/>
+          </p:cNvSpPr>
+          <p:nvPr>
+            <p:ph type="title"/>
+          </p:nvPr>
+        </p:nvSpPr>
+        <p:spPr>
+          <a:xfrm>
+            <a:off x="1297500" y="428126"/>
+            <a:ext cx="7038900" cy="914100"/>
+          </a:xfrm>
+        </p:spPr>
+        <p:txBody>
+          <a:bodyPr/>
+          <a:lstStyle/>
+          <a:p>
+            <a:r>
+              <a:rPr lang="en-US" dirty="0" smtClean="0"/>
+              <a:t>Menu </a:t>
+            </a:r>
+            <a:r>
+              <a:rPr lang="bg-BG" dirty="0" smtClean="0"/>
+              <a:t>библиотеката</a:t>
+            </a:r>
+            <a:endParaRPr lang="en-US" dirty="0"/>
+          </a:p>
+        </p:txBody>
+      </p:sp>
+      <p:sp>
+        <p:nvSpPr>
+          <p:cNvPr id="3" name="Text Placeholder 2"/>
+          <p:cNvSpPr>
+            <a:spLocks noGrp="1"/>
+          </p:cNvSpPr>
+          <p:nvPr>
+            <p:ph type="body" idx="1"/>
+          </p:nvPr>
+        </p:nvSpPr>
+        <p:spPr/>
+        <p:txBody>
+          <a:bodyPr/>
+          <a:lstStyle/>
+          <a:p>
+            <a:endParaRPr lang="en-US" dirty="0"/>
+          </a:p>
+        </p:txBody>
+      </p:sp>
+      <p:pic>
+        <p:nvPicPr>
+          <p:cNvPr id="4" name="Picture 3"/>
+          <p:cNvPicPr/>
+          <p:nvPr/>
+        </p:nvPicPr>
+        <p:blipFill>
+          <a:blip r:embed="rId2">
+            <a:extLst>
+              <a:ext uri="{28A0092B-C50C-407E-A947-70E740481C1C}">
+                <a14:useLocalDpi xmlns:a14="http://schemas.microsoft.com/office/drawing/2010/main" val="0"/>
+              </a:ext>
+            </a:extLst>
+          </a:blip>
+          <a:stretch>
+            <a:fillRect/>
+          </a:stretch>
+        </p:blipFill>
+        <p:spPr>
+          <a:xfrm>
+            <a:off x="1297500" y="1285660"/>
+            <a:ext cx="7019669" cy="3608529"/>
+          </a:xfrm>
+          <a:prstGeom prst="rect">
+            <a:avLst/>
+          </a:prstGeom>
+        </p:spPr>
+      </p:pic>
+    </p:spTree>
+    <p:extLst>
+      <p:ext uri="{BB962C8B-B14F-4D97-AF65-F5344CB8AC3E}">
+        <p14:creationId xmlns:p14="http://schemas.microsoft.com/office/powerpoint/2010/main" val="2701834358"/>
+      </p:ext>
+    </p:extLst>
+  </p:cSld>
+  <p:clrMapOvr>
+    <a:masterClrMapping/>
+  </p:clrMapOvr>
+  <p:timing>
+    <p:tnLst>
+      <p:par>
+        <p:cTn id="1" dur="indefinite" restart="never" nodeType="tmRoot"/>
+      </p:par>
+    </p:tnLst>
+  </p:timing>
+</p:sld>
+</file>
+
+<file path=ppt/slides/slide12.xml><?xml version="1.0" encoding="utf-8"?>
+<p:sld xmlns:a="http://schemas.openxmlformats.org/drawingml/2006/main" xmlns:r="http://schemas.openxmlformats.org/officeDocument/2006/relationships" xmlns:p="http://schemas.openxmlformats.org/presentationml/2006/main">
+  <p:cSld>
+    <p:spTree>
+      <p:nvGrpSpPr>
+        <p:cNvPr id="1" name=""/>
+        <p:cNvGrpSpPr/>
+        <p:nvPr/>
+      </p:nvGrpSpPr>
+      <p:grpSpPr>
+        <a:xfrm>
+          <a:off x="0" y="0"/>
+          <a:ext cx="0" cy="0"/>
+          <a:chOff x="0" y="0"/>
+          <a:chExt cx="0" cy="0"/>
+        </a:xfrm>
+      </p:grpSpPr>
+      <p:sp>
+        <p:nvSpPr>
+          <p:cNvPr id="2" name="Title 1"/>
+          <p:cNvSpPr>
+            <a:spLocks noGrp="1"/>
+          </p:cNvSpPr>
+          <p:nvPr>
+            <p:ph type="title"/>
+          </p:nvPr>
+        </p:nvSpPr>
+        <p:spPr/>
+        <p:txBody>
+          <a:bodyPr/>
+          <a:lstStyle/>
+          <a:p>
+            <a:r>
+              <a:rPr lang="en-US" dirty="0" err="1" smtClean="0"/>
+              <a:t>YourOwnGameEngine</a:t>
+            </a:r>
+            <a:r>
+              <a:rPr lang="en-US" dirty="0" smtClean="0"/>
+              <a:t> </a:t>
+            </a:r>
+            <a:r>
+              <a:rPr lang="bg-BG" dirty="0" smtClean="0"/>
+              <a:t>библиотеката</a:t>
+            </a:r>
+            <a:endParaRPr lang="en-US" dirty="0"/>
+          </a:p>
+        </p:txBody>
+      </p:sp>
+      <p:sp>
+        <p:nvSpPr>
+          <p:cNvPr id="3" name="Text Placeholder 2"/>
+          <p:cNvSpPr>
+            <a:spLocks noGrp="1"/>
+          </p:cNvSpPr>
+          <p:nvPr>
+            <p:ph type="body" idx="1"/>
+          </p:nvPr>
+        </p:nvSpPr>
+        <p:spPr/>
+        <p:txBody>
+          <a:bodyPr/>
+          <a:lstStyle/>
+          <a:p>
+            <a:endParaRPr lang="en-US" dirty="0"/>
+          </a:p>
+        </p:txBody>
+      </p:sp>
+      <p:pic>
+        <p:nvPicPr>
+          <p:cNvPr id="4" name="Picture 3"/>
+          <p:cNvPicPr/>
+          <p:nvPr/>
+        </p:nvPicPr>
+        <p:blipFill>
+          <a:blip r:embed="rId2">
+            <a:extLst>
+              <a:ext uri="{28A0092B-C50C-407E-A947-70E740481C1C}">
+                <a14:useLocalDpi xmlns:a14="http://schemas.microsoft.com/office/drawing/2010/main" val="0"/>
+              </a:ext>
+            </a:extLst>
+          </a:blip>
+          <a:stretch>
+            <a:fillRect/>
+          </a:stretch>
+        </p:blipFill>
+        <p:spPr>
+          <a:xfrm>
+            <a:off x="2193184" y="845648"/>
+            <a:ext cx="4207617" cy="4099716"/>
+          </a:xfrm>
+          <a:prstGeom prst="rect">
+            <a:avLst/>
+          </a:prstGeom>
+        </p:spPr>
+      </p:pic>
+    </p:spTree>
+    <p:extLst>
+      <p:ext uri="{BB962C8B-B14F-4D97-AF65-F5344CB8AC3E}">
+        <p14:creationId xmlns:p14="http://schemas.microsoft.com/office/powerpoint/2010/main" val="4084008767"/>
+      </p:ext>
+    </p:extLst>
+  </p:cSld>
+  <p:clrMapOvr>
+    <a:masterClrMapping/>
+  </p:clrMapOvr>
+  <p:timing>
+    <p:tnLst>
+      <p:par>
+        <p:cTn id="1" dur="indefinite" restart="never" nodeType="tmRoot"/>
+      </p:par>
+    </p:tnLst>
+  </p:timing>
+</p:sld>
+</file>
+
+<file path=ppt/slides/slide13.xml><?xml version="1.0" encoding="utf-8"?>
+<p:sld xmlns:a="http://schemas.openxmlformats.org/drawingml/2006/main" xmlns:r="http://schemas.openxmlformats.org/officeDocument/2006/relationships" xmlns:p="http://schemas.openxmlformats.org/presentationml/2006/main">
+  <p:cSld>
+    <p:spTree>
+      <p:nvGrpSpPr>
+        <p:cNvPr id="1" name=""/>
+        <p:cNvGrpSpPr/>
+        <p:nvPr/>
+      </p:nvGrpSpPr>
+      <p:grpSpPr>
+        <a:xfrm>
+          <a:off x="0" y="0"/>
+          <a:ext cx="0" cy="0"/>
+          <a:chOff x="0" y="0"/>
+          <a:chExt cx="0" cy="0"/>
+        </a:xfrm>
+      </p:grpSpPr>
+      <p:sp>
+        <p:nvSpPr>
+          <p:cNvPr id="2" name="Title 1"/>
+          <p:cNvSpPr>
+            <a:spLocks noGrp="1"/>
+          </p:cNvSpPr>
+          <p:nvPr>
+            <p:ph type="title"/>
+          </p:nvPr>
+        </p:nvSpPr>
+        <p:spPr/>
+        <p:txBody>
+          <a:bodyPr/>
+          <a:lstStyle/>
+          <a:p>
+            <a:r>
+              <a:rPr lang="en-US" dirty="0" err="1" smtClean="0"/>
+              <a:t>DinosaurGame</a:t>
+            </a:r>
+            <a:r>
+              <a:rPr lang="en-US" dirty="0" smtClean="0"/>
+              <a:t> </a:t>
+            </a:r>
+            <a:endParaRPr lang="en-US" dirty="0"/>
+          </a:p>
+        </p:txBody>
+      </p:sp>
+      <p:sp>
+        <p:nvSpPr>
+          <p:cNvPr id="3" name="Text Placeholder 2"/>
+          <p:cNvSpPr>
+            <a:spLocks noGrp="1"/>
+          </p:cNvSpPr>
+          <p:nvPr>
+            <p:ph type="body" idx="1"/>
+          </p:nvPr>
+        </p:nvSpPr>
+        <p:spPr/>
+        <p:txBody>
+          <a:bodyPr/>
+          <a:lstStyle/>
+          <a:p>
+            <a:endParaRPr lang="en-US" dirty="0"/>
+          </a:p>
+        </p:txBody>
+      </p:sp>
+      <p:pic>
+        <p:nvPicPr>
+          <p:cNvPr id="4" name="Picture 3"/>
+          <p:cNvPicPr/>
+          <p:nvPr/>
+        </p:nvPicPr>
+        <p:blipFill>
+          <a:blip r:embed="rId2">
+            <a:extLst>
+              <a:ext uri="{28A0092B-C50C-407E-A947-70E740481C1C}">
+                <a14:useLocalDpi xmlns:a14="http://schemas.microsoft.com/office/drawing/2010/main" val="0"/>
+              </a:ext>
+            </a:extLst>
+          </a:blip>
+          <a:stretch>
+            <a:fillRect/>
+          </a:stretch>
+        </p:blipFill>
+        <p:spPr>
+          <a:xfrm>
+            <a:off x="1533166" y="1417853"/>
+            <a:ext cx="6237515" cy="3567415"/>
+          </a:xfrm>
+          <a:prstGeom prst="rect">
+            <a:avLst/>
+          </a:prstGeom>
+        </p:spPr>
+      </p:pic>
+    </p:spTree>
+    <p:extLst>
+      <p:ext uri="{BB962C8B-B14F-4D97-AF65-F5344CB8AC3E}">
+        <p14:creationId xmlns:p14="http://schemas.microsoft.com/office/powerpoint/2010/main" val="1931656285"/>
+      </p:ext>
+    </p:extLst>
+  </p:cSld>
+  <p:clrMapOvr>
+    <a:masterClrMapping/>
+  </p:clrMapOvr>
+  <p:timing>
+    <p:tnLst>
+      <p:par>
+        <p:cTn id="1" dur="indefinite" restart="never" nodeType="tmRoot"/>
+      </p:par>
+    </p:tnLst>
+  </p:timing>
+</p:sld>
+</file>
+
+<file path=ppt/slides/slide14.xml><?xml version="1.0" encoding="utf-8"?>
+<p:sld xmlns:a="http://schemas.openxmlformats.org/drawingml/2006/main" xmlns:r="http://schemas.openxmlformats.org/officeDocument/2006/relationships" xmlns:p="http://schemas.openxmlformats.org/presentationml/2006/main">
+  <p:cSld>
+    <p:spTree>
+      <p:nvGrpSpPr>
+        <p:cNvPr id="1" name=""/>
+        <p:cNvGrpSpPr/>
+        <p:nvPr/>
+      </p:nvGrpSpPr>
+      <p:grpSpPr>
+        <a:xfrm>
+          <a:off x="0" y="0"/>
+          <a:ext cx="0" cy="0"/>
+          <a:chOff x="0" y="0"/>
+          <a:chExt cx="0" cy="0"/>
+        </a:xfrm>
+      </p:grpSpPr>
+      <p:sp>
+        <p:nvSpPr>
+          <p:cNvPr id="2" name="Title 1"/>
+          <p:cNvSpPr>
+            <a:spLocks noGrp="1"/>
+          </p:cNvSpPr>
+          <p:nvPr>
+            <p:ph type="title"/>
+          </p:nvPr>
+        </p:nvSpPr>
+        <p:spPr/>
+        <p:txBody>
+          <a:bodyPr/>
+          <a:lstStyle/>
+          <a:p>
+            <a:r>
+              <a:rPr lang="en-US" dirty="0" err="1" smtClean="0"/>
+              <a:t>BullsAndCowsGame</a:t>
+            </a:r>
+            <a:endParaRPr lang="en-US" dirty="0"/>
+          </a:p>
+        </p:txBody>
+      </p:sp>
+      <p:sp>
+        <p:nvSpPr>
+          <p:cNvPr id="3" name="Text Placeholder 2"/>
+          <p:cNvSpPr>
+            <a:spLocks noGrp="1"/>
+          </p:cNvSpPr>
+          <p:nvPr>
+            <p:ph type="body" idx="1"/>
+          </p:nvPr>
+        </p:nvSpPr>
+        <p:spPr/>
+        <p:txBody>
+          <a:bodyPr/>
+          <a:lstStyle/>
+          <a:p>
+            <a:endParaRPr lang="en-US" dirty="0"/>
+          </a:p>
+        </p:txBody>
+      </p:sp>
+      <p:pic>
+        <p:nvPicPr>
+          <p:cNvPr id="4" name="Picture 3"/>
+          <p:cNvPicPr/>
+          <p:nvPr/>
+        </p:nvPicPr>
+        <p:blipFill>
+          <a:blip r:embed="rId2">
+            <a:extLst>
+              <a:ext uri="{28A0092B-C50C-407E-A947-70E740481C1C}">
+                <a14:useLocalDpi xmlns:a14="http://schemas.microsoft.com/office/drawing/2010/main" val="0"/>
+              </a:ext>
+            </a:extLst>
+          </a:blip>
+          <a:stretch>
+            <a:fillRect/>
+          </a:stretch>
+        </p:blipFill>
+        <p:spPr>
+          <a:xfrm>
+            <a:off x="934934" y="1478173"/>
+            <a:ext cx="7401466" cy="3303378"/>
+          </a:xfrm>
+          <a:prstGeom prst="rect">
+            <a:avLst/>
+          </a:prstGeom>
+        </p:spPr>
+      </p:pic>
+    </p:spTree>
+    <p:extLst>
+      <p:ext uri="{BB962C8B-B14F-4D97-AF65-F5344CB8AC3E}">
+        <p14:creationId xmlns:p14="http://schemas.microsoft.com/office/powerpoint/2010/main" val="2883511754"/>
+      </p:ext>
+    </p:extLst>
+  </p:cSld>
+  <p:clrMapOvr>
+    <a:masterClrMapping/>
+  </p:clrMapOvr>
+  <p:timing>
+    <p:tnLst>
+      <p:par>
+        <p:cTn id="1" dur="indefinite" restart="never" nodeType="tmRoot"/>
+      </p:par>
+    </p:tnLst>
+  </p:timing>
+</p:sld>
+</file>
+
+<file path=ppt/slides/slide15.xml><?xml version="1.0" encoding="utf-8"?>
+<p:sld xmlns:a="http://schemas.openxmlformats.org/drawingml/2006/main" xmlns:r="http://schemas.openxmlformats.org/officeDocument/2006/relationships" xmlns:p="http://schemas.openxmlformats.org/presentationml/2006/main">
+  <p:cSld>
+    <p:spTree>
+      <p:nvGrpSpPr>
+        <p:cNvPr id="1" name="Shape 189"/>
+        <p:cNvGrpSpPr/>
+        <p:nvPr/>
+      </p:nvGrpSpPr>
+      <p:grpSpPr>
+        <a:xfrm>
+          <a:off x="0" y="0"/>
+          <a:ext cx="0" cy="0"/>
+          <a:chOff x="0" y="0"/>
+          <a:chExt cx="0" cy="0"/>
+        </a:xfrm>
+      </p:grpSpPr>
+      <p:sp>
+        <p:nvSpPr>
+          <p:cNvPr id="190" name="Google Shape;190;p21"/>
+          <p:cNvSpPr txBox="1">
+            <a:spLocks noGrp="1"/>
+          </p:cNvSpPr>
+          <p:nvPr>
+            <p:ph type="title"/>
+          </p:nvPr>
+        </p:nvSpPr>
+        <p:spPr>
+          <a:xfrm>
+            <a:off x="1297500" y="393750"/>
+            <a:ext cx="7038900" cy="914100"/>
+          </a:xfrm>
+          <a:prstGeom prst="rect">
+            <a:avLst/>
+          </a:prstGeom>
+        </p:spPr>
+        <p:txBody>
+          <a:bodyPr spcFirstLastPara="1" wrap="square" lIns="91425" tIns="91425" rIns="91425" bIns="91425" anchor="t" anchorCtr="0">
+            <a:noAutofit/>
+          </a:bodyPr>
+          <a:lstStyle/>
+          <a:p>
+            <a:pPr marL="0" lvl="0" indent="0" algn="l" rtl="0">
+              <a:spcBef>
+                <a:spcPts val="0"/>
+              </a:spcBef>
+              <a:spcAft>
+                <a:spcPts val="0"/>
+              </a:spcAft>
+              <a:buNone/>
+            </a:pPr>
+            <a:r>
+              <a:rPr lang="en"/>
+              <a:t>Бъдещи възможни подобрения</a:t>
+            </a:r>
+            <a:endParaRPr/>
+          </a:p>
+        </p:txBody>
+      </p:sp>
+      <p:sp>
+        <p:nvSpPr>
+          <p:cNvPr id="191" name="Google Shape;191;p21"/>
+          <p:cNvSpPr txBox="1">
+            <a:spLocks noGrp="1"/>
+          </p:cNvSpPr>
+          <p:nvPr>
+            <p:ph type="body" idx="1"/>
+          </p:nvPr>
+        </p:nvSpPr>
+        <p:spPr>
+          <a:xfrm>
+            <a:off x="1297500" y="1567550"/>
+            <a:ext cx="7038900" cy="2911200"/>
+          </a:xfrm>
+          <a:prstGeom prst="rect">
+            <a:avLst/>
+          </a:prstGeom>
+        </p:spPr>
+        <p:txBody>
+          <a:bodyPr spcFirstLastPara="1" wrap="square" lIns="91425" tIns="91425" rIns="91425" bIns="91425" anchor="t" anchorCtr="0">
+            <a:noAutofit/>
+          </a:bodyPr>
+          <a:lstStyle/>
+          <a:p>
+            <a:pPr marL="0" lvl="0" indent="0" algn="l" rtl="0">
+              <a:spcBef>
+                <a:spcPts val="0"/>
+              </a:spcBef>
+              <a:spcAft>
+                <a:spcPts val="0"/>
+              </a:spcAft>
+              <a:buNone/>
+            </a:pPr>
+            <a:r>
+              <a:rPr lang="en" sz="1400"/>
+              <a:t>Смяна на екрана с по-голям</a:t>
+            </a:r>
+            <a:endParaRPr sz="1400"/>
+          </a:p>
+          <a:p>
+            <a:pPr marL="0" lvl="0" indent="0" algn="l" rtl="0">
+              <a:spcBef>
+                <a:spcPts val="1600"/>
+              </a:spcBef>
+              <a:spcAft>
+                <a:spcPts val="1600"/>
+              </a:spcAft>
+              <a:buNone/>
+            </a:pPr>
+            <a:r>
+              <a:rPr lang="en" sz="1400"/>
+              <a:t>Добавянето на още игри, за които трябва по-голям екран (игри от сорта на Flappy Bird и Snake) </a:t>
+            </a:r>
+            <a:endParaRPr sz="1400"/>
+          </a:p>
+        </p:txBody>
+      </p:sp>
+    </p:spTree>
+  </p:cSld>
+  <p:clrMapOvr>
+    <a:masterClrMapping/>
+  </p:clrMapOvr>
+  <p:timing>
+    <p:tnLst>
+      <p:par>
+        <p:cTn id="1" dur="indefinite" restart="never" nodeType="tmRoot"/>
+      </p:par>
+    </p:tnLst>
+  </p:timing>
+</p:sld>
+</file>
+
+<file path=ppt/slides/slide16.xml><?xml version="1.0" encoding="utf-8"?>
+<p:sld xmlns:a="http://schemas.openxmlformats.org/drawingml/2006/main" xmlns:r="http://schemas.openxmlformats.org/officeDocument/2006/relationships" xmlns:p="http://schemas.openxmlformats.org/presentationml/2006/main">
+  <p:cSld>
+    <p:spTree>
+      <p:nvGrpSpPr>
+        <p:cNvPr id="1" name="Shape 195"/>
         <p:cNvGrpSpPr/>
         <p:nvPr/>
       </p:nvGrpSpPr>
@@ -10057,7 +10780,9 @@
       <p:sp>
         <p:nvSpPr>
           <p:cNvPr id="196" name="Google Shape;196;p22"/>
-          <p:cNvSpPr txBox="1"/>
+          <p:cNvSpPr txBox="1">
+            <a:spLocks noGrp="1"/>
+          </p:cNvSpPr>
           <p:nvPr>
             <p:ph type="title"/>
           </p:nvPr>
@@ -10072,12 +10797,12 @@
           </a:prstGeom>
         </p:spPr>
         <p:txBody>
-          <a:bodyPr anchorCtr="0" anchor="t" bIns="91425" lIns="91425" spcFirstLastPara="1" rIns="91425" wrap="square" tIns="91425">
+          <a:bodyPr spcFirstLastPara="1" wrap="square" lIns="91425" tIns="91425" rIns="91425" bIns="91425" anchor="t" anchorCtr="0">
             <a:noAutofit/>
           </a:bodyPr>
           <a:lstStyle/>
           <a:p>
-            <a:pPr indent="0" lvl="0" marL="0" rtl="0" algn="l">
+            <a:pPr marL="0" lvl="0" indent="0" algn="l" rtl="0">
               <a:spcBef>
                 <a:spcPts val="0"/>
               </a:spcBef>
@@ -10097,9 +10822,11 @@
       <p:sp>
         <p:nvSpPr>
           <p:cNvPr id="197" name="Google Shape;197;p22"/>
-          <p:cNvSpPr txBox="1"/>
+          <p:cNvSpPr txBox="1">
+            <a:spLocks noGrp="1"/>
+          </p:cNvSpPr>
           <p:nvPr>
-            <p:ph idx="1" type="body"/>
+            <p:ph type="body" idx="1"/>
           </p:nvPr>
         </p:nvSpPr>
         <p:spPr>
@@ -10112,12 +10839,12 @@
           </a:prstGeom>
         </p:spPr>
         <p:txBody>
-          <a:bodyPr anchorCtr="0" anchor="t" bIns="91425" lIns="91425" spcFirstLastPara="1" rIns="91425" wrap="square" tIns="91425">
+          <a:bodyPr spcFirstLastPara="1" wrap="square" lIns="91425" tIns="91425" rIns="91425" bIns="91425" anchor="t" anchorCtr="0">
             <a:noAutofit/>
           </a:bodyPr>
           <a:lstStyle/>
           <a:p>
-            <a:pPr indent="0" lvl="0" marL="0" rtl="0" algn="l">
+            <a:pPr marL="0" lvl="0" indent="0" algn="l" rtl="0">
               <a:spcBef>
                 <a:spcPts val="0"/>
               </a:spcBef>
@@ -10139,15 +10866,22 @@
   <p:clrMapOvr>
     <a:masterClrMapping/>
   </p:clrMapOvr>
+  <p:timing>
+    <p:tnLst>
+      <p:par>
+        <p:cTn id="1" dur="indefinite" restart="never" nodeType="tmRoot"/>
+      </p:par>
+    </p:tnLst>
+  </p:timing>
 </p:sld>
 </file>
 
 <file path=ppt/slides/slide2.xml><?xml version="1.0" encoding="utf-8"?>
-<p:sld xmlns:a="http://schemas.openxmlformats.org/drawingml/2006/main" xmlns:r="http://schemas.openxmlformats.org/officeDocument/2006/relationships" xmlns:mc="http://schemas.openxmlformats.org/markup-compatibility/2006" xmlns:mv="urn:schemas-microsoft-com:mac:vml" xmlns:p="http://schemas.openxmlformats.org/presentationml/2006/main" xmlns:c="http://schemas.openxmlformats.org/drawingml/2006/chart" xmlns:dgm="http://schemas.openxmlformats.org/drawingml/2006/diagram" xmlns:o="urn:schemas-microsoft-com:office:office" xmlns:v="urn:schemas-microsoft-com:vml" xmlns:pvml="urn:schemas-microsoft-com:office:powerpoint" xmlns:com="http://schemas.openxmlformats.org/drawingml/2006/compatibility" xmlns:p14="http://schemas.microsoft.com/office/powerpoint/2010/main" xmlns:p15="http://schemas.microsoft.com/office/powerpoint/2012/main">
+<p:sld xmlns:a="http://schemas.openxmlformats.org/drawingml/2006/main" xmlns:r="http://schemas.openxmlformats.org/officeDocument/2006/relationships" xmlns:p="http://schemas.openxmlformats.org/presentationml/2006/main">
   <p:cSld>
     <p:spTree>
       <p:nvGrpSpPr>
-        <p:cNvPr id="140" name="Shape 140"/>
+        <p:cNvPr id="1" name="Shape 140"/>
         <p:cNvGrpSpPr/>
         <p:nvPr/>
       </p:nvGrpSpPr>
@@ -10162,7 +10896,9 @@
       <p:sp>
         <p:nvSpPr>
           <p:cNvPr id="141" name="Google Shape;141;p14"/>
-          <p:cNvSpPr txBox="1"/>
+          <p:cNvSpPr txBox="1">
+            <a:spLocks noGrp="1"/>
+          </p:cNvSpPr>
           <p:nvPr>
             <p:ph type="title"/>
           </p:nvPr>
@@ -10177,12 +10913,12 @@
           </a:prstGeom>
         </p:spPr>
         <p:txBody>
-          <a:bodyPr anchorCtr="0" anchor="t" bIns="91425" lIns="91425" spcFirstLastPara="1" rIns="91425" wrap="square" tIns="91425">
+          <a:bodyPr spcFirstLastPara="1" wrap="square" lIns="91425" tIns="91425" rIns="91425" bIns="91425" anchor="t" anchorCtr="0">
             <a:noAutofit/>
           </a:bodyPr>
           <a:lstStyle/>
           <a:p>
-            <a:pPr indent="0" lvl="0" marL="0" rtl="0" algn="l">
+            <a:pPr marL="0" lvl="0" indent="0" algn="l" rtl="0">
               <a:spcBef>
                 <a:spcPts val="0"/>
               </a:spcBef>
@@ -10260,15 +10996,22 @@
   <p:clrMapOvr>
     <a:masterClrMapping/>
   </p:clrMapOvr>
+  <p:timing>
+    <p:tnLst>
+      <p:par>
+        <p:cTn id="1" dur="indefinite" restart="never" nodeType="tmRoot"/>
+      </p:par>
+    </p:tnLst>
+  </p:timing>
 </p:sld>
 </file>
 
 <file path=ppt/slides/slide3.xml><?xml version="1.0" encoding="utf-8"?>
-<p:sld xmlns:a="http://schemas.openxmlformats.org/drawingml/2006/main" xmlns:r="http://schemas.openxmlformats.org/officeDocument/2006/relationships" xmlns:mc="http://schemas.openxmlformats.org/markup-compatibility/2006" xmlns:mv="urn:schemas-microsoft-com:mac:vml" xmlns:p="http://schemas.openxmlformats.org/presentationml/2006/main" xmlns:c="http://schemas.openxmlformats.org/drawingml/2006/chart" xmlns:dgm="http://schemas.openxmlformats.org/drawingml/2006/diagram" xmlns:o="urn:schemas-microsoft-com:office:office" xmlns:v="urn:schemas-microsoft-com:vml" xmlns:pvml="urn:schemas-microsoft-com:office:powerpoint" xmlns:com="http://schemas.openxmlformats.org/drawingml/2006/compatibility" xmlns:p14="http://schemas.microsoft.com/office/powerpoint/2010/main" xmlns:p15="http://schemas.microsoft.com/office/powerpoint/2012/main">
+<p:sld xmlns:a="http://schemas.openxmlformats.org/drawingml/2006/main" xmlns:r="http://schemas.openxmlformats.org/officeDocument/2006/relationships" xmlns:p="http://schemas.openxmlformats.org/presentationml/2006/main">
   <p:cSld>
     <p:spTree>
       <p:nvGrpSpPr>
-        <p:cNvPr id="147" name="Shape 147"/>
+        <p:cNvPr id="1" name="Shape 147"/>
         <p:cNvGrpSpPr/>
         <p:nvPr/>
       </p:nvGrpSpPr>
@@ -10283,7 +11026,9 @@
       <p:sp>
         <p:nvSpPr>
           <p:cNvPr id="148" name="Google Shape;148;p15"/>
-          <p:cNvSpPr txBox="1"/>
+          <p:cNvSpPr txBox="1">
+            <a:spLocks noGrp="1"/>
+          </p:cNvSpPr>
           <p:nvPr>
             <p:ph type="title"/>
           </p:nvPr>
@@ -10298,12 +11043,12 @@
           </a:prstGeom>
         </p:spPr>
         <p:txBody>
-          <a:bodyPr anchorCtr="0" anchor="t" bIns="91425" lIns="91425" spcFirstLastPara="1" rIns="91425" wrap="square" tIns="91425">
+          <a:bodyPr spcFirstLastPara="1" wrap="square" lIns="91425" tIns="91425" rIns="91425" bIns="91425" anchor="t" anchorCtr="0">
             <a:noAutofit/>
           </a:bodyPr>
           <a:lstStyle/>
           <a:p>
-            <a:pPr indent="0" lvl="0" marL="0" rtl="0" algn="l">
+            <a:pPr marL="0" lvl="0" indent="0" algn="l" rtl="0">
               <a:spcBef>
                 <a:spcPts val="0"/>
               </a:spcBef>
@@ -10323,9 +11068,11 @@
       <p:sp>
         <p:nvSpPr>
           <p:cNvPr id="149" name="Google Shape;149;p15"/>
-          <p:cNvSpPr txBox="1"/>
+          <p:cNvSpPr txBox="1">
+            <a:spLocks noGrp="1"/>
+          </p:cNvSpPr>
           <p:nvPr>
-            <p:ph idx="1" type="body"/>
+            <p:ph type="body" idx="1"/>
           </p:nvPr>
         </p:nvSpPr>
         <p:spPr>
@@ -10338,12 +11085,12 @@
           </a:prstGeom>
         </p:spPr>
         <p:txBody>
-          <a:bodyPr anchorCtr="0" anchor="t" bIns="91425" lIns="91425" spcFirstLastPara="1" rIns="91425" wrap="square" tIns="91425">
+          <a:bodyPr spcFirstLastPara="1" wrap="square" lIns="91425" tIns="91425" rIns="91425" bIns="91425" anchor="t" anchorCtr="0">
             <a:noAutofit/>
           </a:bodyPr>
           <a:lstStyle/>
           <a:p>
-            <a:pPr indent="0" lvl="0" marL="571500" rtl="0" algn="l">
+            <a:pPr marL="571500" lvl="0" indent="0" algn="l" rtl="0">
               <a:spcBef>
                 <a:spcPts val="0"/>
               </a:spcBef>
@@ -10375,7 +11122,7 @@
             </a:endParaRPr>
           </a:p>
           <a:p>
-            <a:pPr indent="0" lvl="0" marL="571500" rtl="0" algn="l">
+            <a:pPr marL="571500" lvl="0" indent="0" algn="l" rtl="0">
               <a:spcBef>
                 <a:spcPts val="0"/>
               </a:spcBef>
@@ -10407,7 +11154,7 @@
             </a:endParaRPr>
           </a:p>
           <a:p>
-            <a:pPr indent="0" lvl="0" marL="0" rtl="0" algn="l">
+            <a:pPr marL="0" lvl="0" indent="0" algn="l" rtl="0">
               <a:spcBef>
                 <a:spcPts val="0"/>
               </a:spcBef>
@@ -10416,9 +11163,6 @@
               </a:spcAft>
               <a:buNone/>
             </a:pPr>
-            <a:r>
-              <a:t/>
-            </a:r>
             <a:endParaRPr>
               <a:solidFill>
                 <a:srgbClr val="FFFFFF"/>
@@ -10432,15 +11176,22 @@
   <p:clrMapOvr>
     <a:masterClrMapping/>
   </p:clrMapOvr>
+  <p:timing>
+    <p:tnLst>
+      <p:par>
+        <p:cTn id="1" dur="indefinite" restart="never" nodeType="tmRoot"/>
+      </p:par>
+    </p:tnLst>
+  </p:timing>
 </p:sld>
 </file>
 
 <file path=ppt/slides/slide4.xml><?xml version="1.0" encoding="utf-8"?>
-<p:sld xmlns:a="http://schemas.openxmlformats.org/drawingml/2006/main" xmlns:r="http://schemas.openxmlformats.org/officeDocument/2006/relationships" xmlns:mc="http://schemas.openxmlformats.org/markup-compatibility/2006" xmlns:mv="urn:schemas-microsoft-com:mac:vml" xmlns:p="http://schemas.openxmlformats.org/presentationml/2006/main" xmlns:c="http://schemas.openxmlformats.org/drawingml/2006/chart" xmlns:dgm="http://schemas.openxmlformats.org/drawingml/2006/diagram" xmlns:o="urn:schemas-microsoft-com:office:office" xmlns:v="urn:schemas-microsoft-com:vml" xmlns:pvml="urn:schemas-microsoft-com:office:powerpoint" xmlns:com="http://schemas.openxmlformats.org/drawingml/2006/compatibility" xmlns:p14="http://schemas.microsoft.com/office/powerpoint/2010/main" xmlns:p15="http://schemas.microsoft.com/office/powerpoint/2012/main">
+<p:sld xmlns:a="http://schemas.openxmlformats.org/drawingml/2006/main" xmlns:r="http://schemas.openxmlformats.org/officeDocument/2006/relationships" xmlns:p="http://schemas.openxmlformats.org/presentationml/2006/main">
   <p:cSld>
     <p:spTree>
       <p:nvGrpSpPr>
-        <p:cNvPr id="153" name="Shape 153"/>
+        <p:cNvPr id="1" name="Shape 153"/>
         <p:cNvGrpSpPr/>
         <p:nvPr/>
       </p:nvGrpSpPr>
@@ -10455,7 +11206,9 @@
       <p:sp>
         <p:nvSpPr>
           <p:cNvPr id="154" name="Google Shape;154;p16"/>
-          <p:cNvSpPr txBox="1"/>
+          <p:cNvSpPr txBox="1">
+            <a:spLocks noGrp="1"/>
+          </p:cNvSpPr>
           <p:nvPr>
             <p:ph type="title"/>
           </p:nvPr>
@@ -10470,12 +11223,12 @@
           </a:prstGeom>
         </p:spPr>
         <p:txBody>
-          <a:bodyPr anchorCtr="0" anchor="t" bIns="91425" lIns="91425" spcFirstLastPara="1" rIns="91425" wrap="square" tIns="91425">
+          <a:bodyPr spcFirstLastPara="1" wrap="square" lIns="91425" tIns="91425" rIns="91425" bIns="91425" anchor="t" anchorCtr="0">
             <a:noAutofit/>
           </a:bodyPr>
           <a:lstStyle/>
           <a:p>
-            <a:pPr indent="0" lvl="0" marL="0" rtl="0" algn="l">
+            <a:pPr marL="0" lvl="0" indent="0" algn="l" rtl="0">
               <a:spcBef>
                 <a:spcPts val="0"/>
               </a:spcBef>
@@ -10495,9 +11248,11 @@
       <p:sp>
         <p:nvSpPr>
           <p:cNvPr id="155" name="Google Shape;155;p16"/>
-          <p:cNvSpPr txBox="1"/>
+          <p:cNvSpPr txBox="1">
+            <a:spLocks noGrp="1"/>
+          </p:cNvSpPr>
           <p:nvPr>
-            <p:ph idx="1" type="body"/>
+            <p:ph type="body" idx="1"/>
           </p:nvPr>
         </p:nvSpPr>
         <p:spPr>
@@ -10510,12 +11265,12 @@
           </a:prstGeom>
         </p:spPr>
         <p:txBody>
-          <a:bodyPr anchorCtr="0" anchor="t" bIns="91425" lIns="91425" spcFirstLastPara="1" rIns="91425" wrap="square" tIns="91425">
+          <a:bodyPr spcFirstLastPara="1" wrap="square" lIns="91425" tIns="91425" rIns="91425" bIns="91425" anchor="t" anchorCtr="0">
             <a:noAutofit/>
           </a:bodyPr>
           <a:lstStyle/>
           <a:p>
-            <a:pPr indent="0" lvl="0" marL="1028700" rtl="0" algn="l">
+            <a:pPr marL="1028700" lvl="0" indent="0" algn="l" rtl="0">
               <a:spcBef>
                 <a:spcPts val="0"/>
               </a:spcBef>
@@ -10573,9 +11328,157 @@
                 <a:ea typeface="Arial"/>
                 <a:cs typeface="Arial"/>
                 <a:sym typeface="Arial"/>
+                <a:hlinkClick r:id="rId3"/>
+              </a:rPr>
+              <a:t>Arduino Uno</a:t>
+            </a:r>
+            <a:endParaRPr sz="1400" u="sng">
+              <a:solidFill>
+                <a:schemeClr val="hlink"/>
+              </a:solidFill>
+              <a:latin typeface="Arial"/>
+              <a:ea typeface="Arial"/>
+              <a:cs typeface="Arial"/>
+              <a:sym typeface="Arial"/>
+              <a:hlinkClick r:id="rId3"/>
+            </a:endParaRPr>
+          </a:p>
+          <a:p>
+            <a:pPr marL="1028700" lvl="0" indent="0" algn="l" rtl="0">
+              <a:spcBef>
+                <a:spcPts val="0"/>
+              </a:spcBef>
+              <a:spcAft>
+                <a:spcPts val="0"/>
+              </a:spcAft>
+              <a:buNone/>
+            </a:pPr>
+            <a:r>
+              <a:rPr lang="en" sz="1400">
+                <a:solidFill>
+                  <a:srgbClr val="000000"/>
+                </a:solidFill>
+                <a:latin typeface="Arial"/>
+                <a:ea typeface="Arial"/>
+                <a:cs typeface="Arial"/>
+                <a:sym typeface="Arial"/>
+              </a:rPr>
+              <a:t>·</a:t>
+            </a:r>
+            <a:r>
+              <a:rPr lang="en" sz="700">
+                <a:solidFill>
+                  <a:srgbClr val="000000"/>
+                </a:solidFill>
+                <a:latin typeface="Times New Roman"/>
+                <a:ea typeface="Times New Roman"/>
+                <a:cs typeface="Times New Roman"/>
+                <a:sym typeface="Times New Roman"/>
+              </a:rPr>
+              <a:t>      </a:t>
+            </a:r>
+            <a:r>
+              <a:rPr lang="en" sz="700">
+                <a:solidFill>
+                  <a:srgbClr val="000000"/>
+                </a:solidFill>
+                <a:uFill>
+                  <a:noFill/>
+                </a:uFill>
+                <a:latin typeface="Times New Roman"/>
+                <a:ea typeface="Times New Roman"/>
+                <a:cs typeface="Times New Roman"/>
+                <a:sym typeface="Times New Roman"/>
                 <a:hlinkClick r:id="rId4"/>
               </a:rPr>
-              <a:t>Arduino Uno</a:t>
+              <a:t> </a:t>
+            </a:r>
+            <a:r>
+              <a:rPr lang="en" sz="1400" u="sng">
+                <a:solidFill>
+                  <a:schemeClr val="hlink"/>
+                </a:solidFill>
+                <a:latin typeface="Arial"/>
+                <a:ea typeface="Arial"/>
+                <a:cs typeface="Arial"/>
+                <a:sym typeface="Arial"/>
+                <a:hlinkClick r:id="rId4"/>
+              </a:rPr>
+              <a:t>16x2 LCD Display</a:t>
+            </a:r>
+            <a:endParaRPr sz="1400" u="sng">
+              <a:solidFill>
+                <a:schemeClr val="hlink"/>
+              </a:solidFill>
+              <a:latin typeface="Arial"/>
+              <a:ea typeface="Arial"/>
+              <a:cs typeface="Arial"/>
+              <a:sym typeface="Arial"/>
+              <a:hlinkClick r:id="rId4"/>
+            </a:endParaRPr>
+          </a:p>
+          <a:p>
+            <a:pPr marL="1028700" lvl="0" indent="0" algn="l" rtl="0">
+              <a:spcBef>
+                <a:spcPts val="0"/>
+              </a:spcBef>
+              <a:spcAft>
+                <a:spcPts val="0"/>
+              </a:spcAft>
+              <a:buNone/>
+            </a:pPr>
+            <a:r>
+              <a:rPr lang="en" sz="1400">
+                <a:solidFill>
+                  <a:srgbClr val="000000"/>
+                </a:solidFill>
+                <a:latin typeface="Arial"/>
+                <a:ea typeface="Arial"/>
+                <a:cs typeface="Arial"/>
+                <a:sym typeface="Arial"/>
+              </a:rPr>
+              <a:t>·</a:t>
+            </a:r>
+            <a:r>
+              <a:rPr lang="en" sz="700">
+                <a:solidFill>
+                  <a:srgbClr val="000000"/>
+                </a:solidFill>
+                <a:latin typeface="Times New Roman"/>
+                <a:ea typeface="Times New Roman"/>
+                <a:cs typeface="Times New Roman"/>
+                <a:sym typeface="Times New Roman"/>
+              </a:rPr>
+              <a:t>      </a:t>
+            </a:r>
+            <a:r>
+              <a:rPr lang="en" sz="700">
+                <a:solidFill>
+                  <a:srgbClr val="000000"/>
+                </a:solidFill>
+                <a:uFill>
+                  <a:noFill/>
+                </a:uFill>
+                <a:latin typeface="Times New Roman"/>
+                <a:ea typeface="Times New Roman"/>
+                <a:cs typeface="Times New Roman"/>
+                <a:sym typeface="Times New Roman"/>
+                <a:hlinkClick r:id="rId5"/>
+              </a:rPr>
+              <a:t> </a:t>
+            </a:r>
+            <a:r>
+              <a:rPr lang="en" sz="1400" u="sng">
+                <a:solidFill>
+                  <a:schemeClr val="hlink"/>
+                </a:solidFill>
+                <a:latin typeface="Arial"/>
+                <a:ea typeface="Arial"/>
+                <a:cs typeface="Arial"/>
+                <a:sym typeface="Arial"/>
+                <a:hlinkClick r:id="rId5"/>
+              </a:rPr>
+              <a:t>4x3 Keypad</a:t>
             </a:r>
             <a:endParaRPr sz="1400" u="sng">
               <a:solidFill>
@@ -10589,7 +11492,7 @@
             </a:endParaRPr>
           </a:p>
           <a:p>
-            <a:pPr indent="0" lvl="0" marL="1028700" rtl="0" algn="l">
+            <a:pPr marL="1028700" lvl="0" indent="0" algn="l" rtl="0">
               <a:spcBef>
                 <a:spcPts val="0"/>
               </a:spcBef>
@@ -10647,9 +11550,157 @@
                 <a:ea typeface="Arial"/>
                 <a:cs typeface="Arial"/>
                 <a:sym typeface="Arial"/>
+                <a:hlinkClick r:id="rId6"/>
+              </a:rPr>
+              <a:t>9V Battery</a:t>
+            </a:r>
+            <a:endParaRPr sz="1400" u="sng">
+              <a:solidFill>
+                <a:schemeClr val="hlink"/>
+              </a:solidFill>
+              <a:latin typeface="Arial"/>
+              <a:ea typeface="Arial"/>
+              <a:cs typeface="Arial"/>
+              <a:sym typeface="Arial"/>
+              <a:hlinkClick r:id="rId6"/>
+            </a:endParaRPr>
+          </a:p>
+          <a:p>
+            <a:pPr marL="1028700" lvl="0" indent="0" algn="l" rtl="0">
+              <a:spcBef>
+                <a:spcPts val="0"/>
+              </a:spcBef>
+              <a:spcAft>
+                <a:spcPts val="0"/>
+              </a:spcAft>
+              <a:buNone/>
+            </a:pPr>
+            <a:r>
+              <a:rPr lang="en" sz="1400">
+                <a:solidFill>
+                  <a:srgbClr val="000000"/>
+                </a:solidFill>
+                <a:latin typeface="Arial"/>
+                <a:ea typeface="Arial"/>
+                <a:cs typeface="Arial"/>
+                <a:sym typeface="Arial"/>
+              </a:rPr>
+              <a:t>·</a:t>
+            </a:r>
+            <a:r>
+              <a:rPr lang="en" sz="700">
+                <a:solidFill>
+                  <a:srgbClr val="000000"/>
+                </a:solidFill>
+                <a:latin typeface="Times New Roman"/>
+                <a:ea typeface="Times New Roman"/>
+                <a:cs typeface="Times New Roman"/>
+                <a:sym typeface="Times New Roman"/>
+              </a:rPr>
+              <a:t>      </a:t>
+            </a:r>
+            <a:r>
+              <a:rPr lang="en" sz="700">
+                <a:solidFill>
+                  <a:srgbClr val="000000"/>
+                </a:solidFill>
+                <a:uFill>
+                  <a:noFill/>
+                </a:uFill>
+                <a:latin typeface="Times New Roman"/>
+                <a:ea typeface="Times New Roman"/>
+                <a:cs typeface="Times New Roman"/>
+                <a:sym typeface="Times New Roman"/>
                 <a:hlinkClick r:id="rId7"/>
               </a:rPr>
-              <a:t>16x2 LCD Display</a:t>
+              <a:t> </a:t>
+            </a:r>
+            <a:r>
+              <a:rPr lang="en" sz="1400" u="sng">
+                <a:solidFill>
+                  <a:schemeClr val="hlink"/>
+                </a:solidFill>
+                <a:latin typeface="Arial"/>
+                <a:ea typeface="Arial"/>
+                <a:cs typeface="Arial"/>
+                <a:sym typeface="Arial"/>
+                <a:hlinkClick r:id="rId7"/>
+              </a:rPr>
+              <a:t>10kΩ потенциометър</a:t>
+            </a:r>
+            <a:endParaRPr sz="1400" u="sng">
+              <a:solidFill>
+                <a:schemeClr val="hlink"/>
+              </a:solidFill>
+              <a:latin typeface="Arial"/>
+              <a:ea typeface="Arial"/>
+              <a:cs typeface="Arial"/>
+              <a:sym typeface="Arial"/>
+              <a:hlinkClick r:id="rId7"/>
+            </a:endParaRPr>
+          </a:p>
+          <a:p>
+            <a:pPr marL="1028700" lvl="0" indent="0" algn="l" rtl="0">
+              <a:spcBef>
+                <a:spcPts val="0"/>
+              </a:spcBef>
+              <a:spcAft>
+                <a:spcPts val="0"/>
+              </a:spcAft>
+              <a:buNone/>
+            </a:pPr>
+            <a:r>
+              <a:rPr lang="en" sz="1400">
+                <a:solidFill>
+                  <a:srgbClr val="000000"/>
+                </a:solidFill>
+                <a:latin typeface="Arial"/>
+                <a:ea typeface="Arial"/>
+                <a:cs typeface="Arial"/>
+                <a:sym typeface="Arial"/>
+              </a:rPr>
+              <a:t>·</a:t>
+            </a:r>
+            <a:r>
+              <a:rPr lang="en" sz="700">
+                <a:solidFill>
+                  <a:srgbClr val="000000"/>
+                </a:solidFill>
+                <a:latin typeface="Times New Roman"/>
+                <a:ea typeface="Times New Roman"/>
+                <a:cs typeface="Times New Roman"/>
+                <a:sym typeface="Times New Roman"/>
+              </a:rPr>
+              <a:t>      </a:t>
+            </a:r>
+            <a:r>
+              <a:rPr lang="en" sz="700">
+                <a:solidFill>
+                  <a:srgbClr val="000000"/>
+                </a:solidFill>
+                <a:uFill>
+                  <a:noFill/>
+                </a:uFill>
+                <a:latin typeface="Times New Roman"/>
+                <a:ea typeface="Times New Roman"/>
+                <a:cs typeface="Times New Roman"/>
+                <a:sym typeface="Times New Roman"/>
+                <a:hlinkClick r:id="rId8"/>
+              </a:rPr>
+              <a:t> </a:t>
+            </a:r>
+            <a:r>
+              <a:rPr lang="en" sz="1400" u="sng">
+                <a:solidFill>
+                  <a:schemeClr val="hlink"/>
+                </a:solidFill>
+                <a:latin typeface="Arial"/>
+                <a:ea typeface="Arial"/>
+                <a:cs typeface="Arial"/>
+                <a:sym typeface="Arial"/>
+                <a:hlinkClick r:id="rId8"/>
+              </a:rPr>
+              <a:t>330Ω резистор</a:t>
             </a:r>
             <a:endParaRPr sz="1400" u="sng">
               <a:solidFill>
@@ -10663,7 +11714,7 @@
             </a:endParaRPr>
           </a:p>
           <a:p>
-            <a:pPr indent="0" lvl="0" marL="1028700" rtl="0" algn="l">
+            <a:pPr marL="1028700" lvl="0" indent="0" algn="l" rtl="0">
               <a:spcBef>
                 <a:spcPts val="0"/>
               </a:spcBef>
@@ -10721,9 +11772,9 @@
                 <a:ea typeface="Arial"/>
                 <a:cs typeface="Arial"/>
                 <a:sym typeface="Arial"/>
-                <a:hlinkClick r:id="rId10"/>
+                <a:hlinkClick r:id="rId9"/>
               </a:rPr>
-              <a:t>4x3 Keypad</a:t>
+              <a:t>Ардуино джъмпери</a:t>
             </a:r>
             <a:endParaRPr sz="1400" u="sng">
               <a:solidFill>
@@ -10733,11 +11784,11 @@
               <a:ea typeface="Arial"/>
               <a:cs typeface="Arial"/>
               <a:sym typeface="Arial"/>
-              <a:hlinkClick r:id="rId11"/>
+              <a:hlinkClick r:id="rId9"/>
             </a:endParaRPr>
           </a:p>
           <a:p>
-            <a:pPr indent="0" lvl="0" marL="1028700" rtl="0" algn="l">
+            <a:pPr marL="1028700" lvl="0" indent="0" algn="l" rtl="0">
               <a:spcBef>
                 <a:spcPts val="0"/>
               </a:spcBef>
@@ -10782,7 +11833,7 @@
                 <a:ea typeface="Times New Roman"/>
                 <a:cs typeface="Times New Roman"/>
                 <a:sym typeface="Times New Roman"/>
-                <a:hlinkClick r:id="rId12"/>
+                <a:hlinkClick r:id="rId10"/>
               </a:rPr>
               <a:t> </a:t>
             </a:r>
@@ -10795,303 +11846,7 @@
                 <a:ea typeface="Arial"/>
                 <a:cs typeface="Arial"/>
                 <a:sym typeface="Arial"/>
-                <a:hlinkClick r:id="rId13"/>
-              </a:rPr>
-              <a:t>9V Battery</a:t>
-            </a:r>
-            <a:endParaRPr sz="1400" u="sng">
-              <a:solidFill>
-                <a:schemeClr val="hlink"/>
-              </a:solidFill>
-              <a:latin typeface="Arial"/>
-              <a:ea typeface="Arial"/>
-              <a:cs typeface="Arial"/>
-              <a:sym typeface="Arial"/>
-              <a:hlinkClick r:id="rId14"/>
-            </a:endParaRPr>
-          </a:p>
-          <a:p>
-            <a:pPr indent="0" lvl="0" marL="1028700" rtl="0" algn="l">
-              <a:spcBef>
-                <a:spcPts val="0"/>
-              </a:spcBef>
-              <a:spcAft>
-                <a:spcPts val="0"/>
-              </a:spcAft>
-              <a:buNone/>
-            </a:pPr>
-            <a:r>
-              <a:rPr lang="en" sz="1400">
-                <a:solidFill>
-                  <a:srgbClr val="000000"/>
-                </a:solidFill>
-                <a:latin typeface="Arial"/>
-                <a:ea typeface="Arial"/>
-                <a:cs typeface="Arial"/>
-                <a:sym typeface="Arial"/>
-              </a:rPr>
-              <a:t>·</a:t>
-            </a:r>
-            <a:r>
-              <a:rPr lang="en" sz="700">
-                <a:solidFill>
-                  <a:srgbClr val="000000"/>
-                </a:solidFill>
-                <a:latin typeface="Times New Roman"/>
-                <a:ea typeface="Times New Roman"/>
-                <a:cs typeface="Times New Roman"/>
-                <a:sym typeface="Times New Roman"/>
-              </a:rPr>
-              <a:t>      </a:t>
-            </a:r>
-            <a:r>
-              <a:rPr lang="en" sz="700">
-                <a:solidFill>
-                  <a:srgbClr val="000000"/>
-                </a:solidFill>
-                <a:uFill>
-                  <a:noFill/>
-                </a:uFill>
-                <a:latin typeface="Times New Roman"/>
-                <a:ea typeface="Times New Roman"/>
-                <a:cs typeface="Times New Roman"/>
-                <a:sym typeface="Times New Roman"/>
-                <a:hlinkClick r:id="rId15"/>
-              </a:rPr>
-              <a:t> </a:t>
-            </a:r>
-            <a:r>
-              <a:rPr lang="en" sz="1400" u="sng">
-                <a:solidFill>
-                  <a:schemeClr val="hlink"/>
-                </a:solidFill>
-                <a:latin typeface="Arial"/>
-                <a:ea typeface="Arial"/>
-                <a:cs typeface="Arial"/>
-                <a:sym typeface="Arial"/>
-                <a:hlinkClick r:id="rId16"/>
-              </a:rPr>
-              <a:t>10kΩ потенциометър</a:t>
-            </a:r>
-            <a:endParaRPr sz="1400" u="sng">
-              <a:solidFill>
-                <a:schemeClr val="hlink"/>
-              </a:solidFill>
-              <a:latin typeface="Arial"/>
-              <a:ea typeface="Arial"/>
-              <a:cs typeface="Arial"/>
-              <a:sym typeface="Arial"/>
-              <a:hlinkClick r:id="rId17"/>
-            </a:endParaRPr>
-          </a:p>
-          <a:p>
-            <a:pPr indent="0" lvl="0" marL="1028700" rtl="0" algn="l">
-              <a:spcBef>
-                <a:spcPts val="0"/>
-              </a:spcBef>
-              <a:spcAft>
-                <a:spcPts val="0"/>
-              </a:spcAft>
-              <a:buNone/>
-            </a:pPr>
-            <a:r>
-              <a:rPr lang="en" sz="1400">
-                <a:solidFill>
-                  <a:srgbClr val="000000"/>
-                </a:solidFill>
-                <a:latin typeface="Arial"/>
-                <a:ea typeface="Arial"/>
-                <a:cs typeface="Arial"/>
-                <a:sym typeface="Arial"/>
-              </a:rPr>
-              <a:t>·</a:t>
-            </a:r>
-            <a:r>
-              <a:rPr lang="en" sz="700">
-                <a:solidFill>
-                  <a:srgbClr val="000000"/>
-                </a:solidFill>
-                <a:latin typeface="Times New Roman"/>
-                <a:ea typeface="Times New Roman"/>
-                <a:cs typeface="Times New Roman"/>
-                <a:sym typeface="Times New Roman"/>
-              </a:rPr>
-              <a:t>      </a:t>
-            </a:r>
-            <a:r>
-              <a:rPr lang="en" sz="700">
-                <a:solidFill>
-                  <a:srgbClr val="000000"/>
-                </a:solidFill>
-                <a:uFill>
-                  <a:noFill/>
-                </a:uFill>
-                <a:latin typeface="Times New Roman"/>
-                <a:ea typeface="Times New Roman"/>
-                <a:cs typeface="Times New Roman"/>
-                <a:sym typeface="Times New Roman"/>
-                <a:hlinkClick r:id="rId18"/>
-              </a:rPr>
-              <a:t> </a:t>
-            </a:r>
-            <a:r>
-              <a:rPr lang="en" sz="1400" u="sng">
-                <a:solidFill>
-                  <a:schemeClr val="hlink"/>
-                </a:solidFill>
-                <a:latin typeface="Arial"/>
-                <a:ea typeface="Arial"/>
-                <a:cs typeface="Arial"/>
-                <a:sym typeface="Arial"/>
-                <a:hlinkClick r:id="rId19"/>
-              </a:rPr>
-              <a:t>330Ω резистор</a:t>
-            </a:r>
-            <a:endParaRPr sz="1400" u="sng">
-              <a:solidFill>
-                <a:schemeClr val="hlink"/>
-              </a:solidFill>
-              <a:latin typeface="Arial"/>
-              <a:ea typeface="Arial"/>
-              <a:cs typeface="Arial"/>
-              <a:sym typeface="Arial"/>
-              <a:hlinkClick r:id="rId20"/>
-            </a:endParaRPr>
-          </a:p>
-          <a:p>
-            <a:pPr indent="0" lvl="0" marL="1028700" rtl="0" algn="l">
-              <a:spcBef>
-                <a:spcPts val="0"/>
-              </a:spcBef>
-              <a:spcAft>
-                <a:spcPts val="0"/>
-              </a:spcAft>
-              <a:buNone/>
-            </a:pPr>
-            <a:r>
-              <a:rPr lang="en" sz="1400">
-                <a:solidFill>
-                  <a:srgbClr val="000000"/>
-                </a:solidFill>
-                <a:latin typeface="Arial"/>
-                <a:ea typeface="Arial"/>
-                <a:cs typeface="Arial"/>
-                <a:sym typeface="Arial"/>
-              </a:rPr>
-              <a:t>·</a:t>
-            </a:r>
-            <a:r>
-              <a:rPr lang="en" sz="700">
-                <a:solidFill>
-                  <a:srgbClr val="000000"/>
-                </a:solidFill>
-                <a:latin typeface="Times New Roman"/>
-                <a:ea typeface="Times New Roman"/>
-                <a:cs typeface="Times New Roman"/>
-                <a:sym typeface="Times New Roman"/>
-              </a:rPr>
-              <a:t>      </a:t>
-            </a:r>
-            <a:r>
-              <a:rPr lang="en" sz="700">
-                <a:solidFill>
-                  <a:srgbClr val="000000"/>
-                </a:solidFill>
-                <a:uFill>
-                  <a:noFill/>
-                </a:uFill>
-                <a:latin typeface="Times New Roman"/>
-                <a:ea typeface="Times New Roman"/>
-                <a:cs typeface="Times New Roman"/>
-                <a:sym typeface="Times New Roman"/>
-                <a:hlinkClick r:id="rId21"/>
-              </a:rPr>
-              <a:t> </a:t>
-            </a:r>
-            <a:r>
-              <a:rPr lang="en" sz="1400" u="sng">
-                <a:solidFill>
-                  <a:schemeClr val="hlink"/>
-                </a:solidFill>
-                <a:latin typeface="Arial"/>
-                <a:ea typeface="Arial"/>
-                <a:cs typeface="Arial"/>
-                <a:sym typeface="Arial"/>
-                <a:hlinkClick r:id="rId22"/>
-              </a:rPr>
-              <a:t>Ардуино джъмпери</a:t>
-            </a:r>
-            <a:endParaRPr sz="1400" u="sng">
-              <a:solidFill>
-                <a:schemeClr val="hlink"/>
-              </a:solidFill>
-              <a:latin typeface="Arial"/>
-              <a:ea typeface="Arial"/>
-              <a:cs typeface="Arial"/>
-              <a:sym typeface="Arial"/>
-              <a:hlinkClick r:id="rId23"/>
-            </a:endParaRPr>
-          </a:p>
-          <a:p>
-            <a:pPr indent="0" lvl="0" marL="1028700" rtl="0" algn="l">
-              <a:spcBef>
-                <a:spcPts val="0"/>
-              </a:spcBef>
-              <a:spcAft>
-                <a:spcPts val="0"/>
-              </a:spcAft>
-              <a:buNone/>
-            </a:pPr>
-            <a:r>
-              <a:rPr lang="en" sz="1400">
-                <a:solidFill>
-                  <a:srgbClr val="000000"/>
-                </a:solidFill>
-                <a:latin typeface="Arial"/>
-                <a:ea typeface="Arial"/>
-                <a:cs typeface="Arial"/>
-                <a:sym typeface="Arial"/>
-              </a:rPr>
-              <a:t>·</a:t>
-            </a:r>
-            <a:r>
-              <a:rPr lang="en" sz="700">
-                <a:solidFill>
-                  <a:srgbClr val="000000"/>
-                </a:solidFill>
-                <a:latin typeface="Times New Roman"/>
-                <a:ea typeface="Times New Roman"/>
-                <a:cs typeface="Times New Roman"/>
-                <a:sym typeface="Times New Roman"/>
-              </a:rPr>
-              <a:t>      </a:t>
-            </a:r>
-            <a:r>
-              <a:rPr lang="en" sz="700">
-                <a:solidFill>
-                  <a:srgbClr val="000000"/>
-                </a:solidFill>
-                <a:uFill>
-                  <a:noFill/>
-                </a:uFill>
-                <a:latin typeface="Times New Roman"/>
-                <a:ea typeface="Times New Roman"/>
-                <a:cs typeface="Times New Roman"/>
-                <a:sym typeface="Times New Roman"/>
-                <a:hlinkClick r:id="rId24"/>
-              </a:rPr>
-              <a:t> </a:t>
-            </a:r>
-            <a:r>
-              <a:rPr lang="en" sz="1400" u="sng">
-                <a:solidFill>
-                  <a:schemeClr val="hlink"/>
-                </a:solidFill>
-                <a:latin typeface="Arial"/>
-                <a:ea typeface="Arial"/>
-                <a:cs typeface="Arial"/>
-                <a:sym typeface="Arial"/>
-                <a:hlinkClick r:id="rId25"/>
+                <a:hlinkClick r:id="rId10"/>
               </a:rPr>
               <a:t>Бредборд</a:t>
             </a:r>
@@ -11103,11 +11858,11 @@
               <a:ea typeface="Arial"/>
               <a:cs typeface="Arial"/>
               <a:sym typeface="Arial"/>
-              <a:hlinkClick r:id="rId26"/>
+              <a:hlinkClick r:id="rId10"/>
             </a:endParaRPr>
           </a:p>
           <a:p>
-            <a:pPr indent="0" lvl="0" marL="571500" rtl="0" algn="l">
+            <a:pPr marL="571500" lvl="0" indent="0" algn="l" rtl="0">
               <a:spcBef>
                 <a:spcPts val="0"/>
               </a:spcBef>
@@ -11116,9 +11871,6 @@
               </a:spcAft>
               <a:buNone/>
             </a:pPr>
-            <a:r>
-              <a:t/>
-            </a:r>
             <a:endParaRPr sz="1400">
               <a:solidFill>
                 <a:srgbClr val="FFFFFF"/>
@@ -11136,15 +11888,22 @@
   <p:clrMapOvr>
     <a:masterClrMapping/>
   </p:clrMapOvr>
+  <p:timing>
+    <p:tnLst>
+      <p:par>
+        <p:cTn id="1" dur="indefinite" restart="never" nodeType="tmRoot"/>
+      </p:par>
+    </p:tnLst>
+  </p:timing>
 </p:sld>
 </file>
 
 <file path=ppt/slides/slide5.xml><?xml version="1.0" encoding="utf-8"?>
-<p:sld xmlns:a="http://schemas.openxmlformats.org/drawingml/2006/main" xmlns:r="http://schemas.openxmlformats.org/officeDocument/2006/relationships" xmlns:mc="http://schemas.openxmlformats.org/markup-compatibility/2006" xmlns:mv="urn:schemas-microsoft-com:mac:vml" xmlns:p="http://schemas.openxmlformats.org/presentationml/2006/main" xmlns:c="http://schemas.openxmlformats.org/drawingml/2006/chart" xmlns:dgm="http://schemas.openxmlformats.org/drawingml/2006/diagram" xmlns:o="urn:schemas-microsoft-com:office:office" xmlns:v="urn:schemas-microsoft-com:vml" xmlns:pvml="urn:schemas-microsoft-com:office:powerpoint" xmlns:com="http://schemas.openxmlformats.org/drawingml/2006/compatibility" xmlns:p14="http://schemas.microsoft.com/office/powerpoint/2010/main" xmlns:p15="http://schemas.microsoft.com/office/powerpoint/2012/main">
+<p:sld xmlns:a="http://schemas.openxmlformats.org/drawingml/2006/main" xmlns:r="http://schemas.openxmlformats.org/officeDocument/2006/relationships" xmlns:p="http://schemas.openxmlformats.org/presentationml/2006/main">
   <p:cSld>
     <p:spTree>
       <p:nvGrpSpPr>
-        <p:cNvPr id="159" name="Shape 159"/>
+        <p:cNvPr id="1" name="Shape 159"/>
         <p:cNvGrpSpPr/>
         <p:nvPr/>
       </p:nvGrpSpPr>
@@ -11159,7 +11918,9 @@
       <p:sp>
         <p:nvSpPr>
           <p:cNvPr id="160" name="Google Shape;160;p17"/>
-          <p:cNvSpPr txBox="1"/>
+          <p:cNvSpPr txBox="1">
+            <a:spLocks noGrp="1"/>
+          </p:cNvSpPr>
           <p:nvPr>
             <p:ph type="title"/>
           </p:nvPr>
@@ -11174,12 +11935,12 @@
           </a:prstGeom>
         </p:spPr>
         <p:txBody>
-          <a:bodyPr anchorCtr="0" anchor="t" bIns="91425" lIns="91425" spcFirstLastPara="1" rIns="91425" wrap="square" tIns="91425">
+          <a:bodyPr spcFirstLastPara="1" wrap="square" lIns="91425" tIns="91425" rIns="91425" bIns="91425" anchor="t" anchorCtr="0">
             <a:noAutofit/>
           </a:bodyPr>
           <a:lstStyle/>
           <a:p>
-            <a:pPr indent="0" lvl="0" marL="0" rtl="0" algn="l">
+            <a:pPr marL="0" lvl="0" indent="0" algn="l" rtl="0">
               <a:spcBef>
                 <a:spcPts val="0"/>
               </a:spcBef>
@@ -11199,9 +11960,11 @@
       <p:sp>
         <p:nvSpPr>
           <p:cNvPr id="161" name="Google Shape;161;p17"/>
-          <p:cNvSpPr txBox="1"/>
+          <p:cNvSpPr txBox="1">
+            <a:spLocks noGrp="1"/>
+          </p:cNvSpPr>
           <p:nvPr>
-            <p:ph idx="1" type="body"/>
+            <p:ph type="body" idx="1"/>
           </p:nvPr>
         </p:nvSpPr>
         <p:spPr>
@@ -11214,12 +11977,12 @@
           </a:prstGeom>
         </p:spPr>
         <p:txBody>
-          <a:bodyPr anchorCtr="0" anchor="t" bIns="91425" lIns="91425" spcFirstLastPara="1" rIns="91425" wrap="square" tIns="91425">
+          <a:bodyPr spcFirstLastPara="1" wrap="square" lIns="91425" tIns="91425" rIns="91425" bIns="91425" anchor="t" anchorCtr="0">
             <a:noAutofit/>
           </a:bodyPr>
           <a:lstStyle/>
           <a:p>
-            <a:pPr indent="0" lvl="0" marL="0" rtl="0" algn="l">
+            <a:pPr marL="0" lvl="0" indent="0" algn="l" rtl="0">
               <a:spcBef>
                 <a:spcPts val="0"/>
               </a:spcBef>
@@ -11228,9 +11991,6 @@
               </a:spcAft>
               <a:buNone/>
             </a:pPr>
-            <a:r>
-              <a:t/>
-            </a:r>
             <a:endParaRPr/>
           </a:p>
         </p:txBody>
@@ -11268,15 +12028,22 @@
   <p:clrMapOvr>
     <a:masterClrMapping/>
   </p:clrMapOvr>
+  <p:timing>
+    <p:tnLst>
+      <p:par>
+        <p:cTn id="1" dur="indefinite" restart="never" nodeType="tmRoot"/>
+      </p:par>
+    </p:tnLst>
+  </p:timing>
 </p:sld>
 </file>
 
 <file path=ppt/slides/slide6.xml><?xml version="1.0" encoding="utf-8"?>
-<p:sld xmlns:a="http://schemas.openxmlformats.org/drawingml/2006/main" xmlns:r="http://schemas.openxmlformats.org/officeDocument/2006/relationships" xmlns:mc="http://schemas.openxmlformats.org/markup-compatibility/2006" xmlns:mv="urn:schemas-microsoft-com:mac:vml" xmlns:p="http://schemas.openxmlformats.org/presentationml/2006/main" xmlns:c="http://schemas.openxmlformats.org/drawingml/2006/chart" xmlns:dgm="http://schemas.openxmlformats.org/drawingml/2006/diagram" xmlns:o="urn:schemas-microsoft-com:office:office" xmlns:v="urn:schemas-microsoft-com:vml" xmlns:pvml="urn:schemas-microsoft-com:office:powerpoint" xmlns:com="http://schemas.openxmlformats.org/drawingml/2006/compatibility" xmlns:p14="http://schemas.microsoft.com/office/powerpoint/2010/main" xmlns:p15="http://schemas.microsoft.com/office/powerpoint/2012/main">
+<p:sld xmlns:a="http://schemas.openxmlformats.org/drawingml/2006/main" xmlns:r="http://schemas.openxmlformats.org/officeDocument/2006/relationships" xmlns:p="http://schemas.openxmlformats.org/presentationml/2006/main">
   <p:cSld>
     <p:spTree>
       <p:nvGrpSpPr>
-        <p:cNvPr id="166" name="Shape 166"/>
+        <p:cNvPr id="1" name="Shape 166"/>
         <p:cNvGrpSpPr/>
         <p:nvPr/>
       </p:nvGrpSpPr>
@@ -11291,7 +12058,9 @@
       <p:sp>
         <p:nvSpPr>
           <p:cNvPr id="167" name="Google Shape;167;p18"/>
-          <p:cNvSpPr txBox="1"/>
+          <p:cNvSpPr txBox="1">
+            <a:spLocks noGrp="1"/>
+          </p:cNvSpPr>
           <p:nvPr>
             <p:ph type="title"/>
           </p:nvPr>
@@ -11306,12 +12075,12 @@
           </a:prstGeom>
         </p:spPr>
         <p:txBody>
-          <a:bodyPr anchorCtr="0" anchor="t" bIns="91425" lIns="91425" spcFirstLastPara="1" rIns="91425" wrap="square" tIns="91425">
+          <a:bodyPr spcFirstLastPara="1" wrap="square" lIns="91425" tIns="91425" rIns="91425" bIns="91425" anchor="t" anchorCtr="0">
             <a:noAutofit/>
           </a:bodyPr>
           <a:lstStyle/>
           <a:p>
-            <a:pPr indent="0" lvl="0" marL="0" rtl="0" algn="l">
+            <a:pPr marL="0" lvl="0" indent="0" algn="l" rtl="0">
               <a:spcBef>
                 <a:spcPts val="0"/>
               </a:spcBef>
@@ -11331,9 +12100,11 @@
       <p:sp>
         <p:nvSpPr>
           <p:cNvPr id="168" name="Google Shape;168;p18"/>
-          <p:cNvSpPr txBox="1"/>
+          <p:cNvSpPr txBox="1">
+            <a:spLocks noGrp="1"/>
+          </p:cNvSpPr>
           <p:nvPr>
-            <p:ph idx="1" type="body"/>
+            <p:ph type="body" idx="1"/>
           </p:nvPr>
         </p:nvSpPr>
         <p:spPr>
@@ -11346,12 +12117,12 @@
           </a:prstGeom>
         </p:spPr>
         <p:txBody>
-          <a:bodyPr anchorCtr="0" anchor="t" bIns="91425" lIns="91425" spcFirstLastPara="1" rIns="91425" wrap="square" tIns="91425">
+          <a:bodyPr spcFirstLastPara="1" wrap="square" lIns="91425" tIns="91425" rIns="91425" bIns="91425" anchor="t" anchorCtr="0">
             <a:noAutofit/>
           </a:bodyPr>
           <a:lstStyle/>
           <a:p>
-            <a:pPr indent="0" lvl="0" marL="0" rtl="0" algn="l">
+            <a:pPr marL="0" lvl="0" indent="0" algn="l" rtl="0">
               <a:spcBef>
                 <a:spcPts val="0"/>
               </a:spcBef>
@@ -11360,9 +12131,6 @@
               </a:spcAft>
               <a:buNone/>
             </a:pPr>
-            <a:r>
-              <a:t/>
-            </a:r>
             <a:endParaRPr/>
           </a:p>
         </p:txBody>
@@ -11400,15 +12168,22 @@
   <p:clrMapOvr>
     <a:masterClrMapping/>
   </p:clrMapOvr>
+  <p:timing>
+    <p:tnLst>
+      <p:par>
+        <p:cTn id="1" dur="indefinite" restart="never" nodeType="tmRoot"/>
+      </p:par>
+    </p:tnLst>
+  </p:timing>
 </p:sld>
 </file>
 
 <file path=ppt/slides/slide7.xml><?xml version="1.0" encoding="utf-8"?>
-<p:sld xmlns:a="http://schemas.openxmlformats.org/drawingml/2006/main" xmlns:r="http://schemas.openxmlformats.org/officeDocument/2006/relationships" xmlns:mc="http://schemas.openxmlformats.org/markup-compatibility/2006" xmlns:mv="urn:schemas-microsoft-com:mac:vml" xmlns:p="http://schemas.openxmlformats.org/presentationml/2006/main" xmlns:c="http://schemas.openxmlformats.org/drawingml/2006/chart" xmlns:dgm="http://schemas.openxmlformats.org/drawingml/2006/diagram" xmlns:o="urn:schemas-microsoft-com:office:office" xmlns:v="urn:schemas-microsoft-com:vml" xmlns:pvml="urn:schemas-microsoft-com:office:powerpoint" xmlns:com="http://schemas.openxmlformats.org/drawingml/2006/compatibility" xmlns:p14="http://schemas.microsoft.com/office/powerpoint/2010/main" xmlns:p15="http://schemas.microsoft.com/office/powerpoint/2012/main">
+<p:sld xmlns:a="http://schemas.openxmlformats.org/drawingml/2006/main" xmlns:r="http://schemas.openxmlformats.org/officeDocument/2006/relationships" xmlns:p="http://schemas.openxmlformats.org/presentationml/2006/main">
   <p:cSld>
     <p:spTree>
       <p:nvGrpSpPr>
-        <p:cNvPr id="173" name="Shape 173"/>
+        <p:cNvPr id="1" name="Shape 173"/>
         <p:cNvGrpSpPr/>
         <p:nvPr/>
       </p:nvGrpSpPr>
@@ -11423,7 +12198,9 @@
       <p:sp>
         <p:nvSpPr>
           <p:cNvPr id="174" name="Google Shape;174;p19"/>
-          <p:cNvSpPr txBox="1"/>
+          <p:cNvSpPr txBox="1">
+            <a:spLocks noGrp="1"/>
+          </p:cNvSpPr>
           <p:nvPr>
             <p:ph type="title"/>
           </p:nvPr>
@@ -11438,12 +12215,12 @@
           </a:prstGeom>
         </p:spPr>
         <p:txBody>
-          <a:bodyPr anchorCtr="0" anchor="t" bIns="91425" lIns="91425" spcFirstLastPara="1" rIns="91425" wrap="square" tIns="91425">
+          <a:bodyPr spcFirstLastPara="1" wrap="square" lIns="91425" tIns="91425" rIns="91425" bIns="91425" anchor="t" anchorCtr="0">
             <a:noAutofit/>
           </a:bodyPr>
           <a:lstStyle/>
           <a:p>
-            <a:pPr indent="0" lvl="0" marL="0" rtl="0" algn="l">
+            <a:pPr marL="0" lvl="0" indent="0" algn="l" rtl="0">
               <a:spcBef>
                 <a:spcPts val="0"/>
               </a:spcBef>
@@ -11463,9 +12240,11 @@
       <p:sp>
         <p:nvSpPr>
           <p:cNvPr id="175" name="Google Shape;175;p19"/>
-          <p:cNvSpPr txBox="1"/>
+          <p:cNvSpPr txBox="1">
+            <a:spLocks noGrp="1"/>
+          </p:cNvSpPr>
           <p:nvPr>
-            <p:ph idx="1" type="body"/>
+            <p:ph type="body" idx="1"/>
           </p:nvPr>
         </p:nvSpPr>
         <p:spPr>
@@ -11478,12 +12257,12 @@
           </a:prstGeom>
         </p:spPr>
         <p:txBody>
-          <a:bodyPr anchorCtr="0" anchor="t" bIns="91425" lIns="91425" spcFirstLastPara="1" rIns="91425" wrap="square" tIns="91425">
+          <a:bodyPr spcFirstLastPara="1" wrap="square" lIns="91425" tIns="91425" rIns="91425" bIns="91425" anchor="t" anchorCtr="0">
             <a:noAutofit/>
           </a:bodyPr>
           <a:lstStyle/>
           <a:p>
-            <a:pPr indent="0" lvl="0" marL="0" rtl="0" algn="l">
+            <a:pPr marL="0" lvl="0" indent="0" algn="l" rtl="0">
               <a:spcBef>
                 <a:spcPts val="0"/>
               </a:spcBef>
@@ -11492,9 +12271,6 @@
               </a:spcAft>
               <a:buNone/>
             </a:pPr>
-            <a:r>
-              <a:t/>
-            </a:r>
             <a:endParaRPr/>
           </a:p>
         </p:txBody>
@@ -11532,15 +12308,22 @@
   <p:clrMapOvr>
     <a:masterClrMapping/>
   </p:clrMapOvr>
+  <p:timing>
+    <p:tnLst>
+      <p:par>
+        <p:cTn id="1" dur="indefinite" restart="never" nodeType="tmRoot"/>
+      </p:par>
+    </p:tnLst>
+  </p:timing>
 </p:sld>
 </file>
 
 <file path=ppt/slides/slide8.xml><?xml version="1.0" encoding="utf-8"?>
-<p:sld xmlns:a="http://schemas.openxmlformats.org/drawingml/2006/main" xmlns:r="http://schemas.openxmlformats.org/officeDocument/2006/relationships" xmlns:mc="http://schemas.openxmlformats.org/markup-compatibility/2006" xmlns:mv="urn:schemas-microsoft-com:mac:vml" xmlns:p="http://schemas.openxmlformats.org/presentationml/2006/main" xmlns:c="http://schemas.openxmlformats.org/drawingml/2006/chart" xmlns:dgm="http://schemas.openxmlformats.org/drawingml/2006/diagram" xmlns:o="urn:schemas-microsoft-com:office:office" xmlns:v="urn:schemas-microsoft-com:vml" xmlns:pvml="urn:schemas-microsoft-com:office:powerpoint" xmlns:com="http://schemas.openxmlformats.org/drawingml/2006/compatibility" xmlns:p14="http://schemas.microsoft.com/office/powerpoint/2010/main" xmlns:p15="http://schemas.microsoft.com/office/powerpoint/2012/main">
+<p:sld xmlns:a="http://schemas.openxmlformats.org/drawingml/2006/main" xmlns:r="http://schemas.openxmlformats.org/officeDocument/2006/relationships" xmlns:p="http://schemas.openxmlformats.org/presentationml/2006/main">
   <p:cSld>
     <p:spTree>
       <p:nvGrpSpPr>
-        <p:cNvPr id="180" name="Shape 180"/>
+        <p:cNvPr id="1" name="Shape 180"/>
         <p:cNvGrpSpPr/>
         <p:nvPr/>
       </p:nvGrpSpPr>
@@ -11555,7 +12338,9 @@
       <p:sp>
         <p:nvSpPr>
           <p:cNvPr id="181" name="Google Shape;181;p20"/>
-          <p:cNvSpPr txBox="1"/>
+          <p:cNvSpPr txBox="1">
+            <a:spLocks noGrp="1"/>
+          </p:cNvSpPr>
           <p:nvPr>
             <p:ph type="title"/>
           </p:nvPr>
@@ -11570,12 +12355,12 @@
           </a:prstGeom>
         </p:spPr>
         <p:txBody>
-          <a:bodyPr anchorCtr="0" anchor="t" bIns="91425" lIns="91425" spcFirstLastPara="1" rIns="91425" wrap="square" tIns="91425">
+          <a:bodyPr spcFirstLastPara="1" wrap="square" lIns="91425" tIns="91425" rIns="91425" bIns="91425" anchor="t" anchorCtr="0">
             <a:noAutofit/>
           </a:bodyPr>
           <a:lstStyle/>
           <a:p>
-            <a:pPr indent="0" lvl="0" marL="0" rtl="0" algn="l">
+            <a:pPr marL="0" lvl="0" indent="0" algn="l" rtl="0">
               <a:spcBef>
                 <a:spcPts val="0"/>
               </a:spcBef>
@@ -11595,9 +12380,11 @@
       <p:sp>
         <p:nvSpPr>
           <p:cNvPr id="182" name="Google Shape;182;p20"/>
-          <p:cNvSpPr txBox="1"/>
+          <p:cNvSpPr txBox="1">
+            <a:spLocks noGrp="1"/>
+          </p:cNvSpPr>
           <p:nvPr>
-            <p:ph idx="1" type="body"/>
+            <p:ph type="body" idx="1"/>
           </p:nvPr>
         </p:nvSpPr>
         <p:spPr>
@@ -11610,12 +12397,12 @@
           </a:prstGeom>
         </p:spPr>
         <p:txBody>
-          <a:bodyPr anchorCtr="0" anchor="t" bIns="91425" lIns="91425" spcFirstLastPara="1" rIns="91425" wrap="square" tIns="91425">
+          <a:bodyPr spcFirstLastPara="1" wrap="square" lIns="91425" tIns="91425" rIns="91425" bIns="91425" anchor="t" anchorCtr="0">
             <a:noAutofit/>
           </a:bodyPr>
           <a:lstStyle/>
           <a:p>
-            <a:pPr indent="0" lvl="0" marL="0" rtl="0" algn="l">
+            <a:pPr marL="0" lvl="0" indent="0" algn="l" rtl="0">
               <a:spcBef>
                 <a:spcPts val="0"/>
               </a:spcBef>
@@ -11631,7 +12418,7 @@
             <a:endParaRPr sz="1800"/>
           </a:p>
           <a:p>
-            <a:pPr indent="0" lvl="0" marL="0" rtl="0" algn="l">
+            <a:pPr marL="0" lvl="0" indent="0" algn="l" rtl="0">
               <a:spcBef>
                 <a:spcPts val="1600"/>
               </a:spcBef>
@@ -11647,7 +12434,7 @@
             <a:endParaRPr sz="1800"/>
           </a:p>
           <a:p>
-            <a:pPr indent="0" lvl="0" marL="0" rtl="0" algn="l">
+            <a:pPr marL="0" lvl="0" indent="0" algn="l" rtl="0">
               <a:spcBef>
                 <a:spcPts val="1600"/>
               </a:spcBef>
@@ -11753,15 +12540,22 @@
   <p:clrMapOvr>
     <a:masterClrMapping/>
   </p:clrMapOvr>
+  <p:timing>
+    <p:tnLst>
+      <p:par>
+        <p:cTn id="1" dur="indefinite" restart="never" nodeType="tmRoot"/>
+      </p:par>
+    </p:tnLst>
+  </p:timing>
 </p:sld>
 </file>
 
 <file path=ppt/slides/slide9.xml><?xml version="1.0" encoding="utf-8"?>
-<p:sld xmlns:a="http://schemas.openxmlformats.org/drawingml/2006/main" xmlns:r="http://schemas.openxmlformats.org/officeDocument/2006/relationships" xmlns:mc="http://schemas.openxmlformats.org/markup-compatibility/2006" xmlns:mv="urn:schemas-microsoft-com:mac:vml" xmlns:p="http://schemas.openxmlformats.org/presentationml/2006/main" xmlns:c="http://schemas.openxmlformats.org/drawingml/2006/chart" xmlns:dgm="http://schemas.openxmlformats.org/drawingml/2006/diagram" xmlns:o="urn:schemas-microsoft-com:office:office" xmlns:v="urn:schemas-microsoft-com:vml" xmlns:pvml="urn:schemas-microsoft-com:office:powerpoint" xmlns:com="http://schemas.openxmlformats.org/drawingml/2006/compatibility" xmlns:p14="http://schemas.microsoft.com/office/powerpoint/2010/main" xmlns:p15="http://schemas.microsoft.com/office/powerpoint/2012/main">
+<p:sld xmlns:a="http://schemas.openxmlformats.org/drawingml/2006/main" xmlns:r="http://schemas.openxmlformats.org/officeDocument/2006/relationships" xmlns:p="http://schemas.openxmlformats.org/presentationml/2006/main">
   <p:cSld>
     <p:spTree>
       <p:nvGrpSpPr>
-        <p:cNvPr id="189" name="Shape 189"/>
+        <p:cNvPr id="1" name=""/>
         <p:cNvGrpSpPr/>
         <p:nvPr/>
       </p:nvGrpSpPr>
@@ -11775,110 +12569,96 @@
       </p:grpSpPr>
       <p:sp>
         <p:nvSpPr>
-          <p:cNvPr id="190" name="Google Shape;190;p21"/>
-          <p:cNvSpPr txBox="1"/>
+          <p:cNvPr id="2" name="Title 1"/>
+          <p:cNvSpPr>
+            <a:spLocks noGrp="1"/>
+          </p:cNvSpPr>
           <p:nvPr>
             <p:ph type="title"/>
           </p:nvPr>
         </p:nvSpPr>
+        <p:spPr/>
+        <p:txBody>
+          <a:bodyPr/>
+          <a:lstStyle/>
+          <a:p>
+            <a:r>
+              <a:rPr lang="bg-BG" dirty="0" smtClean="0"/>
+              <a:t>Блок схема</a:t>
+            </a:r>
+            <a:endParaRPr lang="en-US" dirty="0"/>
+          </a:p>
+        </p:txBody>
+      </p:sp>
+      <p:sp>
+        <p:nvSpPr>
+          <p:cNvPr id="3" name="Text Placeholder 2"/>
+          <p:cNvSpPr>
+            <a:spLocks noGrp="1"/>
+          </p:cNvSpPr>
+          <p:nvPr>
+            <p:ph type="body" idx="1"/>
+          </p:nvPr>
+        </p:nvSpPr>
+        <p:spPr/>
+        <p:txBody>
+          <a:bodyPr/>
+          <a:lstStyle/>
+          <a:p>
+            <a:endParaRPr lang="en-US" dirty="0"/>
+          </a:p>
+        </p:txBody>
+      </p:sp>
+      <p:pic>
+        <p:nvPicPr>
+          <p:cNvPr id="4" name="Picture 3"/>
+          <p:cNvPicPr/>
+          <p:nvPr/>
+        </p:nvPicPr>
+        <p:blipFill>
+          <a:blip r:embed="rId2">
+            <a:extLst>
+              <a:ext uri="{28A0092B-C50C-407E-A947-70E740481C1C}">
+                <a14:useLocalDpi xmlns:a14="http://schemas.microsoft.com/office/drawing/2010/main" val="0"/>
+              </a:ext>
+            </a:extLst>
+          </a:blip>
+          <a:stretch>
+            <a:fillRect/>
+          </a:stretch>
+        </p:blipFill>
         <p:spPr>
           <a:xfrm>
-            <a:off x="1297500" y="393750"/>
-            <a:ext cx="7038900" cy="914100"/>
+            <a:off x="4140955" y="224762"/>
+            <a:ext cx="2278380" cy="4602480"/>
           </a:xfrm>
           <a:prstGeom prst="rect">
             <a:avLst/>
           </a:prstGeom>
         </p:spPr>
-        <p:txBody>
-          <a:bodyPr anchorCtr="0" anchor="t" bIns="91425" lIns="91425" spcFirstLastPara="1" rIns="91425" wrap="square" tIns="91425">
-            <a:noAutofit/>
-          </a:bodyPr>
-          <a:lstStyle/>
-          <a:p>
-            <a:pPr indent="0" lvl="0" marL="0" rtl="0" algn="l">
-              <a:spcBef>
-                <a:spcPts val="0"/>
-              </a:spcBef>
-              <a:spcAft>
-                <a:spcPts val="0"/>
-              </a:spcAft>
-              <a:buNone/>
-            </a:pPr>
-            <a:r>
-              <a:rPr lang="en"/>
-              <a:t>Бъдещи възможни подобрения</a:t>
-            </a:r>
-            <a:endParaRPr/>
-          </a:p>
-        </p:txBody>
-      </p:sp>
-      <p:sp>
-        <p:nvSpPr>
-          <p:cNvPr id="191" name="Google Shape;191;p21"/>
-          <p:cNvSpPr txBox="1"/>
-          <p:nvPr>
-            <p:ph idx="1" type="body"/>
-          </p:nvPr>
-        </p:nvSpPr>
-        <p:spPr>
-          <a:xfrm>
-            <a:off x="1297500" y="1567550"/>
-            <a:ext cx="7038900" cy="2911200"/>
-          </a:xfrm>
-          <a:prstGeom prst="rect">
-            <a:avLst/>
-          </a:prstGeom>
-        </p:spPr>
-        <p:txBody>
-          <a:bodyPr anchorCtr="0" anchor="t" bIns="91425" lIns="91425" spcFirstLastPara="1" rIns="91425" wrap="square" tIns="91425">
-            <a:noAutofit/>
-          </a:bodyPr>
-          <a:lstStyle/>
-          <a:p>
-            <a:pPr indent="0" lvl="0" marL="0" rtl="0" algn="l">
-              <a:spcBef>
-                <a:spcPts val="0"/>
-              </a:spcBef>
-              <a:spcAft>
-                <a:spcPts val="0"/>
-              </a:spcAft>
-              <a:buNone/>
-            </a:pPr>
-            <a:r>
-              <a:rPr lang="en" sz="1400"/>
-              <a:t>Смяна на екрана с по-голям</a:t>
-            </a:r>
-            <a:endParaRPr sz="1400"/>
-          </a:p>
-          <a:p>
-            <a:pPr indent="0" lvl="0" marL="0" rtl="0" algn="l">
-              <a:spcBef>
-                <a:spcPts val="1600"/>
-              </a:spcBef>
-              <a:spcAft>
-                <a:spcPts val="1600"/>
-              </a:spcAft>
-              <a:buNone/>
-            </a:pPr>
-            <a:r>
-              <a:rPr lang="en" sz="1400"/>
-              <a:t>Добавянето на още игри, за които трябва по-голям екран (игри от сорта на Flappy Bird и Snake) </a:t>
-            </a:r>
-            <a:endParaRPr sz="1400"/>
-          </a:p>
-        </p:txBody>
-      </p:sp>
+      </p:pic>
     </p:spTree>
+    <p:extLst>
+      <p:ext uri="{BB962C8B-B14F-4D97-AF65-F5344CB8AC3E}">
+        <p14:creationId xmlns:p14="http://schemas.microsoft.com/office/powerpoint/2010/main" val="3754231728"/>
+      </p:ext>
+    </p:extLst>
   </p:cSld>
   <p:clrMapOvr>
     <a:masterClrMapping/>
   </p:clrMapOvr>
+  <p:timing>
+    <p:tnLst>
+      <p:par>
+        <p:cTn id="1" dur="indefinite" restart="never" nodeType="tmRoot"/>
+      </p:par>
+    </p:tnLst>
+  </p:timing>
 </p:sld>
 </file>
 
 <file path=ppt/theme/theme1.xml><?xml version="1.0" encoding="utf-8"?>
-<a:theme xmlns:a="http://schemas.openxmlformats.org/drawingml/2006/main" xmlns:r="http://schemas.openxmlformats.org/officeDocument/2006/relationships" name="Focus">
+<a:theme xmlns:a="http://schemas.openxmlformats.org/drawingml/2006/main" name="Focus">
   <a:themeElements>
     <a:clrScheme name="Focus">
       <a:dk1>
@@ -12153,11 +12933,13 @@
       </a:bgFillStyleLst>
     </a:fmtScheme>
   </a:themeElements>
+  <a:objectDefaults/>
+  <a:extraClrSchemeLst/>
 </a:theme>
 </file>
 
 <file path=ppt/theme/theme2.xml><?xml version="1.0" encoding="utf-8"?>
-<a:theme xmlns:a="http://schemas.openxmlformats.org/drawingml/2006/main" xmlns:r="http://schemas.openxmlformats.org/officeDocument/2006/relationships">
+<a:theme xmlns:a="http://schemas.openxmlformats.org/drawingml/2006/main">
   <a:themeElements>
     <a:clrScheme name="Default">
       <a:dk1>
@@ -12432,5 +13214,7 @@
       </a:bgFillStyleLst>
     </a:fmtScheme>
   </a:themeElements>
+  <a:objectDefaults/>
+  <a:extraClrSchemeLst/>
 </a:theme>
 </file>